--- a/PPT Main Project.pptx
+++ b/PPT Main Project.pptx
@@ -127,7 +127,7 @@
   </p:defaultTextStyle>
   <p:extLst>
     <p:ext uri="{EFAFB233-063F-42B5-8137-9DF3F51BA10A}">
-      <p15:sldGuideLst xmlns="" xmlns:p15="http://schemas.microsoft.com/office/powerpoint/2012/main">
+      <p15:sldGuideLst xmlns:p15="http://schemas.microsoft.com/office/powerpoint/2012/main" xmlns="">
         <p15:guide id="1" orient="horz" pos="2160">
           <p15:clr>
             <a:srgbClr val="A4A3A4"/>
@@ -227,7 +227,7 @@
             <a:fld id="{2240C2E1-49C1-4E9F-B765-795A32F9AFB9}" type="datetimeFigureOut">
               <a:rPr lang="en-US" smtClean="0"/>
               <a:pPr/>
-              <a:t>3/7/2023</a:t>
+              <a:t>3/30/2023</a:t>
             </a:fld>
             <a:endParaRPr lang="en-US"/>
           </a:p>
@@ -763,7 +763,7 @@
             <a:fld id="{583A977F-2504-E741-85B4-8F01994E1F25}" type="datetimeFigureOut">
               <a:rPr lang="en-US" smtClean="0"/>
               <a:pPr/>
-              <a:t>3/7/2023</a:t>
+              <a:t>3/30/2023</a:t>
             </a:fld>
             <a:endParaRPr lang="en-US" dirty="0"/>
           </a:p>
@@ -896,7 +896,7 @@
     </p:spTree>
     <p:extLst>
       <p:ext uri="{BB962C8B-B14F-4D97-AF65-F5344CB8AC3E}">
-        <p14:creationId xmlns="" xmlns:p14="http://schemas.microsoft.com/office/powerpoint/2010/main" val="722926710"/>
+        <p14:creationId xmlns:p14="http://schemas.microsoft.com/office/powerpoint/2010/main" xmlns="" val="722926710"/>
       </p:ext>
     </p:extLst>
   </p:cSld>
@@ -1097,7 +1097,7 @@
             <a:fld id="{944F351F-53B1-3B4C-8CD4-15B0457E8E3F}" type="datetimeFigureOut">
               <a:rPr lang="en-US" smtClean="0"/>
               <a:pPr/>
-              <a:t>3/7/2023</a:t>
+              <a:t>3/30/2023</a:t>
             </a:fld>
             <a:endParaRPr lang="en-US" dirty="0"/>
           </a:p>
@@ -1234,7 +1234,7 @@
     </p:spTree>
     <p:extLst>
       <p:ext uri="{BB962C8B-B14F-4D97-AF65-F5344CB8AC3E}">
-        <p14:creationId xmlns="" xmlns:p14="http://schemas.microsoft.com/office/powerpoint/2010/main" val="599395387"/>
+        <p14:creationId xmlns:p14="http://schemas.microsoft.com/office/powerpoint/2010/main" xmlns="" val="599395387"/>
       </p:ext>
     </p:extLst>
   </p:cSld>
@@ -1498,7 +1498,7 @@
             <a:fld id="{BAB1E8F6-4F69-E448-82E4-3FF8C30628E4}" type="datetimeFigureOut">
               <a:rPr lang="en-US" smtClean="0"/>
               <a:pPr/>
-              <a:t>3/7/2023</a:t>
+              <a:t>3/30/2023</a:t>
             </a:fld>
             <a:endParaRPr lang="en-US" dirty="0"/>
           </a:p>
@@ -1711,7 +1711,7 @@
     </p:spTree>
     <p:extLst>
       <p:ext uri="{BB962C8B-B14F-4D97-AF65-F5344CB8AC3E}">
-        <p14:creationId xmlns="" xmlns:p14="http://schemas.microsoft.com/office/powerpoint/2010/main" val="1470530382"/>
+        <p14:creationId xmlns:p14="http://schemas.microsoft.com/office/powerpoint/2010/main" xmlns="" val="1470530382"/>
       </p:ext>
     </p:extLst>
   </p:cSld>
@@ -1834,7 +1834,7 @@
             <a:fld id="{F790BAD4-EC93-8B4C-97AE-9AB5F3271B19}" type="datetimeFigureOut">
               <a:rPr lang="en-US" smtClean="0"/>
               <a:pPr/>
-              <a:t>3/7/2023</a:t>
+              <a:t>3/30/2023</a:t>
             </a:fld>
             <a:endParaRPr lang="en-US" dirty="0"/>
           </a:p>
@@ -1971,7 +1971,7 @@
     </p:spTree>
     <p:extLst>
       <p:ext uri="{BB962C8B-B14F-4D97-AF65-F5344CB8AC3E}">
-        <p14:creationId xmlns="" xmlns:p14="http://schemas.microsoft.com/office/powerpoint/2010/main" val="3512200377"/>
+        <p14:creationId xmlns:p14="http://schemas.microsoft.com/office/powerpoint/2010/main" xmlns="" val="3512200377"/>
       </p:ext>
     </p:extLst>
   </p:cSld>
@@ -2154,7 +2154,7 @@
             <a:fld id="{E6C9050E-E079-6441-81E7-806D30677343}" type="datetimeFigureOut">
               <a:rPr lang="en-US" smtClean="0"/>
               <a:pPr/>
-              <a:t>3/7/2023</a:t>
+              <a:t>3/30/2023</a:t>
             </a:fld>
             <a:endParaRPr lang="en-US" dirty="0"/>
           </a:p>
@@ -2367,7 +2367,7 @@
     </p:spTree>
     <p:extLst>
       <p:ext uri="{BB962C8B-B14F-4D97-AF65-F5344CB8AC3E}">
-        <p14:creationId xmlns="" xmlns:p14="http://schemas.microsoft.com/office/powerpoint/2010/main" val="14487751"/>
+        <p14:creationId xmlns:p14="http://schemas.microsoft.com/office/powerpoint/2010/main" xmlns="" val="14487751"/>
       </p:ext>
     </p:extLst>
   </p:cSld>
@@ -2550,7 +2550,7 @@
             <a:fld id="{99B230AF-FFB7-DE42-B481-AAC2589869DA}" type="datetimeFigureOut">
               <a:rPr lang="en-US" smtClean="0"/>
               <a:pPr/>
-              <a:t>3/7/2023</a:t>
+              <a:t>3/30/2023</a:t>
             </a:fld>
             <a:endParaRPr lang="en-US" dirty="0"/>
           </a:p>
@@ -2687,7 +2687,7 @@
     </p:spTree>
     <p:extLst>
       <p:ext uri="{BB962C8B-B14F-4D97-AF65-F5344CB8AC3E}">
-        <p14:creationId xmlns="" xmlns:p14="http://schemas.microsoft.com/office/powerpoint/2010/main" val="3109423774"/>
+        <p14:creationId xmlns:p14="http://schemas.microsoft.com/office/powerpoint/2010/main" xmlns="" val="3109423774"/>
       </p:ext>
     </p:extLst>
   </p:cSld>
@@ -2807,7 +2807,7 @@
             <a:fld id="{DE9A7C16-FAF2-2C41-B697-563997C522AD}" type="datetimeFigureOut">
               <a:rPr lang="en-US" smtClean="0"/>
               <a:pPr/>
-              <a:t>3/7/2023</a:t>
+              <a:t>3/30/2023</a:t>
             </a:fld>
             <a:endParaRPr lang="en-US" dirty="0"/>
           </a:p>
@@ -2939,7 +2939,7 @@
     </p:spTree>
     <p:extLst>
       <p:ext uri="{BB962C8B-B14F-4D97-AF65-F5344CB8AC3E}">
-        <p14:creationId xmlns="" xmlns:p14="http://schemas.microsoft.com/office/powerpoint/2010/main" val="2757106345"/>
+        <p14:creationId xmlns:p14="http://schemas.microsoft.com/office/powerpoint/2010/main" xmlns="" val="2757106345"/>
       </p:ext>
     </p:extLst>
   </p:cSld>
@@ -3069,7 +3069,7 @@
             <a:fld id="{0A19D9EA-0687-604F-B97A-763B6765DF9F}" type="datetimeFigureOut">
               <a:rPr lang="en-US" smtClean="0"/>
               <a:pPr/>
-              <a:t>3/7/2023</a:t>
+              <a:t>3/30/2023</a:t>
             </a:fld>
             <a:endParaRPr lang="en-US" dirty="0"/>
           </a:p>
@@ -3201,7 +3201,7 @@
     </p:spTree>
     <p:extLst>
       <p:ext uri="{BB962C8B-B14F-4D97-AF65-F5344CB8AC3E}">
-        <p14:creationId xmlns="" xmlns:p14="http://schemas.microsoft.com/office/powerpoint/2010/main" val="983010221"/>
+        <p14:creationId xmlns:p14="http://schemas.microsoft.com/office/powerpoint/2010/main" xmlns="" val="983010221"/>
       </p:ext>
     </p:extLst>
   </p:cSld>
@@ -3331,7 +3331,7 @@
             <a:fld id="{12B9A02F-357D-AF42-B110-A7740AFDCA1B}" type="datetimeFigureOut">
               <a:rPr lang="en-US" smtClean="0"/>
               <a:pPr/>
-              <a:t>3/7/2023</a:t>
+              <a:t>3/30/2023</a:t>
             </a:fld>
             <a:endParaRPr lang="en-US" dirty="0"/>
           </a:p>
@@ -3463,7 +3463,7 @@
     </p:spTree>
     <p:extLst>
       <p:ext uri="{BB962C8B-B14F-4D97-AF65-F5344CB8AC3E}">
-        <p14:creationId xmlns="" xmlns:p14="http://schemas.microsoft.com/office/powerpoint/2010/main" val="3187640478"/>
+        <p14:creationId xmlns:p14="http://schemas.microsoft.com/office/powerpoint/2010/main" xmlns="" val="3187640478"/>
       </p:ext>
     </p:extLst>
   </p:cSld>
@@ -3660,7 +3660,7 @@
             <a:fld id="{DABB9B27-4D02-2940-AED5-BC8F2B3B1507}" type="datetimeFigureOut">
               <a:rPr lang="en-US" smtClean="0"/>
               <a:pPr/>
-              <a:t>3/7/2023</a:t>
+              <a:t>3/30/2023</a:t>
             </a:fld>
             <a:endParaRPr lang="en-US" dirty="0"/>
           </a:p>
@@ -3797,7 +3797,7 @@
     </p:spTree>
     <p:extLst>
       <p:ext uri="{BB962C8B-B14F-4D97-AF65-F5344CB8AC3E}">
-        <p14:creationId xmlns="" xmlns:p14="http://schemas.microsoft.com/office/powerpoint/2010/main" val="282835714"/>
+        <p14:creationId xmlns:p14="http://schemas.microsoft.com/office/powerpoint/2010/main" xmlns="" val="282835714"/>
       </p:ext>
     </p:extLst>
   </p:cSld>
@@ -3983,7 +3983,7 @@
             <a:fld id="{04CF7878-2C98-7449-BB8F-764A5EA8E558}" type="datetimeFigureOut">
               <a:rPr lang="en-US" smtClean="0"/>
               <a:pPr/>
-              <a:t>3/7/2023</a:t>
+              <a:t>3/30/2023</a:t>
             </a:fld>
             <a:endParaRPr lang="en-US" dirty="0"/>
           </a:p>
@@ -4120,7 +4120,7 @@
     </p:spTree>
     <p:extLst>
       <p:ext uri="{BB962C8B-B14F-4D97-AF65-F5344CB8AC3E}">
-        <p14:creationId xmlns="" xmlns:p14="http://schemas.microsoft.com/office/powerpoint/2010/main" val="4065617683"/>
+        <p14:creationId xmlns:p14="http://schemas.microsoft.com/office/powerpoint/2010/main" xmlns="" val="4065617683"/>
       </p:ext>
     </p:extLst>
   </p:cSld>
@@ -4440,7 +4440,7 @@
             <a:fld id="{E6D2F403-9584-1749-B6AB-5E1C5F94527C}" type="datetimeFigureOut">
               <a:rPr lang="en-US" smtClean="0"/>
               <a:pPr/>
-              <a:t>3/7/2023</a:t>
+              <a:t>3/30/2023</a:t>
             </a:fld>
             <a:endParaRPr lang="en-US" dirty="0"/>
           </a:p>
@@ -4577,7 +4577,7 @@
     </p:spTree>
     <p:extLst>
       <p:ext uri="{BB962C8B-B14F-4D97-AF65-F5344CB8AC3E}">
-        <p14:creationId xmlns="" xmlns:p14="http://schemas.microsoft.com/office/powerpoint/2010/main" val="2244441409"/>
+        <p14:creationId xmlns:p14="http://schemas.microsoft.com/office/powerpoint/2010/main" xmlns="" val="2244441409"/>
       </p:ext>
     </p:extLst>
   </p:cSld>
@@ -4650,7 +4650,7 @@
             <a:fld id="{A58C0351-EB03-5444-BA93-B7E778374E24}" type="datetimeFigureOut">
               <a:rPr lang="en-US" smtClean="0"/>
               <a:pPr/>
-              <a:t>3/7/2023</a:t>
+              <a:t>3/30/2023</a:t>
             </a:fld>
             <a:endParaRPr lang="en-US" dirty="0"/>
           </a:p>
@@ -4782,7 +4782,7 @@
     </p:spTree>
     <p:extLst>
       <p:ext uri="{BB962C8B-B14F-4D97-AF65-F5344CB8AC3E}">
-        <p14:creationId xmlns="" xmlns:p14="http://schemas.microsoft.com/office/powerpoint/2010/main" val="2145883900"/>
+        <p14:creationId xmlns:p14="http://schemas.microsoft.com/office/powerpoint/2010/main" xmlns="" val="2145883900"/>
       </p:ext>
     </p:extLst>
   </p:cSld>
@@ -4827,7 +4827,7 @@
             <a:fld id="{A7EADB90-FF7E-5041-AB9F-1BC0957AB829}" type="datetimeFigureOut">
               <a:rPr lang="en-US" smtClean="0"/>
               <a:pPr/>
-              <a:t>3/7/2023</a:t>
+              <a:t>3/30/2023</a:t>
             </a:fld>
             <a:endParaRPr lang="en-US" dirty="0"/>
           </a:p>
@@ -4959,7 +4959,7 @@
     </p:spTree>
     <p:extLst>
       <p:ext uri="{BB962C8B-B14F-4D97-AF65-F5344CB8AC3E}">
-        <p14:creationId xmlns="" xmlns:p14="http://schemas.microsoft.com/office/powerpoint/2010/main" val="3109107397"/>
+        <p14:creationId xmlns:p14="http://schemas.microsoft.com/office/powerpoint/2010/main" xmlns="" val="3109107397"/>
       </p:ext>
     </p:extLst>
   </p:cSld>
@@ -5160,7 +5160,7 @@
             <a:fld id="{C1EB8CB6-48D8-4E47-B0D3-B56230F429D0}" type="datetimeFigureOut">
               <a:rPr lang="en-US" smtClean="0"/>
               <a:pPr/>
-              <a:t>3/7/2023</a:t>
+              <a:t>3/30/2023</a:t>
             </a:fld>
             <a:endParaRPr lang="en-US" dirty="0"/>
           </a:p>
@@ -5292,7 +5292,7 @@
     </p:spTree>
     <p:extLst>
       <p:ext uri="{BB962C8B-B14F-4D97-AF65-F5344CB8AC3E}">
-        <p14:creationId xmlns="" xmlns:p14="http://schemas.microsoft.com/office/powerpoint/2010/main" val="3921766765"/>
+        <p14:creationId xmlns:p14="http://schemas.microsoft.com/office/powerpoint/2010/main" xmlns="" val="3921766765"/>
       </p:ext>
     </p:extLst>
   </p:cSld>
@@ -5505,7 +5505,7 @@
             <a:fld id="{4EF716D3-DCE8-CC45-8106-AE5DFCD073F9}" type="datetimeFigureOut">
               <a:rPr lang="en-US" smtClean="0"/>
               <a:pPr/>
-              <a:t>3/7/2023</a:t>
+              <a:t>3/30/2023</a:t>
             </a:fld>
             <a:endParaRPr lang="en-US" dirty="0"/>
           </a:p>
@@ -5642,7 +5642,7 @@
     </p:spTree>
     <p:extLst>
       <p:ext uri="{BB962C8B-B14F-4D97-AF65-F5344CB8AC3E}">
-        <p14:creationId xmlns="" xmlns:p14="http://schemas.microsoft.com/office/powerpoint/2010/main" val="2408013160"/>
+        <p14:creationId xmlns:p14="http://schemas.microsoft.com/office/powerpoint/2010/main" xmlns="" val="2408013160"/>
       </p:ext>
     </p:extLst>
   </p:cSld>
@@ -7622,7 +7622,7 @@
             <a:fld id="{4D9FFFB4-400D-1240-AB24-6F86C96D4DFB}" type="datetimeFigureOut">
               <a:rPr lang="en-US" smtClean="0"/>
               <a:pPr/>
-              <a:t>3/7/2023</a:t>
+              <a:t>3/30/2023</a:t>
             </a:fld>
             <a:endParaRPr lang="en-US" dirty="0"/>
           </a:p>
@@ -7708,7 +7708,7 @@
     </p:spTree>
     <p:extLst>
       <p:ext uri="{BB962C8B-B14F-4D97-AF65-F5344CB8AC3E}">
-        <p14:creationId xmlns="" xmlns:p14="http://schemas.microsoft.com/office/powerpoint/2010/main" val="2741851636"/>
+        <p14:creationId xmlns:p14="http://schemas.microsoft.com/office/powerpoint/2010/main" xmlns="" val="2741851636"/>
       </p:ext>
     </p:extLst>
   </p:cSld>
@@ -8147,7 +8147,7 @@
           <p:cNvPr id="5" name="Title 1">
             <a:extLst>
               <a:ext uri="{FF2B5EF4-FFF2-40B4-BE49-F238E27FC236}">
-                <a16:creationId xmlns="" xmlns:a16="http://schemas.microsoft.com/office/drawing/2014/main" id="{DFF4D455-4730-D5A7-84E8-BD8A241405E2}"/>
+                <a16:creationId xmlns:a16="http://schemas.microsoft.com/office/drawing/2014/main" xmlns="" id="{DFF4D455-4730-D5A7-84E8-BD8A241405E2}"/>
               </a:ext>
             </a:extLst>
           </p:cNvPr>
@@ -8204,7 +8204,7 @@
           <p:cNvPr id="3" name="Subtitle 2">
             <a:extLst>
               <a:ext uri="{FF2B5EF4-FFF2-40B4-BE49-F238E27FC236}">
-                <a16:creationId xmlns="" xmlns:a16="http://schemas.microsoft.com/office/drawing/2014/main" id="{3CE739F4-60C0-621D-E18F-7FD2AAF1968B}"/>
+                <a16:creationId xmlns:a16="http://schemas.microsoft.com/office/drawing/2014/main" xmlns="" id="{3CE739F4-60C0-621D-E18F-7FD2AAF1968B}"/>
               </a:ext>
             </a:extLst>
           </p:cNvPr>
@@ -8430,7 +8430,7 @@
     </p:spTree>
     <p:extLst>
       <p:ext uri="{BB962C8B-B14F-4D97-AF65-F5344CB8AC3E}">
-        <p14:creationId xmlns="" xmlns:p14="http://schemas.microsoft.com/office/powerpoint/2010/main" val="1674278919"/>
+        <p14:creationId xmlns:p14="http://schemas.microsoft.com/office/powerpoint/2010/main" xmlns="" val="1674278919"/>
       </p:ext>
     </p:extLst>
   </p:cSld>
@@ -8469,7 +8469,7 @@
           <p:cNvPr id="5" name="Title 4">
             <a:extLst>
               <a:ext uri="{FF2B5EF4-FFF2-40B4-BE49-F238E27FC236}">
-                <a16:creationId xmlns="" xmlns:a16="http://schemas.microsoft.com/office/drawing/2014/main" id="{0846DB05-C485-281C-F050-65BAF5F461D9}"/>
+                <a16:creationId xmlns:a16="http://schemas.microsoft.com/office/drawing/2014/main" xmlns="" id="{0846DB05-C485-281C-F050-65BAF5F461D9}"/>
               </a:ext>
             </a:extLst>
           </p:cNvPr>
@@ -8604,7 +8604,7 @@
     </p:spTree>
     <p:extLst>
       <p:ext uri="{BB962C8B-B14F-4D97-AF65-F5344CB8AC3E}">
-        <p14:creationId xmlns="" xmlns:p14="http://schemas.microsoft.com/office/powerpoint/2010/main" val="3654497846"/>
+        <p14:creationId xmlns:p14="http://schemas.microsoft.com/office/powerpoint/2010/main" xmlns="" val="3654497846"/>
       </p:ext>
     </p:extLst>
   </p:cSld>
@@ -8643,7 +8643,7 @@
           <p:cNvPr id="5" name="Title 4">
             <a:extLst>
               <a:ext uri="{FF2B5EF4-FFF2-40B4-BE49-F238E27FC236}">
-                <a16:creationId xmlns="" xmlns:a16="http://schemas.microsoft.com/office/drawing/2014/main" id="{0846DB05-C485-281C-F050-65BAF5F461D9}"/>
+                <a16:creationId xmlns:a16="http://schemas.microsoft.com/office/drawing/2014/main" xmlns="" id="{0846DB05-C485-281C-F050-65BAF5F461D9}"/>
               </a:ext>
             </a:extLst>
           </p:cNvPr>
@@ -8754,7 +8754,7 @@
     </p:spTree>
     <p:extLst>
       <p:ext uri="{BB962C8B-B14F-4D97-AF65-F5344CB8AC3E}">
-        <p14:creationId xmlns="" xmlns:p14="http://schemas.microsoft.com/office/powerpoint/2010/main" val="382630219"/>
+        <p14:creationId xmlns:p14="http://schemas.microsoft.com/office/powerpoint/2010/main" xmlns="" val="382630219"/>
       </p:ext>
     </p:extLst>
   </p:cSld>
@@ -8816,7 +8816,7 @@
           <p:cNvPr id="3" name="Title 4">
             <a:extLst>
               <a:ext uri="{FF2B5EF4-FFF2-40B4-BE49-F238E27FC236}">
-                <a16:creationId xmlns="" xmlns:a16="http://schemas.microsoft.com/office/drawing/2014/main" id="{0846DB05-C485-281C-F050-65BAF5F461D9}"/>
+                <a16:creationId xmlns:a16="http://schemas.microsoft.com/office/drawing/2014/main" xmlns="" id="{0846DB05-C485-281C-F050-65BAF5F461D9}"/>
               </a:ext>
             </a:extLst>
           </p:cNvPr>
@@ -8998,7 +8998,7 @@
           <p:cNvPr id="8" name="Title 7">
             <a:extLst>
               <a:ext uri="{FF2B5EF4-FFF2-40B4-BE49-F238E27FC236}">
-                <a16:creationId xmlns="" xmlns:a16="http://schemas.microsoft.com/office/drawing/2014/main" id="{21979A29-8F78-A599-302F-D0691960C8C7}"/>
+                <a16:creationId xmlns:a16="http://schemas.microsoft.com/office/drawing/2014/main" xmlns="" id="{21979A29-8F78-A599-302F-D0691960C8C7}"/>
               </a:ext>
             </a:extLst>
           </p:cNvPr>
@@ -9033,7 +9033,7 @@
           <p:cNvPr id="10" name="Table 10">
             <a:extLst>
               <a:ext uri="{FF2B5EF4-FFF2-40B4-BE49-F238E27FC236}">
-                <a16:creationId xmlns="" xmlns:a16="http://schemas.microsoft.com/office/drawing/2014/main" id="{9F0DF514-DDCF-837E-EC48-39C23698D16B}"/>
+                <a16:creationId xmlns:a16="http://schemas.microsoft.com/office/drawing/2014/main" xmlns="" id="{9F0DF514-DDCF-837E-EC48-39C23698D16B}"/>
               </a:ext>
             </a:extLst>
           </p:cNvPr>
@@ -9044,7 +9044,7 @@
             <p:ph idx="1"/>
             <p:extLst>
               <p:ext uri="{D42A27DB-BD31-4B8C-83A1-F6EECF244321}">
-                <p14:modId xmlns="" xmlns:p14="http://schemas.microsoft.com/office/powerpoint/2010/main" val="2439808049"/>
+                <p14:modId xmlns:p14="http://schemas.microsoft.com/office/powerpoint/2010/main" xmlns="" val="2439808049"/>
               </p:ext>
             </p:extLst>
           </p:nvPr>
@@ -9063,21 +9063,21 @@
                 <a:gridCol w="1913538">
                   <a:extLst>
                     <a:ext uri="{9D8B030D-6E8A-4147-A177-3AD203B41FA5}">
-                      <a16:colId xmlns="" xmlns:a16="http://schemas.microsoft.com/office/drawing/2014/main" val="438583179"/>
+                      <a16:colId xmlns:a16="http://schemas.microsoft.com/office/drawing/2014/main" xmlns="" val="438583179"/>
                     </a:ext>
                   </a:extLst>
                 </a:gridCol>
                 <a:gridCol w="2293456">
                   <a:extLst>
                     <a:ext uri="{9D8B030D-6E8A-4147-A177-3AD203B41FA5}">
-                      <a16:colId xmlns="" xmlns:a16="http://schemas.microsoft.com/office/drawing/2014/main" val="486275452"/>
+                      <a16:colId xmlns:a16="http://schemas.microsoft.com/office/drawing/2014/main" xmlns="" val="486275452"/>
                     </a:ext>
                   </a:extLst>
                 </a:gridCol>
                 <a:gridCol w="1721655">
                   <a:extLst>
                     <a:ext uri="{9D8B030D-6E8A-4147-A177-3AD203B41FA5}">
-                      <a16:colId xmlns="" xmlns:a16="http://schemas.microsoft.com/office/drawing/2014/main" val="2840659410"/>
+                      <a16:colId xmlns:a16="http://schemas.microsoft.com/office/drawing/2014/main" xmlns="" val="2840659410"/>
                     </a:ext>
                   </a:extLst>
                 </a:gridCol>
@@ -9146,7 +9146,7 @@
                 </a:tc>
                 <a:extLst>
                   <a:ext uri="{0D108BD9-81ED-4DB2-BD59-A6C34878D82A}">
-                    <a16:rowId xmlns="" xmlns:a16="http://schemas.microsoft.com/office/drawing/2014/main" val="604132159"/>
+                    <a16:rowId xmlns:a16="http://schemas.microsoft.com/office/drawing/2014/main" xmlns="" val="604132159"/>
                   </a:ext>
                 </a:extLst>
               </a:tr>
@@ -9244,7 +9244,7 @@
                 </a:tc>
                 <a:extLst>
                   <a:ext uri="{0D108BD9-81ED-4DB2-BD59-A6C34878D82A}">
-                    <a16:rowId xmlns="" xmlns:a16="http://schemas.microsoft.com/office/drawing/2014/main" val="714239130"/>
+                    <a16:rowId xmlns:a16="http://schemas.microsoft.com/office/drawing/2014/main" xmlns="" val="714239130"/>
                   </a:ext>
                 </a:extLst>
               </a:tr>
@@ -9343,7 +9343,7 @@
                 </a:tc>
                 <a:extLst>
                   <a:ext uri="{0D108BD9-81ED-4DB2-BD59-A6C34878D82A}">
-                    <a16:rowId xmlns="" xmlns:a16="http://schemas.microsoft.com/office/drawing/2014/main" val="3320921299"/>
+                    <a16:rowId xmlns:a16="http://schemas.microsoft.com/office/drawing/2014/main" xmlns="" val="3320921299"/>
                   </a:ext>
                 </a:extLst>
               </a:tr>
@@ -9458,7 +9458,7 @@
                 </a:tc>
                 <a:extLst>
                   <a:ext uri="{0D108BD9-81ED-4DB2-BD59-A6C34878D82A}">
-                    <a16:rowId xmlns="" xmlns:a16="http://schemas.microsoft.com/office/drawing/2014/main" val="988263905"/>
+                    <a16:rowId xmlns:a16="http://schemas.microsoft.com/office/drawing/2014/main" xmlns="" val="988263905"/>
                   </a:ext>
                 </a:extLst>
               </a:tr>
@@ -9673,7 +9673,7 @@
                 </a:tc>
                 <a:extLst>
                   <a:ext uri="{0D108BD9-81ED-4DB2-BD59-A6C34878D82A}">
-                    <a16:rowId xmlns="" xmlns:a16="http://schemas.microsoft.com/office/drawing/2014/main" val="4204174370"/>
+                    <a16:rowId xmlns:a16="http://schemas.microsoft.com/office/drawing/2014/main" xmlns="" val="4204174370"/>
                   </a:ext>
                 </a:extLst>
               </a:tr>
@@ -10263,7 +10263,7 @@
     </p:spTree>
     <p:extLst>
       <p:ext uri="{BB962C8B-B14F-4D97-AF65-F5344CB8AC3E}">
-        <p14:creationId xmlns="" xmlns:p14="http://schemas.microsoft.com/office/powerpoint/2010/main" val="3457155475"/>
+        <p14:creationId xmlns:p14="http://schemas.microsoft.com/office/powerpoint/2010/main" xmlns="" val="3457155475"/>
       </p:ext>
     </p:extLst>
   </p:cSld>
@@ -10302,7 +10302,7 @@
           <p:cNvPr id="2" name="Title 1">
             <a:extLst>
               <a:ext uri="{FF2B5EF4-FFF2-40B4-BE49-F238E27FC236}">
-                <a16:creationId xmlns="" xmlns:a16="http://schemas.microsoft.com/office/drawing/2014/main" id="{5E657DAE-6E7E-9C1B-F4A3-63D4BA4A3061}"/>
+                <a16:creationId xmlns:a16="http://schemas.microsoft.com/office/drawing/2014/main" xmlns="" id="{5E657DAE-6E7E-9C1B-F4A3-63D4BA4A3061}"/>
               </a:ext>
             </a:extLst>
           </p:cNvPr>
@@ -10337,7 +10337,7 @@
           <p:cNvPr id="4" name="Table 4">
             <a:extLst>
               <a:ext uri="{FF2B5EF4-FFF2-40B4-BE49-F238E27FC236}">
-                <a16:creationId xmlns="" xmlns:a16="http://schemas.microsoft.com/office/drawing/2014/main" id="{9CDDB2A3-7585-084F-5BBF-FEF2C08C8DB6}"/>
+                <a16:creationId xmlns:a16="http://schemas.microsoft.com/office/drawing/2014/main" xmlns="" id="{9CDDB2A3-7585-084F-5BBF-FEF2C08C8DB6}"/>
               </a:ext>
             </a:extLst>
           </p:cNvPr>
@@ -10348,14 +10348,14 @@
             <p:ph idx="1"/>
             <p:extLst>
               <p:ext uri="{D42A27DB-BD31-4B8C-83A1-F6EECF244321}">
-                <p14:modId xmlns="" xmlns:p14="http://schemas.microsoft.com/office/powerpoint/2010/main" val="1212678900"/>
+                <p14:modId xmlns:p14="http://schemas.microsoft.com/office/powerpoint/2010/main" xmlns="" val="1212678900"/>
               </p:ext>
             </p:extLst>
           </p:nvPr>
         </p:nvGraphicFramePr>
         <p:xfrm>
           <a:off x="2881290" y="785795"/>
-          <a:ext cx="8572563" cy="5260335"/>
+          <a:ext cx="8572563" cy="5201934"/>
         </p:xfrm>
         <a:graphic>
           <a:graphicData uri="http://schemas.openxmlformats.org/drawingml/2006/table">
@@ -10367,28 +10367,28 @@
                 <a:gridCol w="2143141">
                   <a:extLst>
                     <a:ext uri="{9D8B030D-6E8A-4147-A177-3AD203B41FA5}">
-                      <a16:colId xmlns="" xmlns:a16="http://schemas.microsoft.com/office/drawing/2014/main" val="95974096"/>
+                      <a16:colId xmlns:a16="http://schemas.microsoft.com/office/drawing/2014/main" xmlns="" val="95974096"/>
                     </a:ext>
                   </a:extLst>
                 </a:gridCol>
                 <a:gridCol w="2143141">
                   <a:extLst>
                     <a:ext uri="{9D8B030D-6E8A-4147-A177-3AD203B41FA5}">
-                      <a16:colId xmlns="" xmlns:a16="http://schemas.microsoft.com/office/drawing/2014/main" val="3662920334"/>
+                      <a16:colId xmlns:a16="http://schemas.microsoft.com/office/drawing/2014/main" xmlns="" val="3662920334"/>
                     </a:ext>
                   </a:extLst>
                 </a:gridCol>
                 <a:gridCol w="1930463">
                   <a:extLst>
                     <a:ext uri="{9D8B030D-6E8A-4147-A177-3AD203B41FA5}">
-                      <a16:colId xmlns="" xmlns:a16="http://schemas.microsoft.com/office/drawing/2014/main" val="726843149"/>
+                      <a16:colId xmlns:a16="http://schemas.microsoft.com/office/drawing/2014/main" xmlns="" val="726843149"/>
                     </a:ext>
                   </a:extLst>
                 </a:gridCol>
                 <a:gridCol w="2355818">
                   <a:extLst>
                     <a:ext uri="{9D8B030D-6E8A-4147-A177-3AD203B41FA5}">
-                      <a16:colId xmlns="" xmlns:a16="http://schemas.microsoft.com/office/drawing/2014/main" val="2382856930"/>
+                      <a16:colId xmlns:a16="http://schemas.microsoft.com/office/drawing/2014/main" xmlns="" val="2382856930"/>
                     </a:ext>
                   </a:extLst>
                 </a:gridCol>
@@ -10479,7 +10479,7 @@
                 </a:tc>
                 <a:extLst>
                   <a:ext uri="{0D108BD9-81ED-4DB2-BD59-A6C34878D82A}">
-                    <a16:rowId xmlns="" xmlns:a16="http://schemas.microsoft.com/office/drawing/2014/main" val="4034950038"/>
+                    <a16:rowId xmlns:a16="http://schemas.microsoft.com/office/drawing/2014/main" xmlns="" val="4034950038"/>
                   </a:ext>
                 </a:extLst>
               </a:tr>
@@ -10549,7 +10549,7 @@
                 </a:tc>
                 <a:extLst>
                   <a:ext uri="{0D108BD9-81ED-4DB2-BD59-A6C34878D82A}">
-                    <a16:rowId xmlns="" xmlns:a16="http://schemas.microsoft.com/office/drawing/2014/main" val="4040729667"/>
+                    <a16:rowId xmlns:a16="http://schemas.microsoft.com/office/drawing/2014/main" xmlns="" val="4040729667"/>
                   </a:ext>
                 </a:extLst>
               </a:tr>
@@ -10565,6 +10565,119 @@
                         <a:t>2</a:t>
                       </a:r>
                       <a:endParaRPr lang="en-US" sz="1500" b="1" dirty="0"/>
+                    </a:p>
+                  </a:txBody>
+                  <a:tcPr/>
+                </a:tc>
+                <a:tc>
+                  <a:txBody>
+                    <a:bodyPr/>
+                    <a:lstStyle/>
+                    <a:p>
+                      <a:pPr algn="ctr"/>
+                      <a:r>
+                        <a:rPr lang="en-IN" sz="1500" dirty="0" err="1" smtClean="0"/>
+                        <a:t>HoD</a:t>
+                      </a:r>
+                      <a:endParaRPr lang="en-US" sz="1500" dirty="0"/>
+                    </a:p>
+                  </a:txBody>
+                  <a:tcPr/>
+                </a:tc>
+                <a:tc>
+                  <a:txBody>
+                    <a:bodyPr/>
+                    <a:lstStyle/>
+                    <a:p>
+                      <a:pPr algn="ctr"/>
+                      <a:r>
+                        <a:rPr lang="en-IN" sz="1500" dirty="0" smtClean="0"/>
+                        <a:t>Register</a:t>
+                      </a:r>
+                      <a:r>
+                        <a:rPr lang="en-IN" sz="1500" baseline="0" dirty="0" smtClean="0"/>
+                        <a:t> Student</a:t>
+                      </a:r>
+                      <a:endParaRPr lang="en-US" sz="1500" dirty="0"/>
+                    </a:p>
+                  </a:txBody>
+                  <a:tcPr/>
+                </a:tc>
+                <a:tc>
+                  <a:txBody>
+                    <a:bodyPr/>
+                    <a:lstStyle/>
+                    <a:p>
+                      <a:pPr algn="ctr"/>
+                      <a:r>
+                        <a:rPr lang="en-IN" sz="1500" dirty="0" smtClean="0"/>
+                        <a:t>Add</a:t>
+                      </a:r>
+                      <a:r>
+                        <a:rPr lang="en-IN" sz="1500" baseline="0" dirty="0" smtClean="0"/>
+                        <a:t>/ Delete Student </a:t>
+                      </a:r>
+                      <a:endParaRPr lang="en-US" sz="1500" dirty="0"/>
+                    </a:p>
+                  </a:txBody>
+                  <a:tcPr/>
+                </a:tc>
+                <a:extLst>
+                  <a:ext uri="{0D108BD9-81ED-4DB2-BD59-A6C34878D82A}">
+                    <a16:rowId xmlns:a16="http://schemas.microsoft.com/office/drawing/2014/main" xmlns="" val="4217941202"/>
+                  </a:ext>
+                </a:extLst>
+              </a:tr>
+              <a:tr h="529173">
+                <a:tc>
+                  <a:txBody>
+                    <a:bodyPr/>
+                    <a:lstStyle/>
+                    <a:p>
+                      <a:pPr algn="ctr"/>
+                      <a:r>
+                        <a:rPr lang="en-IN" sz="1500" b="1" dirty="0" smtClean="0"/>
+                        <a:t>3</a:t>
+                      </a:r>
+                      <a:endParaRPr lang="en-US" sz="1500" b="1" dirty="0"/>
+                    </a:p>
+                  </a:txBody>
+                  <a:tcPr/>
+                </a:tc>
+                <a:tc>
+                  <a:txBody>
+                    <a:bodyPr/>
+                    <a:lstStyle/>
+                    <a:p>
+                      <a:pPr algn="ctr"/>
+                      <a:r>
+                        <a:rPr lang="en-IN" sz="1500" dirty="0" smtClean="0"/>
+                        <a:t>Student</a:t>
+                      </a:r>
+                      <a:r>
+                        <a:rPr lang="en-IN" sz="1500" baseline="0" dirty="0" smtClean="0"/>
+                        <a:t> </a:t>
+                      </a:r>
+                      <a:endParaRPr lang="en-US" sz="1500" dirty="0"/>
+                    </a:p>
+                  </a:txBody>
+                  <a:tcPr/>
+                </a:tc>
+                <a:tc>
+                  <a:txBody>
+                    <a:bodyPr/>
+                    <a:lstStyle/>
+                    <a:p>
+                      <a:pPr algn="ctr"/>
+                      <a:r>
+                        <a:rPr lang="en-IN" sz="1500" dirty="0" smtClean="0"/>
+                        <a:t>Login</a:t>
+                      </a:r>
+                      <a:r>
+                        <a:rPr lang="en-IN" sz="1500" baseline="0" dirty="0" smtClean="0"/>
+                        <a:t> </a:t>
+                      </a:r>
+                      <a:endParaRPr lang="en-US" sz="1500" dirty="0"/>
                     </a:p>
                   </a:txBody>
                   <a:tcPr/>
@@ -10592,59 +10705,16 @@
                         <a:defRPr/>
                       </a:pPr>
                       <a:r>
-                        <a:rPr lang="en-IN" sz="1500" dirty="0" err="1" smtClean="0"/>
-                        <a:t>HoD</a:t>
-                      </a:r>
-                      <a:endParaRPr lang="en-US" sz="1500" dirty="0" smtClean="0"/>
-                    </a:p>
-                  </a:txBody>
-                  <a:tcPr/>
-                </a:tc>
-                <a:tc>
-                  <a:txBody>
-                    <a:bodyPr/>
-                    <a:lstStyle/>
-                    <a:p>
-                      <a:pPr algn="ctr"/>
-                      <a:r>
-                        <a:rPr lang="en-US" sz="1500" dirty="0"/>
-                        <a:t>Manage </a:t>
-                      </a:r>
-                      <a:r>
-                        <a:rPr lang="en-US" sz="1500" dirty="0" smtClean="0"/>
-                        <a:t>Announcement</a:t>
-                      </a:r>
-                      <a:endParaRPr lang="en-US" sz="1500" dirty="0"/>
-                    </a:p>
-                  </a:txBody>
-                  <a:tcPr/>
-                </a:tc>
-                <a:tc>
-                  <a:txBody>
-                    <a:bodyPr/>
-                    <a:lstStyle/>
-                    <a:p>
-                      <a:pPr algn="ctr"/>
-                      <a:r>
                         <a:rPr lang="en-IN" sz="1500" dirty="0" smtClean="0"/>
-                        <a:t>Post</a:t>
-                      </a:r>
-                      <a:r>
-                        <a:rPr lang="en-IN" sz="1500" baseline="0" dirty="0" smtClean="0"/>
-                        <a:t> </a:t>
-                      </a:r>
-                      <a:r>
-                        <a:rPr lang="en-US" sz="1500" dirty="0" smtClean="0"/>
-                        <a:t>Announcement</a:t>
-                      </a:r>
-                      <a:endParaRPr lang="en-US" sz="1500" dirty="0"/>
+                        <a:t>Access the System</a:t>
+                      </a:r>
                     </a:p>
                   </a:txBody>
                   <a:tcPr/>
                 </a:tc>
                 <a:extLst>
                   <a:ext uri="{0D108BD9-81ED-4DB2-BD59-A6C34878D82A}">
-                    <a16:rowId xmlns="" xmlns:a16="http://schemas.microsoft.com/office/drawing/2014/main" val="4217941202"/>
+                    <a16:rowId xmlns:a16="http://schemas.microsoft.com/office/drawing/2014/main" xmlns="" val="1015645382"/>
                   </a:ext>
                 </a:extLst>
               </a:tr>
@@ -10657,7 +10727,7 @@
                       <a:pPr algn="ctr"/>
                       <a:r>
                         <a:rPr lang="en-IN" sz="1500" b="1" dirty="0" smtClean="0"/>
-                        <a:t>3</a:t>
+                        <a:t>4</a:t>
                       </a:r>
                       <a:endParaRPr lang="en-US" sz="1500" b="1" dirty="0"/>
                     </a:p>
@@ -10672,11 +10742,11 @@
                       <a:pPr algn="ctr"/>
                       <a:r>
                         <a:rPr lang="en-IN" sz="1500" dirty="0" smtClean="0"/>
-                        <a:t>Teache</a:t>
+                        <a:t>Student</a:t>
                       </a:r>
                       <a:r>
                         <a:rPr lang="en-IN" sz="1500" baseline="0" dirty="0" smtClean="0"/>
-                        <a:t>r</a:t>
+                        <a:t> </a:t>
                       </a:r>
                       <a:endParaRPr lang="en-US" sz="1500" dirty="0"/>
                     </a:p>
@@ -10690,47 +10760,14 @@
                     <a:p>
                       <a:pPr algn="ctr"/>
                       <a:r>
-                        <a:rPr lang="en-US" sz="1500" dirty="0" smtClean="0"/>
-                        <a:t>View  Announcement</a:t>
+                        <a:rPr lang="en-IN" sz="1500" dirty="0" smtClean="0"/>
+                        <a:t>Registration</a:t>
+                      </a:r>
+                      <a:r>
+                        <a:rPr lang="en-IN" sz="1500" baseline="0" dirty="0" smtClean="0"/>
+                        <a:t> </a:t>
                       </a:r>
                       <a:endParaRPr lang="en-US" sz="1500" dirty="0"/>
-                    </a:p>
-                  </a:txBody>
-                  <a:tcPr/>
-                </a:tc>
-                <a:tc>
-                  <a:txBody>
-                    <a:bodyPr/>
-                    <a:lstStyle/>
-                    <a:p>
-                      <a:pPr algn="ctr"/>
-                      <a:r>
-                        <a:rPr lang="en-US" sz="1500" dirty="0" smtClean="0"/>
-                        <a:t>View  Announcement</a:t>
-                      </a:r>
-                      <a:endParaRPr lang="en-US" sz="1500" dirty="0"/>
-                    </a:p>
-                  </a:txBody>
-                  <a:tcPr/>
-                </a:tc>
-                <a:extLst>
-                  <a:ext uri="{0D108BD9-81ED-4DB2-BD59-A6C34878D82A}">
-                    <a16:rowId xmlns="" xmlns:a16="http://schemas.microsoft.com/office/drawing/2014/main" val="1015645382"/>
-                  </a:ext>
-                </a:extLst>
-              </a:tr>
-              <a:tr h="529173">
-                <a:tc>
-                  <a:txBody>
-                    <a:bodyPr/>
-                    <a:lstStyle/>
-                    <a:p>
-                      <a:pPr algn="ctr"/>
-                      <a:r>
-                        <a:rPr lang="en-IN" sz="1500" b="1" dirty="0" smtClean="0"/>
-                        <a:t>4</a:t>
-                      </a:r>
-                      <a:endParaRPr lang="en-US" sz="1500" b="1" dirty="0"/>
                     </a:p>
                   </a:txBody>
                   <a:tcPr/>
@@ -10758,60 +10795,21 @@
                         <a:defRPr/>
                       </a:pPr>
                       <a:r>
-                        <a:rPr kumimoji="0" lang="en-IN" sz="1500" b="0" i="0" u="none" strike="noStrike" kern="1200" cap="none" spc="0" normalizeH="0" baseline="0" noProof="0" dirty="0" smtClean="0">
-                          <a:ln>
-                            <a:noFill/>
-                          </a:ln>
-                          <a:solidFill>
-                            <a:prstClr val="black"/>
-                          </a:solidFill>
-                          <a:effectLst/>
-                          <a:uLnTx/>
-                          <a:uFillTx/>
-                          <a:latin typeface="+mn-lt"/>
-                          <a:ea typeface="+mn-ea"/>
-                          <a:cs typeface="+mn-cs"/>
-                        </a:rPr>
-                        <a:t>Student</a:t>
-                      </a:r>
-                      <a:endParaRPr lang="en-US" dirty="0"/>
-                    </a:p>
-                  </a:txBody>
-                  <a:tcPr/>
-                </a:tc>
-                <a:tc>
-                  <a:txBody>
-                    <a:bodyPr/>
-                    <a:lstStyle/>
-                    <a:p>
-                      <a:pPr algn="ctr"/>
-                      <a:r>
-                        <a:rPr lang="en-US" sz="1500" dirty="0" smtClean="0"/>
-                        <a:t>View  Announcement</a:t>
-                      </a:r>
-                      <a:endParaRPr lang="en-US" sz="1500" dirty="0"/>
-                    </a:p>
-                  </a:txBody>
-                  <a:tcPr/>
-                </a:tc>
-                <a:tc>
-                  <a:txBody>
-                    <a:bodyPr/>
-                    <a:lstStyle/>
-                    <a:p>
-                      <a:pPr algn="ctr"/>
-                      <a:r>
-                        <a:rPr lang="en-US" sz="1500" dirty="0" smtClean="0"/>
-                        <a:t>View  Announcement</a:t>
-                      </a:r>
-                      <a:endParaRPr lang="en-US" sz="1500" dirty="0"/>
+                        <a:rPr lang="en-IN" sz="1500" dirty="0" smtClean="0"/>
+                        <a:t>Add</a:t>
+                      </a:r>
+                      <a:r>
+                        <a:rPr lang="en-IN" sz="1500" baseline="0" dirty="0" smtClean="0"/>
+                        <a:t> there details</a:t>
+                      </a:r>
+                      <a:endParaRPr lang="en-IN" sz="1500" dirty="0" smtClean="0"/>
                     </a:p>
                   </a:txBody>
                   <a:tcPr/>
                 </a:tc>
                 <a:extLst>
                   <a:ext uri="{0D108BD9-81ED-4DB2-BD59-A6C34878D82A}">
-                    <a16:rowId xmlns="" xmlns:a16="http://schemas.microsoft.com/office/drawing/2014/main" val="2977811042"/>
+                    <a16:rowId xmlns:a16="http://schemas.microsoft.com/office/drawing/2014/main" xmlns="" val="2977811042"/>
                   </a:ext>
                 </a:extLst>
               </a:tr>
@@ -10838,7 +10836,7 @@
                     <a:p>
                       <a:pPr algn="ctr"/>
                       <a:r>
-                        <a:rPr lang="en-IN" sz="1500" dirty="0" err="1" smtClean="0"/>
+                        <a:rPr lang="en-IN" sz="1500" dirty="0" smtClean="0"/>
                         <a:t>HoD</a:t>
                       </a:r>
                       <a:endParaRPr lang="en-US" sz="1500" dirty="0"/>
@@ -10854,90 +10852,11 @@
                       <a:pPr algn="ctr"/>
                       <a:r>
                         <a:rPr lang="en-IN" sz="1500" dirty="0" smtClean="0"/>
-                        <a:t>Register</a:t>
+                        <a:t>Manage</a:t>
                       </a:r>
                       <a:r>
                         <a:rPr lang="en-IN" sz="1500" baseline="0" dirty="0" smtClean="0"/>
-                        <a:t> Student</a:t>
-                      </a:r>
-                      <a:endParaRPr lang="en-US" sz="1500" dirty="0"/>
-                    </a:p>
-                  </a:txBody>
-                  <a:tcPr/>
-                </a:tc>
-                <a:tc>
-                  <a:txBody>
-                    <a:bodyPr/>
-                    <a:lstStyle/>
-                    <a:p>
-                      <a:pPr algn="ctr"/>
-                      <a:r>
-                        <a:rPr lang="en-IN" sz="1500" dirty="0" smtClean="0"/>
-                        <a:t>Add</a:t>
-                      </a:r>
-                      <a:r>
-                        <a:rPr lang="en-IN" sz="1500" baseline="0" dirty="0" smtClean="0"/>
-                        <a:t>/ Delete Student </a:t>
-                      </a:r>
-                      <a:endParaRPr lang="en-US" sz="1500" dirty="0"/>
-                    </a:p>
-                  </a:txBody>
-                  <a:tcPr/>
-                </a:tc>
-                <a:extLst>
-                  <a:ext uri="{0D108BD9-81ED-4DB2-BD59-A6C34878D82A}">
-                    <a16:rowId xmlns="" xmlns:a16="http://schemas.microsoft.com/office/drawing/2014/main" val="631930891"/>
-                  </a:ext>
-                </a:extLst>
-              </a:tr>
-              <a:tr h="308684">
-                <a:tc>
-                  <a:txBody>
-                    <a:bodyPr/>
-                    <a:lstStyle/>
-                    <a:p>
-                      <a:pPr algn="ctr"/>
-                      <a:r>
-                        <a:rPr lang="en-IN" sz="1500" b="1" dirty="0" smtClean="0"/>
-                        <a:t>6</a:t>
-                      </a:r>
-                      <a:endParaRPr lang="en-US" sz="1500" b="1" dirty="0"/>
-                    </a:p>
-                  </a:txBody>
-                  <a:tcPr/>
-                </a:tc>
-                <a:tc>
-                  <a:txBody>
-                    <a:bodyPr/>
-                    <a:lstStyle/>
-                    <a:p>
-                      <a:pPr algn="ctr"/>
-                      <a:r>
-                        <a:rPr lang="en-IN" sz="1500" dirty="0" smtClean="0"/>
-                        <a:t>Student</a:t>
-                      </a:r>
-                      <a:r>
-                        <a:rPr lang="en-IN" sz="1500" baseline="0" dirty="0" smtClean="0"/>
-                        <a:t> </a:t>
-                      </a:r>
-                      <a:endParaRPr lang="en-US" sz="1500" dirty="0"/>
-                    </a:p>
-                  </a:txBody>
-                  <a:tcPr/>
-                </a:tc>
-                <a:tc>
-                  <a:txBody>
-                    <a:bodyPr/>
-                    <a:lstStyle/>
-                    <a:p>
-                      <a:pPr algn="ctr"/>
-                      <a:r>
-                        <a:rPr lang="en-IN" sz="1500" dirty="0" smtClean="0"/>
-                        <a:t>Login</a:t>
-                      </a:r>
-                      <a:r>
-                        <a:rPr lang="en-IN" sz="1500" baseline="0" dirty="0" smtClean="0"/>
-                        <a:t> </a:t>
+                        <a:t> Teachers</a:t>
                       </a:r>
                       <a:endParaRPr lang="en-US" sz="1500" dirty="0"/>
                     </a:p>
@@ -10968,15 +10887,83 @@
                       </a:pPr>
                       <a:r>
                         <a:rPr lang="en-IN" sz="1500" dirty="0" smtClean="0"/>
-                        <a:t>Access the System</a:t>
-                      </a:r>
+                        <a:t>Add/delete Teachers</a:t>
+                      </a:r>
+                      <a:endParaRPr lang="en-US" sz="1500" dirty="0" smtClean="0"/>
                     </a:p>
                   </a:txBody>
                   <a:tcPr/>
                 </a:tc>
                 <a:extLst>
                   <a:ext uri="{0D108BD9-81ED-4DB2-BD59-A6C34878D82A}">
-                    <a16:rowId xmlns="" xmlns:a16="http://schemas.microsoft.com/office/drawing/2014/main" val="4139854278"/>
+                    <a16:rowId xmlns:a16="http://schemas.microsoft.com/office/drawing/2014/main" xmlns="" val="631930891"/>
+                  </a:ext>
+                </a:extLst>
+              </a:tr>
+              <a:tr h="308684">
+                <a:tc>
+                  <a:txBody>
+                    <a:bodyPr/>
+                    <a:lstStyle/>
+                    <a:p>
+                      <a:pPr algn="ctr"/>
+                      <a:r>
+                        <a:rPr lang="en-IN" sz="1500" b="1" dirty="0" smtClean="0"/>
+                        <a:t>6</a:t>
+                      </a:r>
+                      <a:endParaRPr lang="en-US" sz="1500" b="1" dirty="0"/>
+                    </a:p>
+                  </a:txBody>
+                  <a:tcPr/>
+                </a:tc>
+                <a:tc>
+                  <a:txBody>
+                    <a:bodyPr/>
+                    <a:lstStyle/>
+                    <a:p>
+                      <a:pPr algn="ctr"/>
+                      <a:r>
+                        <a:rPr lang="en-IN" sz="1500" dirty="0" smtClean="0"/>
+                        <a:t>Teacher</a:t>
+                      </a:r>
+                      <a:endParaRPr lang="en-US" sz="1500" dirty="0"/>
+                    </a:p>
+                  </a:txBody>
+                  <a:tcPr/>
+                </a:tc>
+                <a:tc>
+                  <a:txBody>
+                    <a:bodyPr/>
+                    <a:lstStyle/>
+                    <a:p>
+                      <a:pPr algn="ctr"/>
+                      <a:r>
+                        <a:rPr lang="en-IN" sz="1500" dirty="0" smtClean="0"/>
+                        <a:t>Login</a:t>
+                      </a:r>
+                      <a:endParaRPr lang="en-US" sz="1500" dirty="0"/>
+                    </a:p>
+                  </a:txBody>
+                  <a:tcPr/>
+                </a:tc>
+                <a:tc>
+                  <a:txBody>
+                    <a:bodyPr/>
+                    <a:lstStyle/>
+                    <a:p>
+                      <a:pPr algn="ctr"/>
+                      <a:r>
+                        <a:rPr lang="en-IN" sz="1500" baseline="0" dirty="0" smtClean="0"/>
+                        <a:t>Access the System </a:t>
+                      </a:r>
+                      <a:endParaRPr lang="en-US" sz="1500" dirty="0"/>
+                    </a:p>
+                  </a:txBody>
+                  <a:tcPr/>
+                </a:tc>
+                <a:extLst>
+                  <a:ext uri="{0D108BD9-81ED-4DB2-BD59-A6C34878D82A}">
+                    <a16:rowId xmlns:a16="http://schemas.microsoft.com/office/drawing/2014/main" xmlns="" val="4139854278"/>
                   </a:ext>
                 </a:extLst>
               </a:tr>
@@ -10995,44 +10982,6 @@
                     <a:p>
                       <a:pPr algn="ctr"/>
                       <a:endParaRPr lang="en-US" sz="1500" b="1" dirty="0"/>
-                    </a:p>
-                  </a:txBody>
-                  <a:tcPr/>
-                </a:tc>
-                <a:tc>
-                  <a:txBody>
-                    <a:bodyPr/>
-                    <a:lstStyle/>
-                    <a:p>
-                      <a:pPr algn="ctr"/>
-                      <a:r>
-                        <a:rPr lang="en-IN" sz="1500" dirty="0" smtClean="0"/>
-                        <a:t>Student</a:t>
-                      </a:r>
-                      <a:r>
-                        <a:rPr lang="en-IN" sz="1500" baseline="0" dirty="0" smtClean="0"/>
-                        <a:t> </a:t>
-                      </a:r>
-                      <a:endParaRPr lang="en-US" sz="1500" dirty="0"/>
-                    </a:p>
-                  </a:txBody>
-                  <a:tcPr/>
-                </a:tc>
-                <a:tc>
-                  <a:txBody>
-                    <a:bodyPr/>
-                    <a:lstStyle/>
-                    <a:p>
-                      <a:pPr algn="ctr"/>
-                      <a:r>
-                        <a:rPr lang="en-IN" sz="1500" dirty="0" smtClean="0"/>
-                        <a:t>Registration</a:t>
-                      </a:r>
-                      <a:r>
-                        <a:rPr lang="en-IN" sz="1500" baseline="0" dirty="0" smtClean="0"/>
-                        <a:t> </a:t>
-                      </a:r>
-                      <a:endParaRPr lang="en-US" sz="1500" dirty="0"/>
                     </a:p>
                   </a:txBody>
                   <a:tcPr/>
@@ -11061,66 +11010,26 @@
                       </a:pPr>
                       <a:r>
                         <a:rPr lang="en-IN" sz="1500" dirty="0" smtClean="0"/>
-                        <a:t>Add</a:t>
+                        <a:t>Teacher</a:t>
+                      </a:r>
+                      <a:endParaRPr lang="en-US" sz="1500" dirty="0" smtClean="0"/>
+                    </a:p>
+                  </a:txBody>
+                  <a:tcPr/>
+                </a:tc>
+                <a:tc>
+                  <a:txBody>
+                    <a:bodyPr/>
+                    <a:lstStyle/>
+                    <a:p>
+                      <a:pPr algn="ctr"/>
+                      <a:r>
+                        <a:rPr lang="en-IN" sz="1500" dirty="0" smtClean="0"/>
+                        <a:t>Registration</a:t>
                       </a:r>
                       <a:r>
                         <a:rPr lang="en-IN" sz="1500" baseline="0" dirty="0" smtClean="0"/>
-                        <a:t> there details</a:t>
-                      </a:r>
-                      <a:endParaRPr lang="en-IN" sz="1500" dirty="0" smtClean="0"/>
-                    </a:p>
-                  </a:txBody>
-                  <a:tcPr/>
-                </a:tc>
-                <a:extLst>
-                  <a:ext uri="{0D108BD9-81ED-4DB2-BD59-A6C34878D82A}">
-                    <a16:rowId xmlns="" xmlns:a16="http://schemas.microsoft.com/office/drawing/2014/main" val="4226806937"/>
-                  </a:ext>
-                </a:extLst>
-              </a:tr>
-              <a:tr h="365903">
-                <a:tc>
-                  <a:txBody>
-                    <a:bodyPr/>
-                    <a:lstStyle/>
-                    <a:p>
-                      <a:pPr algn="ctr"/>
-                      <a:r>
-                        <a:rPr lang="en-IN" sz="1500" b="1" dirty="0"/>
-                        <a:t>8</a:t>
-                      </a:r>
-                    </a:p>
-                  </a:txBody>
-                  <a:tcPr/>
-                </a:tc>
-                <a:tc>
-                  <a:txBody>
-                    <a:bodyPr/>
-                    <a:lstStyle/>
-                    <a:p>
-                      <a:pPr algn="ctr"/>
-                      <a:r>
-                        <a:rPr lang="en-IN" sz="1500" dirty="0" smtClean="0"/>
-                        <a:t>HoD</a:t>
-                      </a:r>
-                      <a:endParaRPr lang="en-US" sz="1500" dirty="0"/>
-                    </a:p>
-                  </a:txBody>
-                  <a:tcPr/>
-                </a:tc>
-                <a:tc>
-                  <a:txBody>
-                    <a:bodyPr/>
-                    <a:lstStyle/>
-                    <a:p>
-                      <a:pPr algn="ctr"/>
-                      <a:r>
-                        <a:rPr lang="en-IN" sz="1500" dirty="0" smtClean="0"/>
-                        <a:t>Manage</a:t>
-                      </a:r>
-                      <a:r>
-                        <a:rPr lang="en-IN" sz="1500" baseline="0" dirty="0" smtClean="0"/>
-                        <a:t> Teachers</a:t>
+                        <a:t> </a:t>
                       </a:r>
                       <a:endParaRPr lang="en-US" sz="1500" dirty="0"/>
                     </a:p>
@@ -11151,75 +11060,22 @@
                       </a:pPr>
                       <a:r>
                         <a:rPr lang="en-IN" sz="1500" dirty="0" smtClean="0"/>
-                        <a:t>Add/delete Teachers</a:t>
-                      </a:r>
-                      <a:endParaRPr lang="en-US" sz="1500" dirty="0" smtClean="0"/>
-                    </a:p>
-                  </a:txBody>
-                  <a:tcPr/>
-                </a:tc>
-              </a:tr>
-              <a:tr h="435393">
-                <a:tc>
-                  <a:txBody>
-                    <a:bodyPr/>
-                    <a:lstStyle/>
-                    <a:p>
-                      <a:pPr algn="ctr"/>
-                      <a:r>
-                        <a:rPr lang="en-IN" sz="1500" b="1" dirty="0" smtClean="0"/>
-                        <a:t>9</a:t>
-                      </a:r>
-                      <a:endParaRPr lang="en-IN" sz="1500" b="1" dirty="0"/>
-                    </a:p>
-                  </a:txBody>
-                  <a:tcPr/>
-                </a:tc>
-                <a:tc>
-                  <a:txBody>
-                    <a:bodyPr/>
-                    <a:lstStyle/>
-                    <a:p>
-                      <a:pPr algn="ctr"/>
-                      <a:r>
-                        <a:rPr lang="en-IN" sz="1500" dirty="0" smtClean="0"/>
-                        <a:t>Teacher</a:t>
-                      </a:r>
-                      <a:endParaRPr lang="en-US" sz="1500" dirty="0"/>
-                    </a:p>
-                  </a:txBody>
-                  <a:tcPr/>
-                </a:tc>
-                <a:tc>
-                  <a:txBody>
-                    <a:bodyPr/>
-                    <a:lstStyle/>
-                    <a:p>
-                      <a:pPr algn="ctr"/>
-                      <a:r>
-                        <a:rPr lang="en-IN" sz="1500" dirty="0" smtClean="0"/>
-                        <a:t>Login</a:t>
-                      </a:r>
-                      <a:endParaRPr lang="en-US" sz="1500" dirty="0"/>
-                    </a:p>
-                  </a:txBody>
-                  <a:tcPr/>
-                </a:tc>
-                <a:tc>
-                  <a:txBody>
-                    <a:bodyPr/>
-                    <a:lstStyle/>
-                    <a:p>
-                      <a:pPr algn="ctr"/>
+                        <a:t>Add</a:t>
+                      </a:r>
                       <a:r>
                         <a:rPr lang="en-IN" sz="1500" baseline="0" dirty="0" smtClean="0"/>
-                        <a:t>Access the System </a:t>
-                      </a:r>
-                      <a:endParaRPr lang="en-US" sz="1500" dirty="0"/>
-                    </a:p>
-                  </a:txBody>
-                  <a:tcPr/>
-                </a:tc>
+                        <a:t> there details</a:t>
+                      </a:r>
+                      <a:endParaRPr lang="en-IN" sz="1500" dirty="0" smtClean="0"/>
+                    </a:p>
+                  </a:txBody>
+                  <a:tcPr/>
+                </a:tc>
+                <a:extLst>
+                  <a:ext uri="{0D108BD9-81ED-4DB2-BD59-A6C34878D82A}">
+                    <a16:rowId xmlns:a16="http://schemas.microsoft.com/office/drawing/2014/main" xmlns="" val="4226806937"/>
+                  </a:ext>
+                </a:extLst>
               </a:tr>
               <a:tr h="365903">
                 <a:tc>
@@ -11229,10 +11085,42 @@
                     <a:p>
                       <a:pPr algn="ctr"/>
                       <a:r>
-                        <a:rPr lang="en-IN" sz="1500" b="1" dirty="0" smtClean="0"/>
-                        <a:t>10</a:t>
-                      </a:r>
-                      <a:endParaRPr lang="en-IN" sz="1500" b="1" dirty="0"/>
+                        <a:rPr lang="en-IN" sz="1500" b="1" dirty="0"/>
+                        <a:t>8</a:t>
+                      </a:r>
+                    </a:p>
+                  </a:txBody>
+                  <a:tcPr/>
+                </a:tc>
+                <a:tc>
+                  <a:txBody>
+                    <a:bodyPr/>
+                    <a:lstStyle/>
+                    <a:p>
+                      <a:pPr algn="ctr"/>
+                      <a:r>
+                        <a:rPr lang="en-IN" sz="1500" dirty="0" smtClean="0"/>
+                        <a:t>Hod</a:t>
+                      </a:r>
+                    </a:p>
+                  </a:txBody>
+                  <a:tcPr/>
+                </a:tc>
+                <a:tc>
+                  <a:txBody>
+                    <a:bodyPr/>
+                    <a:lstStyle/>
+                    <a:p>
+                      <a:pPr algn="ctr"/>
+                      <a:r>
+                        <a:rPr lang="en-IN" sz="1500" dirty="0" smtClean="0"/>
+                        <a:t>Manage</a:t>
+                      </a:r>
+                      <a:r>
+                        <a:rPr lang="en-IN" sz="1500" baseline="0" dirty="0" smtClean="0"/>
+                        <a:t> Subject</a:t>
+                      </a:r>
+                      <a:endParaRPr lang="en-US" sz="1500" dirty="0"/>
                     </a:p>
                   </a:txBody>
                   <a:tcPr/>
@@ -11261,9 +11149,44 @@
                       </a:pPr>
                       <a:r>
                         <a:rPr lang="en-IN" sz="1500" dirty="0" smtClean="0"/>
+                        <a:t>Add</a:t>
+                      </a:r>
+                      <a:r>
+                        <a:rPr lang="en-IN" sz="1500" baseline="0" dirty="0" smtClean="0"/>
+                        <a:t> or delete Subject</a:t>
+                      </a:r>
+                      <a:endParaRPr lang="en-US" sz="1500" dirty="0" smtClean="0"/>
+                    </a:p>
+                  </a:txBody>
+                  <a:tcPr/>
+                </a:tc>
+              </a:tr>
+              <a:tr h="435393">
+                <a:tc>
+                  <a:txBody>
+                    <a:bodyPr/>
+                    <a:lstStyle/>
+                    <a:p>
+                      <a:pPr algn="ctr"/>
+                      <a:r>
+                        <a:rPr lang="en-IN" sz="1500" b="1" dirty="0" smtClean="0"/>
+                        <a:t>9</a:t>
+                      </a:r>
+                      <a:endParaRPr lang="en-IN" sz="1500" b="1" dirty="0"/>
+                    </a:p>
+                  </a:txBody>
+                  <a:tcPr/>
+                </a:tc>
+                <a:tc>
+                  <a:txBody>
+                    <a:bodyPr/>
+                    <a:lstStyle/>
+                    <a:p>
+                      <a:pPr algn="ctr"/>
+                      <a:r>
+                        <a:rPr lang="en-IN" sz="1500" dirty="0" smtClean="0"/>
                         <a:t>Teacher</a:t>
                       </a:r>
-                      <a:endParaRPr lang="en-US" sz="1500" dirty="0" smtClean="0"/>
                     </a:p>
                   </a:txBody>
                   <a:tcPr/>
@@ -11276,48 +11199,97 @@
                       <a:pPr algn="ctr"/>
                       <a:r>
                         <a:rPr lang="en-IN" sz="1500" dirty="0" smtClean="0"/>
-                        <a:t>Registration</a:t>
+                        <a:t>View there Subject</a:t>
+                      </a:r>
+                    </a:p>
+                  </a:txBody>
+                  <a:tcPr/>
+                </a:tc>
+                <a:tc>
+                  <a:txBody>
+                    <a:bodyPr/>
+                    <a:lstStyle/>
+                    <a:p>
+                      <a:pPr algn="ctr"/>
+                      <a:r>
+                        <a:rPr lang="en-IN" sz="1500" dirty="0" smtClean="0"/>
+                        <a:t>View</a:t>
                       </a:r>
                       <a:r>
                         <a:rPr lang="en-IN" sz="1500" baseline="0" dirty="0" smtClean="0"/>
-                        <a:t> </a:t>
+                        <a:t> There Duties </a:t>
                       </a:r>
                       <a:endParaRPr lang="en-US" sz="1500" dirty="0"/>
                     </a:p>
                   </a:txBody>
                   <a:tcPr/>
                 </a:tc>
-                <a:tc>
-                  <a:txBody>
-                    <a:bodyPr/>
-                    <a:lstStyle/>
-                    <a:p>
-                      <a:pPr marL="0" marR="0" indent="0" algn="ctr" defTabSz="457200" rtl="0" eaLnBrk="1" fontAlgn="auto" latinLnBrk="0" hangingPunct="1">
-                        <a:lnSpc>
-                          <a:spcPct val="100000"/>
-                        </a:lnSpc>
-                        <a:spcBef>
-                          <a:spcPts val="0"/>
-                        </a:spcBef>
-                        <a:spcAft>
-                          <a:spcPts val="0"/>
-                        </a:spcAft>
-                        <a:buClrTx/>
-                        <a:buSzTx/>
-                        <a:buFontTx/>
-                        <a:buNone/>
-                        <a:tabLst/>
-                        <a:defRPr/>
-                      </a:pPr>
+              </a:tr>
+              <a:tr h="365903">
+                <a:tc>
+                  <a:txBody>
+                    <a:bodyPr/>
+                    <a:lstStyle/>
+                    <a:p>
+                      <a:pPr algn="ctr"/>
+                      <a:r>
+                        <a:rPr lang="en-IN" sz="1500" b="1" dirty="0" smtClean="0"/>
+                        <a:t>10</a:t>
+                      </a:r>
+                      <a:endParaRPr lang="en-IN" sz="1500" b="1" dirty="0"/>
+                    </a:p>
+                  </a:txBody>
+                  <a:tcPr/>
+                </a:tc>
+                <a:tc>
+                  <a:txBody>
+                    <a:bodyPr/>
+                    <a:lstStyle/>
+                    <a:p>
+                      <a:pPr algn="ctr"/>
                       <a:r>
                         <a:rPr lang="en-IN" sz="1500" dirty="0" smtClean="0"/>
-                        <a:t>Add</a:t>
+                        <a:t>Students</a:t>
+                      </a:r>
+                      <a:endParaRPr lang="en-US" sz="1500" dirty="0"/>
+                    </a:p>
+                  </a:txBody>
+                  <a:tcPr/>
+                </a:tc>
+                <a:tc>
+                  <a:txBody>
+                    <a:bodyPr/>
+                    <a:lstStyle/>
+                    <a:p>
+                      <a:pPr algn="ctr"/>
+                      <a:r>
+                        <a:rPr lang="en-IN" sz="1500" dirty="0" smtClean="0"/>
+                        <a:t>View</a:t>
                       </a:r>
                       <a:r>
                         <a:rPr lang="en-IN" sz="1500" baseline="0" dirty="0" smtClean="0"/>
-                        <a:t> there details</a:t>
-                      </a:r>
-                      <a:endParaRPr lang="en-IN" sz="1500" dirty="0" smtClean="0"/>
+                        <a:t> All Subject</a:t>
+                      </a:r>
+                      <a:endParaRPr lang="en-US" sz="1500" dirty="0"/>
+                    </a:p>
+                  </a:txBody>
+                  <a:tcPr/>
+                </a:tc>
+                <a:tc>
+                  <a:txBody>
+                    <a:bodyPr/>
+                    <a:lstStyle/>
+                    <a:p>
+                      <a:pPr algn="ctr"/>
+                      <a:r>
+                        <a:rPr lang="en-IN" sz="1500" dirty="0" smtClean="0"/>
+                        <a:t>View</a:t>
+                      </a:r>
+                      <a:r>
+                        <a:rPr lang="en-IN" sz="1500" baseline="0" dirty="0" smtClean="0"/>
+                        <a:t> there subjects</a:t>
+                      </a:r>
+                      <a:endParaRPr lang="en-US" sz="1500" dirty="0"/>
                     </a:p>
                   </a:txBody>
                   <a:tcPr/>
@@ -11390,7 +11362,7 @@
     </p:spTree>
     <p:extLst>
       <p:ext uri="{BB962C8B-B14F-4D97-AF65-F5344CB8AC3E}">
-        <p14:creationId xmlns="" xmlns:p14="http://schemas.microsoft.com/office/powerpoint/2010/main" val="932293145"/>
+        <p14:creationId xmlns:p14="http://schemas.microsoft.com/office/powerpoint/2010/main" xmlns="" val="932293145"/>
       </p:ext>
     </p:extLst>
   </p:cSld>
@@ -11429,7 +11401,7 @@
           <p:cNvPr id="5" name="Table 4">
             <a:extLst>
               <a:ext uri="{FF2B5EF4-FFF2-40B4-BE49-F238E27FC236}">
-                <a16:creationId xmlns="" xmlns:a16="http://schemas.microsoft.com/office/drawing/2014/main" id="{9CDDB2A3-7585-084F-5BBF-FEF2C08C8DB6}"/>
+                <a16:creationId xmlns:a16="http://schemas.microsoft.com/office/drawing/2014/main" xmlns="" id="{9CDDB2A3-7585-084F-5BBF-FEF2C08C8DB6}"/>
               </a:ext>
             </a:extLst>
           </p:cNvPr>
@@ -11439,14 +11411,14 @@
           <p:nvPr>
             <p:extLst>
               <p:ext uri="{D42A27DB-BD31-4B8C-83A1-F6EECF244321}">
-                <p14:modId xmlns="" xmlns:p14="http://schemas.microsoft.com/office/powerpoint/2010/main" val="1212678900"/>
+                <p14:modId xmlns:p14="http://schemas.microsoft.com/office/powerpoint/2010/main" xmlns="" val="1212678900"/>
               </p:ext>
             </p:extLst>
           </p:nvPr>
         </p:nvGraphicFramePr>
         <p:xfrm>
           <a:off x="2881288" y="785795"/>
-          <a:ext cx="8644000" cy="5328554"/>
+          <a:ext cx="8644000" cy="5725802"/>
         </p:xfrm>
         <a:graphic>
           <a:graphicData uri="http://schemas.openxmlformats.org/drawingml/2006/table">
@@ -11458,28 +11430,28 @@
                 <a:gridCol w="2161000">
                   <a:extLst>
                     <a:ext uri="{9D8B030D-6E8A-4147-A177-3AD203B41FA5}">
-                      <a16:colId xmlns="" xmlns:a16="http://schemas.microsoft.com/office/drawing/2014/main" val="95974096"/>
+                      <a16:colId xmlns:a16="http://schemas.microsoft.com/office/drawing/2014/main" xmlns="" val="95974096"/>
                     </a:ext>
                   </a:extLst>
                 </a:gridCol>
                 <a:gridCol w="2161000">
                   <a:extLst>
                     <a:ext uri="{9D8B030D-6E8A-4147-A177-3AD203B41FA5}">
-                      <a16:colId xmlns="" xmlns:a16="http://schemas.microsoft.com/office/drawing/2014/main" val="3662920334"/>
+                      <a16:colId xmlns:a16="http://schemas.microsoft.com/office/drawing/2014/main" xmlns="" val="3662920334"/>
                     </a:ext>
                   </a:extLst>
                 </a:gridCol>
                 <a:gridCol w="1946550">
                   <a:extLst>
                     <a:ext uri="{9D8B030D-6E8A-4147-A177-3AD203B41FA5}">
-                      <a16:colId xmlns="" xmlns:a16="http://schemas.microsoft.com/office/drawing/2014/main" val="726843149"/>
+                      <a16:colId xmlns:a16="http://schemas.microsoft.com/office/drawing/2014/main" xmlns="" val="726843149"/>
                     </a:ext>
                   </a:extLst>
                 </a:gridCol>
                 <a:gridCol w="2375450">
                   <a:extLst>
                     <a:ext uri="{9D8B030D-6E8A-4147-A177-3AD203B41FA5}">
-                      <a16:colId xmlns="" xmlns:a16="http://schemas.microsoft.com/office/drawing/2014/main" val="2382856930"/>
+                      <a16:colId xmlns:a16="http://schemas.microsoft.com/office/drawing/2014/main" xmlns="" val="2382856930"/>
                     </a:ext>
                   </a:extLst>
                 </a:gridCol>
@@ -11584,7 +11556,7 @@
                 </a:tc>
                 <a:extLst>
                   <a:ext uri="{0D108BD9-81ED-4DB2-BD59-A6C34878D82A}">
-                    <a16:rowId xmlns="" xmlns:a16="http://schemas.microsoft.com/office/drawing/2014/main" val="4034950038"/>
+                    <a16:rowId xmlns:a16="http://schemas.microsoft.com/office/drawing/2014/main" xmlns="" val="4034950038"/>
                   </a:ext>
                 </a:extLst>
               </a:tr>
@@ -11612,8 +11584,9 @@
                       <a:pPr algn="ctr"/>
                       <a:r>
                         <a:rPr lang="en-IN" sz="1500" dirty="0" smtClean="0"/>
-                        <a:t>Hod</a:t>
-                      </a:r>
+                        <a:t>HoD</a:t>
+                      </a:r>
+                      <a:endParaRPr lang="en-US" sz="1500" dirty="0"/>
                     </a:p>
                   </a:txBody>
                   <a:tcPr/>
@@ -11630,7 +11603,236 @@
                       </a:r>
                       <a:r>
                         <a:rPr lang="en-IN" sz="1500" baseline="0" dirty="0" smtClean="0"/>
-                        <a:t> Subject</a:t>
+                        <a:t> Time table</a:t>
+                      </a:r>
+                      <a:endParaRPr lang="en-US" sz="1500" dirty="0"/>
+                    </a:p>
+                  </a:txBody>
+                  <a:tcPr/>
+                </a:tc>
+                <a:tc>
+                  <a:txBody>
+                    <a:bodyPr/>
+                    <a:lstStyle/>
+                    <a:p>
+                      <a:pPr algn="ctr"/>
+                      <a:r>
+                        <a:rPr lang="en-IN" sz="1500" dirty="0" smtClean="0"/>
+                        <a:t>Add</a:t>
+                      </a:r>
+                      <a:r>
+                        <a:rPr lang="en-IN" sz="1500" baseline="0" dirty="0" smtClean="0"/>
+                        <a:t> / edit Time table</a:t>
+                      </a:r>
+                      <a:endParaRPr lang="en-US" sz="1500" dirty="0"/>
+                    </a:p>
+                  </a:txBody>
+                  <a:tcPr/>
+                </a:tc>
+                <a:extLst>
+                  <a:ext uri="{0D108BD9-81ED-4DB2-BD59-A6C34878D82A}">
+                    <a16:rowId xmlns:a16="http://schemas.microsoft.com/office/drawing/2014/main" xmlns="" val="4040729667"/>
+                  </a:ext>
+                </a:extLst>
+              </a:tr>
+              <a:tr h="468002">
+                <a:tc>
+                  <a:txBody>
+                    <a:bodyPr/>
+                    <a:lstStyle/>
+                    <a:p>
+                      <a:pPr algn="ctr"/>
+                      <a:r>
+                        <a:rPr lang="en-IN" sz="1500" b="1" dirty="0" smtClean="0"/>
+                        <a:t>12</a:t>
+                      </a:r>
+                      <a:endParaRPr lang="en-US" sz="1500" b="1" dirty="0"/>
+                    </a:p>
+                  </a:txBody>
+                  <a:tcPr/>
+                </a:tc>
+                <a:tc>
+                  <a:txBody>
+                    <a:bodyPr/>
+                    <a:lstStyle/>
+                    <a:p>
+                      <a:pPr algn="ctr"/>
+                      <a:r>
+                        <a:rPr lang="en-IN" sz="1500" dirty="0" smtClean="0"/>
+                        <a:t>Teacher</a:t>
+                      </a:r>
+                      <a:endParaRPr lang="en-US" sz="1500" dirty="0"/>
+                    </a:p>
+                  </a:txBody>
+                  <a:tcPr/>
+                </a:tc>
+                <a:tc>
+                  <a:txBody>
+                    <a:bodyPr/>
+                    <a:lstStyle/>
+                    <a:p>
+                      <a:pPr algn="ctr"/>
+                      <a:r>
+                        <a:rPr lang="en-IN" sz="1500" dirty="0" smtClean="0"/>
+                        <a:t>View</a:t>
+                      </a:r>
+                      <a:r>
+                        <a:rPr lang="en-IN" sz="1500" baseline="0" dirty="0" smtClean="0"/>
+                        <a:t> Timetable</a:t>
+                      </a:r>
+                      <a:endParaRPr lang="en-US" sz="1500" dirty="0"/>
+                    </a:p>
+                  </a:txBody>
+                  <a:tcPr/>
+                </a:tc>
+                <a:tc>
+                  <a:txBody>
+                    <a:bodyPr/>
+                    <a:lstStyle/>
+                    <a:p>
+                      <a:pPr algn="ctr"/>
+                      <a:r>
+                        <a:rPr lang="en-IN" sz="1500" dirty="0" smtClean="0"/>
+                        <a:t>View</a:t>
+                      </a:r>
+                      <a:r>
+                        <a:rPr lang="en-IN" sz="1500" baseline="0" dirty="0" smtClean="0"/>
+                        <a:t> Timetable</a:t>
+                      </a:r>
+                      <a:endParaRPr lang="en-US" sz="1500" dirty="0"/>
+                    </a:p>
+                  </a:txBody>
+                  <a:tcPr/>
+                </a:tc>
+                <a:extLst>
+                  <a:ext uri="{0D108BD9-81ED-4DB2-BD59-A6C34878D82A}">
+                    <a16:rowId xmlns:a16="http://schemas.microsoft.com/office/drawing/2014/main" xmlns="" val="4217941202"/>
+                  </a:ext>
+                </a:extLst>
+              </a:tr>
+              <a:tr h="308173">
+                <a:tc>
+                  <a:txBody>
+                    <a:bodyPr/>
+                    <a:lstStyle/>
+                    <a:p>
+                      <a:pPr algn="ctr"/>
+                      <a:r>
+                        <a:rPr lang="en-IN" sz="1500" b="1" dirty="0" smtClean="0"/>
+                        <a:t>13</a:t>
+                      </a:r>
+                      <a:endParaRPr lang="en-US" sz="1500" b="1" dirty="0"/>
+                    </a:p>
+                  </a:txBody>
+                  <a:tcPr/>
+                </a:tc>
+                <a:tc>
+                  <a:txBody>
+                    <a:bodyPr/>
+                    <a:lstStyle/>
+                    <a:p>
+                      <a:pPr algn="ctr"/>
+                      <a:r>
+                        <a:rPr lang="en-IN" sz="1500" dirty="0" smtClean="0"/>
+                        <a:t>Student</a:t>
+                      </a:r>
+                      <a:r>
+                        <a:rPr lang="en-IN" sz="1500" baseline="0" dirty="0" smtClean="0"/>
+                        <a:t> </a:t>
+                      </a:r>
+                      <a:endParaRPr lang="en-US" sz="1500" dirty="0"/>
+                    </a:p>
+                  </a:txBody>
+                  <a:tcPr/>
+                </a:tc>
+                <a:tc>
+                  <a:txBody>
+                    <a:bodyPr/>
+                    <a:lstStyle/>
+                    <a:p>
+                      <a:pPr algn="ctr"/>
+                      <a:r>
+                        <a:rPr lang="en-IN" sz="1500" dirty="0" smtClean="0"/>
+                        <a:t>View</a:t>
+                      </a:r>
+                      <a:r>
+                        <a:rPr lang="en-IN" sz="1500" baseline="0" dirty="0" smtClean="0"/>
+                        <a:t> Timetable</a:t>
+                      </a:r>
+                      <a:endParaRPr lang="en-US" sz="1500" dirty="0"/>
+                    </a:p>
+                  </a:txBody>
+                  <a:tcPr/>
+                </a:tc>
+                <a:tc>
+                  <a:txBody>
+                    <a:bodyPr/>
+                    <a:lstStyle/>
+                    <a:p>
+                      <a:pPr algn="ctr"/>
+                      <a:r>
+                        <a:rPr lang="en-IN" sz="1500" dirty="0" smtClean="0"/>
+                        <a:t>View</a:t>
+                      </a:r>
+                      <a:r>
+                        <a:rPr lang="en-IN" sz="1500" baseline="0" dirty="0" smtClean="0"/>
+                        <a:t> Timetable</a:t>
+                      </a:r>
+                      <a:endParaRPr lang="en-US" sz="1500" dirty="0"/>
+                    </a:p>
+                  </a:txBody>
+                  <a:tcPr/>
+                </a:tc>
+                <a:extLst>
+                  <a:ext uri="{0D108BD9-81ED-4DB2-BD59-A6C34878D82A}">
+                    <a16:rowId xmlns:a16="http://schemas.microsoft.com/office/drawing/2014/main" xmlns="" val="1015645382"/>
+                  </a:ext>
+                </a:extLst>
+              </a:tr>
+              <a:tr h="528297">
+                <a:tc>
+                  <a:txBody>
+                    <a:bodyPr/>
+                    <a:lstStyle/>
+                    <a:p>
+                      <a:pPr algn="ctr"/>
+                      <a:r>
+                        <a:rPr lang="en-IN" sz="1500" b="1" dirty="0" smtClean="0"/>
+                        <a:t>14</a:t>
+                      </a:r>
+                      <a:endParaRPr lang="en-US" sz="1500" b="1" dirty="0"/>
+                    </a:p>
+                  </a:txBody>
+                  <a:tcPr/>
+                </a:tc>
+                <a:tc>
+                  <a:txBody>
+                    <a:bodyPr/>
+                    <a:lstStyle/>
+                    <a:p>
+                      <a:pPr algn="ctr"/>
+                      <a:r>
+                        <a:rPr lang="en-IN" sz="1500" dirty="0" smtClean="0"/>
+                        <a:t>HoD</a:t>
+                      </a:r>
+                      <a:endParaRPr lang="en-US" sz="1500" dirty="0"/>
+                    </a:p>
+                  </a:txBody>
+                  <a:tcPr/>
+                </a:tc>
+                <a:tc>
+                  <a:txBody>
+                    <a:bodyPr/>
+                    <a:lstStyle/>
+                    <a:p>
+                      <a:pPr algn="ctr"/>
+                      <a:r>
+                        <a:rPr lang="en-IN" sz="1500" dirty="0" smtClean="0"/>
+                        <a:t>Manage</a:t>
+                      </a:r>
+                      <a:r>
+                        <a:rPr lang="en-IN" sz="1500" baseline="0" dirty="0" smtClean="0"/>
+                        <a:t> fees details</a:t>
                       </a:r>
                       <a:endParaRPr lang="en-US" sz="1500" dirty="0"/>
                     </a:p>
@@ -11661,24 +11863,24 @@
                       </a:pPr>
                       <a:r>
                         <a:rPr lang="en-IN" sz="1500" dirty="0" smtClean="0"/>
-                        <a:t>Add</a:t>
+                        <a:t>Updates</a:t>
                       </a:r>
                       <a:r>
                         <a:rPr lang="en-IN" sz="1500" baseline="0" dirty="0" smtClean="0"/>
-                        <a:t> or delete Subject</a:t>
-                      </a:r>
-                      <a:endParaRPr lang="en-US" sz="1500" dirty="0" smtClean="0"/>
+                        <a:t> there fees details</a:t>
+                      </a:r>
+                      <a:endParaRPr lang="en-IN" sz="1500" dirty="0" smtClean="0"/>
                     </a:p>
                   </a:txBody>
                   <a:tcPr/>
                 </a:tc>
                 <a:extLst>
                   <a:ext uri="{0D108BD9-81ED-4DB2-BD59-A6C34878D82A}">
-                    <a16:rowId xmlns="" xmlns:a16="http://schemas.microsoft.com/office/drawing/2014/main" val="4040729667"/>
+                    <a16:rowId xmlns:a16="http://schemas.microsoft.com/office/drawing/2014/main" xmlns="" val="2977811042"/>
                   </a:ext>
                 </a:extLst>
               </a:tr>
-              <a:tr h="468002">
+              <a:tr h="393306">
                 <a:tc>
                   <a:txBody>
                     <a:bodyPr/>
@@ -11687,7 +11889,7 @@
                       <a:pPr algn="ctr"/>
                       <a:r>
                         <a:rPr lang="en-IN" sz="1500" b="1" dirty="0" smtClean="0"/>
-                        <a:t>12</a:t>
+                        <a:t>15</a:t>
                       </a:r>
                       <a:endParaRPr lang="en-US" sz="1500" b="1" dirty="0"/>
                     </a:p>
@@ -11702,22 +11904,13 @@
                       <a:pPr algn="ctr"/>
                       <a:r>
                         <a:rPr lang="en-IN" sz="1500" dirty="0" smtClean="0"/>
-                        <a:t>Teacher</a:t>
-                      </a:r>
-                    </a:p>
-                  </a:txBody>
-                  <a:tcPr/>
-                </a:tc>
-                <a:tc>
-                  <a:txBody>
-                    <a:bodyPr/>
-                    <a:lstStyle/>
-                    <a:p>
-                      <a:pPr algn="ctr"/>
-                      <a:r>
-                        <a:rPr lang="en-IN" sz="1500" dirty="0" smtClean="0"/>
-                        <a:t>View there Subject</a:t>
-                      </a:r>
+                        <a:t>Student</a:t>
+                      </a:r>
+                      <a:r>
+                        <a:rPr lang="en-IN" sz="1500" baseline="0" dirty="0" smtClean="0"/>
+                        <a:t> </a:t>
+                      </a:r>
+                      <a:endParaRPr lang="en-US" sz="1500" dirty="0"/>
                     </a:p>
                   </a:txBody>
                   <a:tcPr/>
@@ -11734,7 +11927,26 @@
                       </a:r>
                       <a:r>
                         <a:rPr lang="en-IN" sz="1500" baseline="0" dirty="0" smtClean="0"/>
-                        <a:t> There Duties </a:t>
+                        <a:t> there fee details </a:t>
+                      </a:r>
+                      <a:endParaRPr lang="en-US" sz="1500" dirty="0"/>
+                    </a:p>
+                  </a:txBody>
+                  <a:tcPr/>
+                </a:tc>
+                <a:tc>
+                  <a:txBody>
+                    <a:bodyPr/>
+                    <a:lstStyle/>
+                    <a:p>
+                      <a:pPr algn="ctr"/>
+                      <a:r>
+                        <a:rPr lang="en-IN" sz="1500" dirty="0" smtClean="0"/>
+                        <a:t>View</a:t>
+                      </a:r>
+                      <a:r>
+                        <a:rPr lang="en-IN" sz="1500" baseline="0" dirty="0" smtClean="0"/>
+                        <a:t> there fees and dues</a:t>
                       </a:r>
                       <a:endParaRPr lang="en-US" sz="1500" dirty="0"/>
                     </a:p>
@@ -11743,7 +11955,7 @@
                 </a:tc>
                 <a:extLst>
                   <a:ext uri="{0D108BD9-81ED-4DB2-BD59-A6C34878D82A}">
-                    <a16:rowId xmlns="" xmlns:a16="http://schemas.microsoft.com/office/drawing/2014/main" val="4217941202"/>
+                    <a16:rowId xmlns:a16="http://schemas.microsoft.com/office/drawing/2014/main" xmlns="" val="631930891"/>
                   </a:ext>
                 </a:extLst>
               </a:tr>
@@ -11756,7 +11968,7 @@
                       <a:pPr algn="ctr"/>
                       <a:r>
                         <a:rPr lang="en-IN" sz="1500" b="1" dirty="0" smtClean="0"/>
-                        <a:t>13</a:t>
+                        <a:t>16</a:t>
                       </a:r>
                       <a:endParaRPr lang="en-US" sz="1500" b="1" dirty="0"/>
                     </a:p>
@@ -11771,7 +11983,7 @@
                       <a:pPr algn="ctr"/>
                       <a:r>
                         <a:rPr lang="en-IN" sz="1500" dirty="0" smtClean="0"/>
-                        <a:t>Students</a:t>
+                        <a:t>Teacher</a:t>
                       </a:r>
                       <a:endParaRPr lang="en-US" sz="1500" dirty="0"/>
                     </a:p>
@@ -11786,30 +11998,26 @@
                       <a:pPr algn="ctr"/>
                       <a:r>
                         <a:rPr lang="en-IN" sz="1500" dirty="0" smtClean="0"/>
-                        <a:t>View</a:t>
+                        <a:t>Subject Planner</a:t>
+                      </a:r>
+                      <a:endParaRPr lang="en-US" sz="1500" dirty="0"/>
+                    </a:p>
+                  </a:txBody>
+                  <a:tcPr/>
+                </a:tc>
+                <a:tc>
+                  <a:txBody>
+                    <a:bodyPr/>
+                    <a:lstStyle/>
+                    <a:p>
+                      <a:pPr algn="ctr"/>
+                      <a:r>
+                        <a:rPr lang="en-IN" sz="1500" dirty="0" smtClean="0"/>
+                        <a:t>Manage</a:t>
                       </a:r>
                       <a:r>
                         <a:rPr lang="en-IN" sz="1500" baseline="0" dirty="0" smtClean="0"/>
-                        <a:t> All Subject</a:t>
-                      </a:r>
-                      <a:endParaRPr lang="en-US" sz="1500" dirty="0"/>
-                    </a:p>
-                  </a:txBody>
-                  <a:tcPr/>
-                </a:tc>
-                <a:tc>
-                  <a:txBody>
-                    <a:bodyPr/>
-                    <a:lstStyle/>
-                    <a:p>
-                      <a:pPr algn="ctr"/>
-                      <a:r>
-                        <a:rPr lang="en-IN" sz="1500" dirty="0" smtClean="0"/>
-                        <a:t>View</a:t>
-                      </a:r>
-                      <a:r>
-                        <a:rPr lang="en-IN" sz="1500" baseline="0" dirty="0" smtClean="0"/>
-                        <a:t> there subjects</a:t>
+                        <a:t> class topics</a:t>
                       </a:r>
                       <a:endParaRPr lang="en-US" sz="1500" dirty="0"/>
                     </a:p>
@@ -11818,7 +12026,7 @@
                 </a:tc>
                 <a:extLst>
                   <a:ext uri="{0D108BD9-81ED-4DB2-BD59-A6C34878D82A}">
-                    <a16:rowId xmlns="" xmlns:a16="http://schemas.microsoft.com/office/drawing/2014/main" val="1015645382"/>
+                    <a16:rowId xmlns:a16="http://schemas.microsoft.com/office/drawing/2014/main" xmlns="" val="4139854278"/>
                   </a:ext>
                 </a:extLst>
               </a:tr>
@@ -11831,83 +12039,12 @@
                       <a:pPr algn="ctr"/>
                       <a:r>
                         <a:rPr lang="en-IN" sz="1500" b="1" dirty="0" smtClean="0"/>
-                        <a:t>14</a:t>
-                      </a:r>
-                      <a:endParaRPr lang="en-US" sz="1500" b="1" dirty="0"/>
-                    </a:p>
-                  </a:txBody>
-                  <a:tcPr/>
-                </a:tc>
-                <a:tc>
-                  <a:txBody>
-                    <a:bodyPr/>
-                    <a:lstStyle/>
-                    <a:p>
-                      <a:pPr algn="ctr"/>
-                      <a:r>
-                        <a:rPr lang="en-IN" sz="1500" dirty="0" smtClean="0"/>
-                        <a:t>HoD</a:t>
-                      </a:r>
-                      <a:endParaRPr lang="en-US" sz="1500" dirty="0"/>
-                    </a:p>
-                  </a:txBody>
-                  <a:tcPr/>
-                </a:tc>
-                <a:tc>
-                  <a:txBody>
-                    <a:bodyPr/>
-                    <a:lstStyle/>
-                    <a:p>
-                      <a:pPr algn="ctr"/>
-                      <a:r>
-                        <a:rPr lang="en-IN" sz="1500" dirty="0" smtClean="0"/>
-                        <a:t>Manage</a:t>
-                      </a:r>
-                      <a:r>
-                        <a:rPr lang="en-IN" sz="1500" baseline="0" dirty="0" smtClean="0"/>
-                        <a:t> Time table</a:t>
-                      </a:r>
-                      <a:endParaRPr lang="en-US" sz="1500" dirty="0"/>
-                    </a:p>
-                  </a:txBody>
-                  <a:tcPr/>
-                </a:tc>
-                <a:tc>
-                  <a:txBody>
-                    <a:bodyPr/>
-                    <a:lstStyle/>
-                    <a:p>
-                      <a:pPr algn="ctr"/>
-                      <a:r>
-                        <a:rPr lang="en-IN" sz="1500" dirty="0" smtClean="0"/>
-                        <a:t>Add</a:t>
-                      </a:r>
-                      <a:r>
-                        <a:rPr lang="en-IN" sz="1500" baseline="0" dirty="0" smtClean="0"/>
-                        <a:t> / edit Time table</a:t>
-                      </a:r>
-                      <a:endParaRPr lang="en-US" sz="1500" dirty="0"/>
-                    </a:p>
-                  </a:txBody>
-                  <a:tcPr/>
-                </a:tc>
-                <a:extLst>
-                  <a:ext uri="{0D108BD9-81ED-4DB2-BD59-A6C34878D82A}">
-                    <a16:rowId xmlns="" xmlns:a16="http://schemas.microsoft.com/office/drawing/2014/main" val="2977811042"/>
-                  </a:ext>
-                </a:extLst>
-              </a:tr>
-              <a:tr h="393306">
-                <a:tc>
-                  <a:txBody>
-                    <a:bodyPr/>
-                    <a:lstStyle/>
-                    <a:p>
-                      <a:pPr algn="ctr"/>
-                      <a:r>
-                        <a:rPr lang="en-IN" sz="1500" b="1" dirty="0" smtClean="0"/>
-                        <a:t>15</a:t>
-                      </a:r>
+                        <a:t>17</a:t>
+                      </a:r>
+                      <a:endParaRPr lang="en-IN" sz="1500" b="1" dirty="0"/>
+                    </a:p>
+                    <a:p>
+                      <a:pPr algn="ctr"/>
                       <a:endParaRPr lang="en-US" sz="1500" b="1" dirty="0"/>
                     </a:p>
                   </a:txBody>
@@ -11940,165 +12077,7 @@
                       </a:r>
                       <a:r>
                         <a:rPr lang="en-IN" sz="1500" baseline="0" dirty="0" smtClean="0"/>
-                        <a:t> Timetable</a:t>
-                      </a:r>
-                      <a:endParaRPr lang="en-US" sz="1500" dirty="0"/>
-                    </a:p>
-                  </a:txBody>
-                  <a:tcPr/>
-                </a:tc>
-                <a:tc>
-                  <a:txBody>
-                    <a:bodyPr/>
-                    <a:lstStyle/>
-                    <a:p>
-                      <a:pPr algn="ctr"/>
-                      <a:r>
-                        <a:rPr lang="en-IN" sz="1500" dirty="0" smtClean="0"/>
-                        <a:t>View</a:t>
-                      </a:r>
-                      <a:r>
-                        <a:rPr lang="en-IN" sz="1500" baseline="0" dirty="0" smtClean="0"/>
-                        <a:t> Timetable</a:t>
-                      </a:r>
-                      <a:endParaRPr lang="en-US" sz="1500" dirty="0"/>
-                    </a:p>
-                  </a:txBody>
-                  <a:tcPr/>
-                </a:tc>
-                <a:extLst>
-                  <a:ext uri="{0D108BD9-81ED-4DB2-BD59-A6C34878D82A}">
-                    <a16:rowId xmlns="" xmlns:a16="http://schemas.microsoft.com/office/drawing/2014/main" val="631930891"/>
-                  </a:ext>
-                </a:extLst>
-              </a:tr>
-              <a:tr h="308173">
-                <a:tc>
-                  <a:txBody>
-                    <a:bodyPr/>
-                    <a:lstStyle/>
-                    <a:p>
-                      <a:pPr algn="ctr"/>
-                      <a:r>
-                        <a:rPr lang="en-IN" sz="1500" b="1" dirty="0" smtClean="0"/>
-                        <a:t>16</a:t>
-                      </a:r>
-                      <a:endParaRPr lang="en-US" sz="1500" b="1" dirty="0"/>
-                    </a:p>
-                  </a:txBody>
-                  <a:tcPr/>
-                </a:tc>
-                <a:tc>
-                  <a:txBody>
-                    <a:bodyPr/>
-                    <a:lstStyle/>
-                    <a:p>
-                      <a:pPr algn="ctr"/>
-                      <a:r>
-                        <a:rPr lang="en-IN" sz="1500" dirty="0" smtClean="0"/>
-                        <a:t>Student</a:t>
-                      </a:r>
-                      <a:r>
-                        <a:rPr lang="en-IN" sz="1500" baseline="0" dirty="0" smtClean="0"/>
-                        <a:t> </a:t>
-                      </a:r>
-                      <a:endParaRPr lang="en-US" sz="1500" dirty="0"/>
-                    </a:p>
-                  </a:txBody>
-                  <a:tcPr/>
-                </a:tc>
-                <a:tc>
-                  <a:txBody>
-                    <a:bodyPr/>
-                    <a:lstStyle/>
-                    <a:p>
-                      <a:pPr algn="ctr"/>
-                      <a:r>
-                        <a:rPr lang="en-IN" sz="1500" dirty="0" smtClean="0"/>
-                        <a:t>View</a:t>
-                      </a:r>
-                      <a:r>
-                        <a:rPr lang="en-IN" sz="1500" baseline="0" dirty="0" smtClean="0"/>
-                        <a:t> Timetable</a:t>
-                      </a:r>
-                      <a:endParaRPr lang="en-US" sz="1500" dirty="0"/>
-                    </a:p>
-                  </a:txBody>
-                  <a:tcPr/>
-                </a:tc>
-                <a:tc>
-                  <a:txBody>
-                    <a:bodyPr/>
-                    <a:lstStyle/>
-                    <a:p>
-                      <a:pPr algn="ctr"/>
-                      <a:r>
-                        <a:rPr lang="en-IN" sz="1500" dirty="0" smtClean="0"/>
-                        <a:t>View</a:t>
-                      </a:r>
-                      <a:r>
-                        <a:rPr lang="en-IN" sz="1500" baseline="0" dirty="0" smtClean="0"/>
-                        <a:t> Timetable</a:t>
-                      </a:r>
-                      <a:endParaRPr lang="en-US" sz="1500" dirty="0"/>
-                    </a:p>
-                  </a:txBody>
-                  <a:tcPr/>
-                </a:tc>
-                <a:extLst>
-                  <a:ext uri="{0D108BD9-81ED-4DB2-BD59-A6C34878D82A}">
-                    <a16:rowId xmlns="" xmlns:a16="http://schemas.microsoft.com/office/drawing/2014/main" val="4139854278"/>
-                  </a:ext>
-                </a:extLst>
-              </a:tr>
-              <a:tr h="528297">
-                <a:tc>
-                  <a:txBody>
-                    <a:bodyPr/>
-                    <a:lstStyle/>
-                    <a:p>
-                      <a:pPr algn="ctr"/>
-                      <a:r>
-                        <a:rPr lang="en-IN" sz="1500" b="1" dirty="0" smtClean="0"/>
-                        <a:t>17</a:t>
-                      </a:r>
-                      <a:endParaRPr lang="en-IN" sz="1500" b="1" dirty="0"/>
-                    </a:p>
-                    <a:p>
-                      <a:pPr algn="ctr"/>
-                      <a:endParaRPr lang="en-US" sz="1500" b="1" dirty="0"/>
-                    </a:p>
-                  </a:txBody>
-                  <a:tcPr/>
-                </a:tc>
-                <a:tc>
-                  <a:txBody>
-                    <a:bodyPr/>
-                    <a:lstStyle/>
-                    <a:p>
-                      <a:pPr algn="ctr"/>
-                      <a:r>
-                        <a:rPr lang="en-IN" sz="1500" dirty="0" smtClean="0"/>
-                        <a:t>HoD</a:t>
-                      </a:r>
-                      <a:endParaRPr lang="en-US" sz="1500" dirty="0"/>
-                    </a:p>
-                  </a:txBody>
-                  <a:tcPr/>
-                </a:tc>
-                <a:tc>
-                  <a:txBody>
-                    <a:bodyPr/>
-                    <a:lstStyle/>
-                    <a:p>
-                      <a:pPr algn="ctr"/>
-                      <a:r>
-                        <a:rPr lang="en-IN" sz="1500" dirty="0" smtClean="0"/>
-                        <a:t>Manage</a:t>
-                      </a:r>
-                      <a:r>
-                        <a:rPr lang="en-IN" sz="1500" baseline="0" dirty="0" smtClean="0"/>
-                        <a:t> fees details</a:t>
+                        <a:t> Students </a:t>
                       </a:r>
                       <a:endParaRPr lang="en-US" sz="1500" dirty="0"/>
                     </a:p>
@@ -12129,20 +12108,20 @@
                       </a:pPr>
                       <a:r>
                         <a:rPr lang="en-IN" sz="1500" dirty="0" smtClean="0"/>
-                        <a:t>Updates</a:t>
+                        <a:t>View</a:t>
                       </a:r>
                       <a:r>
                         <a:rPr lang="en-IN" sz="1500" baseline="0" dirty="0" smtClean="0"/>
-                        <a:t> there fees details</a:t>
-                      </a:r>
-                      <a:endParaRPr lang="en-IN" sz="1500" dirty="0" smtClean="0"/>
+                        <a:t> students details </a:t>
+                      </a:r>
+                      <a:endParaRPr lang="en-US" sz="1500" dirty="0" smtClean="0"/>
                     </a:p>
                   </a:txBody>
                   <a:tcPr/>
                 </a:tc>
                 <a:extLst>
                   <a:ext uri="{0D108BD9-81ED-4DB2-BD59-A6C34878D82A}">
-                    <a16:rowId xmlns="" xmlns:a16="http://schemas.microsoft.com/office/drawing/2014/main" val="4226806937"/>
+                    <a16:rowId xmlns:a16="http://schemas.microsoft.com/office/drawing/2014/main" xmlns="" val="4226806937"/>
                   </a:ext>
                 </a:extLst>
               </a:tr>
@@ -12170,11 +12149,26 @@
                       <a:pPr algn="ctr"/>
                       <a:r>
                         <a:rPr lang="en-IN" sz="1500" dirty="0" smtClean="0"/>
-                        <a:t>Student</a:t>
+                        <a:t>Teacher</a:t>
+                      </a:r>
+                      <a:endParaRPr lang="en-US" sz="1500" dirty="0"/>
+                    </a:p>
+                  </a:txBody>
+                  <a:tcPr/>
+                </a:tc>
+                <a:tc>
+                  <a:txBody>
+                    <a:bodyPr/>
+                    <a:lstStyle/>
+                    <a:p>
+                      <a:pPr algn="ctr"/>
+                      <a:r>
+                        <a:rPr lang="en-IN" sz="1500" dirty="0" smtClean="0"/>
+                        <a:t>Manage</a:t>
                       </a:r>
                       <a:r>
                         <a:rPr lang="en-IN" sz="1500" baseline="0" dirty="0" smtClean="0"/>
-                        <a:t> </a:t>
+                        <a:t> assignment </a:t>
                       </a:r>
                       <a:endParaRPr lang="en-US" sz="1500" dirty="0"/>
                     </a:p>
@@ -12189,30 +12183,11 @@
                       <a:pPr algn="ctr"/>
                       <a:r>
                         <a:rPr lang="en-IN" sz="1500" dirty="0" smtClean="0"/>
-                        <a:t>View</a:t>
+                        <a:t>Add/delete</a:t>
                       </a:r>
                       <a:r>
                         <a:rPr lang="en-IN" sz="1500" baseline="0" dirty="0" smtClean="0"/>
-                        <a:t> there fee details </a:t>
-                      </a:r>
-                      <a:endParaRPr lang="en-US" sz="1500" dirty="0"/>
-                    </a:p>
-                  </a:txBody>
-                  <a:tcPr/>
-                </a:tc>
-                <a:tc>
-                  <a:txBody>
-                    <a:bodyPr/>
-                    <a:lstStyle/>
-                    <a:p>
-                      <a:pPr algn="ctr"/>
-                      <a:r>
-                        <a:rPr lang="en-IN" sz="1500" dirty="0" smtClean="0"/>
-                        <a:t>View</a:t>
-                      </a:r>
-                      <a:r>
-                        <a:rPr lang="en-IN" sz="1500" baseline="0" dirty="0" smtClean="0"/>
-                        <a:t> there fees and dues</a:t>
+                        <a:t> assignment </a:t>
                       </a:r>
                       <a:endParaRPr lang="en-US" sz="1500" dirty="0"/>
                     </a:p>
@@ -12232,106 +12207,6 @@
                         <a:t>19</a:t>
                       </a:r>
                       <a:endParaRPr lang="en-IN" sz="1500" b="1" dirty="0"/>
-                    </a:p>
-                  </a:txBody>
-                  <a:tcPr/>
-                </a:tc>
-                <a:tc>
-                  <a:txBody>
-                    <a:bodyPr/>
-                    <a:lstStyle/>
-                    <a:p>
-                      <a:pPr algn="ctr"/>
-                      <a:r>
-                        <a:rPr lang="en-IN" sz="1500" dirty="0" smtClean="0"/>
-                        <a:t>Teacher</a:t>
-                      </a:r>
-                      <a:endParaRPr lang="en-US" sz="1500" dirty="0"/>
-                    </a:p>
-                  </a:txBody>
-                  <a:tcPr/>
-                </a:tc>
-                <a:tc>
-                  <a:txBody>
-                    <a:bodyPr/>
-                    <a:lstStyle/>
-                    <a:p>
-                      <a:pPr algn="ctr"/>
-                      <a:r>
-                        <a:rPr lang="en-IN" sz="1500" dirty="0" smtClean="0"/>
-                        <a:t>Subject Planner</a:t>
-                      </a:r>
-                      <a:endParaRPr lang="en-US" sz="1500" dirty="0"/>
-                    </a:p>
-                  </a:txBody>
-                  <a:tcPr/>
-                </a:tc>
-                <a:tc>
-                  <a:txBody>
-                    <a:bodyPr/>
-                    <a:lstStyle/>
-                    <a:p>
-                      <a:pPr algn="ctr"/>
-                      <a:r>
-                        <a:rPr lang="en-IN" sz="1500" dirty="0" smtClean="0"/>
-                        <a:t>Manage</a:t>
-                      </a:r>
-                      <a:r>
-                        <a:rPr lang="en-IN" sz="1500" baseline="0" dirty="0" smtClean="0"/>
-                        <a:t> class topics</a:t>
-                      </a:r>
-                      <a:endParaRPr lang="en-US" sz="1500" dirty="0"/>
-                    </a:p>
-                  </a:txBody>
-                  <a:tcPr/>
-                </a:tc>
-              </a:tr>
-              <a:tr h="468002">
-                <a:tc>
-                  <a:txBody>
-                    <a:bodyPr/>
-                    <a:lstStyle/>
-                    <a:p>
-                      <a:pPr algn="ctr"/>
-                      <a:r>
-                        <a:rPr lang="en-IN" sz="1500" b="1" dirty="0" smtClean="0"/>
-                        <a:t>20</a:t>
-                      </a:r>
-                      <a:endParaRPr lang="en-IN" sz="1500" b="1" dirty="0"/>
-                    </a:p>
-                  </a:txBody>
-                  <a:tcPr/>
-                </a:tc>
-                <a:tc>
-                  <a:txBody>
-                    <a:bodyPr/>
-                    <a:lstStyle/>
-                    <a:p>
-                      <a:pPr algn="ctr"/>
-                      <a:r>
-                        <a:rPr lang="en-IN" sz="1500" dirty="0" smtClean="0"/>
-                        <a:t>Teacher</a:t>
-                      </a:r>
-                      <a:endParaRPr lang="en-US" sz="1500" dirty="0"/>
-                    </a:p>
-                  </a:txBody>
-                  <a:tcPr/>
-                </a:tc>
-                <a:tc>
-                  <a:txBody>
-                    <a:bodyPr/>
-                    <a:lstStyle/>
-                    <a:p>
-                      <a:pPr algn="ctr"/>
-                      <a:r>
-                        <a:rPr lang="en-IN" sz="1500" dirty="0" smtClean="0"/>
-                        <a:t>View</a:t>
-                      </a:r>
-                      <a:r>
-                        <a:rPr lang="en-IN" sz="1500" baseline="0" dirty="0" smtClean="0"/>
-                        <a:t> Students </a:t>
-                      </a:r>
-                      <a:endParaRPr lang="en-US" sz="1500" dirty="0"/>
                     </a:p>
                   </a:txBody>
                   <a:tcPr/>
@@ -12360,11 +12235,151 @@
                       </a:pPr>
                       <a:r>
                         <a:rPr lang="en-IN" sz="1500" dirty="0" smtClean="0"/>
-                        <a:t>View</a:t>
+                        <a:t>Student</a:t>
+                      </a:r>
+                      <a:endParaRPr lang="en-US" sz="1500" dirty="0" smtClean="0"/>
+                    </a:p>
+                  </a:txBody>
+                  <a:tcPr/>
+                </a:tc>
+                <a:tc>
+                  <a:txBody>
+                    <a:bodyPr/>
+                    <a:lstStyle/>
+                    <a:p>
+                      <a:pPr algn="ctr"/>
+                      <a:r>
+                        <a:rPr lang="en-IN" sz="1500" dirty="0" smtClean="0"/>
+                        <a:t>Post</a:t>
                       </a:r>
                       <a:r>
                         <a:rPr lang="en-IN" sz="1500" baseline="0" dirty="0" smtClean="0"/>
-                        <a:t> students details </a:t>
+                        <a:t> there assignment </a:t>
+                      </a:r>
+                      <a:endParaRPr lang="en-US" sz="1500" dirty="0"/>
+                    </a:p>
+                  </a:txBody>
+                  <a:tcPr/>
+                </a:tc>
+                <a:tc>
+                  <a:txBody>
+                    <a:bodyPr/>
+                    <a:lstStyle/>
+                    <a:p>
+                      <a:pPr marL="0" marR="0" indent="0" algn="ctr" defTabSz="457200" rtl="0" eaLnBrk="1" fontAlgn="auto" latinLnBrk="0" hangingPunct="1">
+                        <a:lnSpc>
+                          <a:spcPct val="100000"/>
+                        </a:lnSpc>
+                        <a:spcBef>
+                          <a:spcPts val="0"/>
+                        </a:spcBef>
+                        <a:spcAft>
+                          <a:spcPts val="0"/>
+                        </a:spcAft>
+                        <a:buClrTx/>
+                        <a:buSzTx/>
+                        <a:buFontTx/>
+                        <a:buNone/>
+                        <a:tabLst/>
+                        <a:defRPr/>
+                      </a:pPr>
+                      <a:r>
+                        <a:rPr lang="en-IN" sz="1500" dirty="0" smtClean="0"/>
+                        <a:t>Add</a:t>
+                      </a:r>
+                      <a:r>
+                        <a:rPr lang="en-IN" sz="1500" baseline="0" dirty="0" smtClean="0"/>
+                        <a:t> there assignment works  </a:t>
+                      </a:r>
+                      <a:endParaRPr lang="en-IN" sz="1500" dirty="0" smtClean="0"/>
+                    </a:p>
+                  </a:txBody>
+                  <a:tcPr/>
+                </a:tc>
+              </a:tr>
+              <a:tr h="468002">
+                <a:tc>
+                  <a:txBody>
+                    <a:bodyPr/>
+                    <a:lstStyle/>
+                    <a:p>
+                      <a:pPr algn="ctr"/>
+                      <a:r>
+                        <a:rPr lang="en-IN" sz="1500" b="1" dirty="0" smtClean="0"/>
+                        <a:t>20</a:t>
+                      </a:r>
+                      <a:endParaRPr lang="en-IN" sz="1500" b="1" dirty="0"/>
+                    </a:p>
+                  </a:txBody>
+                  <a:tcPr/>
+                </a:tc>
+                <a:tc>
+                  <a:txBody>
+                    <a:bodyPr/>
+                    <a:lstStyle/>
+                    <a:p>
+                      <a:pPr algn="ctr"/>
+                      <a:r>
+                        <a:rPr lang="en-IN" sz="1500" dirty="0" smtClean="0"/>
+                        <a:t>Teacher</a:t>
+                      </a:r>
+                      <a:r>
+                        <a:rPr lang="en-IN" sz="1500" baseline="0" dirty="0" smtClean="0"/>
+                        <a:t> </a:t>
+                      </a:r>
+                      <a:endParaRPr lang="en-IN" sz="1500" dirty="0" smtClean="0"/>
+                    </a:p>
+                  </a:txBody>
+                  <a:tcPr/>
+                </a:tc>
+                <a:tc>
+                  <a:txBody>
+                    <a:bodyPr/>
+                    <a:lstStyle/>
+                    <a:p>
+                      <a:pPr algn="ctr"/>
+                      <a:r>
+                        <a:rPr lang="en-IN" sz="1500" dirty="0" smtClean="0"/>
+                        <a:t>Manage</a:t>
+                      </a:r>
+                      <a:r>
+                        <a:rPr lang="en-IN" sz="1500" baseline="0" dirty="0" smtClean="0"/>
+                        <a:t> internal marks</a:t>
+                      </a:r>
+                      <a:endParaRPr lang="en-US" sz="1500" dirty="0"/>
+                    </a:p>
+                  </a:txBody>
+                  <a:tcPr/>
+                </a:tc>
+                <a:tc>
+                  <a:txBody>
+                    <a:bodyPr/>
+                    <a:lstStyle/>
+                    <a:p>
+                      <a:pPr marL="0" marR="0" indent="0" algn="ctr" defTabSz="457200" rtl="0" eaLnBrk="1" fontAlgn="auto" latinLnBrk="0" hangingPunct="1">
+                        <a:lnSpc>
+                          <a:spcPct val="100000"/>
+                        </a:lnSpc>
+                        <a:spcBef>
+                          <a:spcPts val="0"/>
+                        </a:spcBef>
+                        <a:spcAft>
+                          <a:spcPts val="0"/>
+                        </a:spcAft>
+                        <a:buClrTx/>
+                        <a:buSzTx/>
+                        <a:buFontTx/>
+                        <a:buNone/>
+                        <a:tabLst/>
+                        <a:defRPr/>
+                      </a:pPr>
+                      <a:r>
+                        <a:rPr lang="en-IN" sz="1500" dirty="0" smtClean="0"/>
+                        <a:t>Add</a:t>
+                      </a:r>
+                      <a:r>
+                        <a:rPr lang="en-IN" sz="1500" baseline="0" dirty="0" smtClean="0"/>
+                        <a:t> or delete internal mark</a:t>
                       </a:r>
                       <a:endParaRPr lang="en-US" sz="1500" dirty="0" smtClean="0"/>
                     </a:p>
@@ -12439,7 +12454,7 @@
     </p:spTree>
     <p:extLst>
       <p:ext uri="{BB962C8B-B14F-4D97-AF65-F5344CB8AC3E}">
-        <p14:creationId xmlns="" xmlns:p14="http://schemas.microsoft.com/office/powerpoint/2010/main" val="191195399"/>
+        <p14:creationId xmlns:p14="http://schemas.microsoft.com/office/powerpoint/2010/main" xmlns="" val="191195399"/>
       </p:ext>
     </p:extLst>
   </p:cSld>
@@ -12478,7 +12493,7 @@
           <p:cNvPr id="2" name="Table 1">
             <a:extLst>
               <a:ext uri="{FF2B5EF4-FFF2-40B4-BE49-F238E27FC236}">
-                <a16:creationId xmlns="" xmlns:a16="http://schemas.microsoft.com/office/drawing/2014/main" id="{9CDDB2A3-7585-084F-5BBF-FEF2C08C8DB6}"/>
+                <a16:creationId xmlns:a16="http://schemas.microsoft.com/office/drawing/2014/main" xmlns="" id="{9CDDB2A3-7585-084F-5BBF-FEF2C08C8DB6}"/>
               </a:ext>
             </a:extLst>
           </p:cNvPr>
@@ -12488,14 +12503,14 @@
           <p:nvPr>
             <p:extLst>
               <p:ext uri="{D42A27DB-BD31-4B8C-83A1-F6EECF244321}">
-                <p14:modId xmlns="" xmlns:p14="http://schemas.microsoft.com/office/powerpoint/2010/main" val="1212678900"/>
+                <p14:modId xmlns:p14="http://schemas.microsoft.com/office/powerpoint/2010/main" xmlns="" val="1212678900"/>
               </p:ext>
             </p:extLst>
           </p:nvPr>
         </p:nvGraphicFramePr>
         <p:xfrm>
           <a:off x="2881290" y="729050"/>
-          <a:ext cx="8643999" cy="5628908"/>
+          <a:ext cx="8643999" cy="5908354"/>
         </p:xfrm>
         <a:graphic>
           <a:graphicData uri="http://schemas.openxmlformats.org/drawingml/2006/table">
@@ -12507,28 +12522,28 @@
                 <a:gridCol w="2161000">
                   <a:extLst>
                     <a:ext uri="{9D8B030D-6E8A-4147-A177-3AD203B41FA5}">
-                      <a16:colId xmlns="" xmlns:a16="http://schemas.microsoft.com/office/drawing/2014/main" val="95974096"/>
+                      <a16:colId xmlns:a16="http://schemas.microsoft.com/office/drawing/2014/main" xmlns="" val="95974096"/>
                     </a:ext>
                   </a:extLst>
                 </a:gridCol>
                 <a:gridCol w="2161000">
                   <a:extLst>
                     <a:ext uri="{9D8B030D-6E8A-4147-A177-3AD203B41FA5}">
-                      <a16:colId xmlns="" xmlns:a16="http://schemas.microsoft.com/office/drawing/2014/main" val="3662920334"/>
+                      <a16:colId xmlns:a16="http://schemas.microsoft.com/office/drawing/2014/main" xmlns="" val="3662920334"/>
                     </a:ext>
                   </a:extLst>
                 </a:gridCol>
                 <a:gridCol w="1946549">
                   <a:extLst>
                     <a:ext uri="{9D8B030D-6E8A-4147-A177-3AD203B41FA5}">
-                      <a16:colId xmlns="" xmlns:a16="http://schemas.microsoft.com/office/drawing/2014/main" val="726843149"/>
+                      <a16:colId xmlns:a16="http://schemas.microsoft.com/office/drawing/2014/main" xmlns="" val="726843149"/>
                     </a:ext>
                   </a:extLst>
                 </a:gridCol>
                 <a:gridCol w="2375450">
                   <a:extLst>
                     <a:ext uri="{9D8B030D-6E8A-4147-A177-3AD203B41FA5}">
-                      <a16:colId xmlns="" xmlns:a16="http://schemas.microsoft.com/office/drawing/2014/main" val="2382856930"/>
+                      <a16:colId xmlns:a16="http://schemas.microsoft.com/office/drawing/2014/main" xmlns="" val="2382856930"/>
                     </a:ext>
                   </a:extLst>
                 </a:gridCol>
@@ -12619,7 +12634,7 @@
                 </a:tc>
                 <a:extLst>
                   <a:ext uri="{0D108BD9-81ED-4DB2-BD59-A6C34878D82A}">
-                    <a16:rowId xmlns="" xmlns:a16="http://schemas.microsoft.com/office/drawing/2014/main" val="4034950038"/>
+                    <a16:rowId xmlns:a16="http://schemas.microsoft.com/office/drawing/2014/main" xmlns="" val="4034950038"/>
                   </a:ext>
                 </a:extLst>
               </a:tr>
@@ -12647,9 +12662,13 @@
                       <a:pPr algn="ctr"/>
                       <a:r>
                         <a:rPr lang="en-IN" sz="1500" dirty="0" smtClean="0"/>
-                        <a:t>Teacher</a:t>
-                      </a:r>
-                      <a:endParaRPr lang="en-US" sz="1500" dirty="0"/>
+                        <a:t>Students</a:t>
+                      </a:r>
+                      <a:r>
+                        <a:rPr lang="en-IN" sz="1500" baseline="0" dirty="0" smtClean="0"/>
+                        <a:t> </a:t>
+                      </a:r>
+                      <a:endParaRPr lang="en-IN" sz="1500" dirty="0" smtClean="0"/>
                     </a:p>
                   </a:txBody>
                   <a:tcPr/>
@@ -12662,13 +12681,13 @@
                       <a:pPr algn="ctr"/>
                       <a:r>
                         <a:rPr lang="en-IN" sz="1500" dirty="0" smtClean="0"/>
-                        <a:t>Manage</a:t>
+                        <a:t>View there Internal</a:t>
                       </a:r>
                       <a:r>
                         <a:rPr lang="en-IN" sz="1500" baseline="0" dirty="0" smtClean="0"/>
-                        <a:t> assignment </a:t>
-                      </a:r>
-                      <a:endParaRPr lang="en-US" sz="1500" dirty="0"/>
+                        <a:t> mark</a:t>
+                      </a:r>
+                      <a:endParaRPr lang="en-IN" sz="1500" dirty="0" smtClean="0"/>
                     </a:p>
                   </a:txBody>
                   <a:tcPr/>
@@ -12681,11 +12700,11 @@
                       <a:pPr algn="ctr"/>
                       <a:r>
                         <a:rPr lang="en-IN" sz="1500" dirty="0" smtClean="0"/>
-                        <a:t>Add/delete</a:t>
+                        <a:t>View</a:t>
                       </a:r>
                       <a:r>
                         <a:rPr lang="en-IN" sz="1500" baseline="0" dirty="0" smtClean="0"/>
-                        <a:t> assignment </a:t>
+                        <a:t> There marks</a:t>
                       </a:r>
                       <a:endParaRPr lang="en-US" sz="1500" dirty="0"/>
                     </a:p>
@@ -12694,7 +12713,7 @@
                 </a:tc>
                 <a:extLst>
                   <a:ext uri="{0D108BD9-81ED-4DB2-BD59-A6C34878D82A}">
-                    <a16:rowId xmlns="" xmlns:a16="http://schemas.microsoft.com/office/drawing/2014/main" val="4040729667"/>
+                    <a16:rowId xmlns:a16="http://schemas.microsoft.com/office/drawing/2014/main" xmlns="" val="4040729667"/>
                   </a:ext>
                 </a:extLst>
               </a:tr>
@@ -12710,6 +12729,352 @@
                         <a:t>22</a:t>
                       </a:r>
                       <a:endParaRPr lang="en-IN" sz="1500" b="1" dirty="0"/>
+                    </a:p>
+                  </a:txBody>
+                  <a:tcPr/>
+                </a:tc>
+                <a:tc>
+                  <a:txBody>
+                    <a:bodyPr/>
+                    <a:lstStyle/>
+                    <a:p>
+                      <a:pPr algn="ctr"/>
+                      <a:r>
+                        <a:rPr lang="en-IN" sz="1500" dirty="0" smtClean="0"/>
+                        <a:t>Teachers</a:t>
+                      </a:r>
+                      <a:r>
+                        <a:rPr lang="en-IN" sz="1500" baseline="0" dirty="0" smtClean="0"/>
+                        <a:t> </a:t>
+                      </a:r>
+                      <a:endParaRPr lang="en-US" sz="1500" dirty="0"/>
+                    </a:p>
+                  </a:txBody>
+                  <a:tcPr/>
+                </a:tc>
+                <a:tc>
+                  <a:txBody>
+                    <a:bodyPr/>
+                    <a:lstStyle/>
+                    <a:p>
+                      <a:pPr algn="ctr"/>
+                      <a:r>
+                        <a:rPr lang="en-IN" sz="1500" dirty="0" smtClean="0"/>
+                        <a:t>Manage</a:t>
+                      </a:r>
+                      <a:r>
+                        <a:rPr lang="en-IN" sz="1500" baseline="0" dirty="0" smtClean="0"/>
+                        <a:t> exams </a:t>
+                      </a:r>
+                      <a:endParaRPr lang="en-US" sz="1500" dirty="0"/>
+                    </a:p>
+                  </a:txBody>
+                  <a:tcPr/>
+                </a:tc>
+                <a:tc>
+                  <a:txBody>
+                    <a:bodyPr/>
+                    <a:lstStyle/>
+                    <a:p>
+                      <a:pPr algn="ctr"/>
+                      <a:r>
+                        <a:rPr lang="en-IN" sz="1500" dirty="0" smtClean="0"/>
+                        <a:t>Add</a:t>
+                      </a:r>
+                      <a:r>
+                        <a:rPr lang="en-IN" sz="1500" baseline="0" dirty="0" smtClean="0"/>
+                        <a:t> exams</a:t>
+                      </a:r>
+                      <a:endParaRPr lang="en-US" sz="1500" dirty="0"/>
+                    </a:p>
+                  </a:txBody>
+                  <a:tcPr/>
+                </a:tc>
+                <a:extLst>
+                  <a:ext uri="{0D108BD9-81ED-4DB2-BD59-A6C34878D82A}">
+                    <a16:rowId xmlns:a16="http://schemas.microsoft.com/office/drawing/2014/main" xmlns="" val="4217941202"/>
+                  </a:ext>
+                </a:extLst>
+              </a:tr>
+              <a:tr h="510585">
+                <a:tc>
+                  <a:txBody>
+                    <a:bodyPr/>
+                    <a:lstStyle/>
+                    <a:p>
+                      <a:pPr algn="ctr"/>
+                      <a:r>
+                        <a:rPr lang="en-IN" sz="1500" b="1" dirty="0" smtClean="0"/>
+                        <a:t>23</a:t>
+                      </a:r>
+                      <a:endParaRPr lang="en-US" sz="1500" b="1" dirty="0"/>
+                    </a:p>
+                  </a:txBody>
+                  <a:tcPr/>
+                </a:tc>
+                <a:tc>
+                  <a:txBody>
+                    <a:bodyPr/>
+                    <a:lstStyle/>
+                    <a:p>
+                      <a:pPr algn="ctr"/>
+                      <a:r>
+                        <a:rPr lang="en-IN" sz="1500" dirty="0" smtClean="0"/>
+                        <a:t>Student</a:t>
+                      </a:r>
+                      <a:r>
+                        <a:rPr lang="en-IN" sz="1500" baseline="0" dirty="0" smtClean="0"/>
+                        <a:t> </a:t>
+                      </a:r>
+                      <a:endParaRPr lang="en-US" sz="1500" dirty="0"/>
+                    </a:p>
+                  </a:txBody>
+                  <a:tcPr/>
+                </a:tc>
+                <a:tc>
+                  <a:txBody>
+                    <a:bodyPr/>
+                    <a:lstStyle/>
+                    <a:p>
+                      <a:pPr algn="ctr"/>
+                      <a:r>
+                        <a:rPr lang="en-IN" sz="1500" dirty="0" smtClean="0"/>
+                        <a:t>Post</a:t>
+                      </a:r>
+                      <a:r>
+                        <a:rPr lang="en-IN" sz="1500" baseline="0" dirty="0" smtClean="0"/>
+                        <a:t> there exams </a:t>
+                      </a:r>
+                      <a:endParaRPr lang="en-US" sz="1500" dirty="0"/>
+                    </a:p>
+                  </a:txBody>
+                  <a:tcPr/>
+                </a:tc>
+                <a:tc>
+                  <a:txBody>
+                    <a:bodyPr/>
+                    <a:lstStyle/>
+                    <a:p>
+                      <a:pPr algn="ctr"/>
+                      <a:r>
+                        <a:rPr lang="en-IN" sz="1500" dirty="0" smtClean="0"/>
+                        <a:t>Attend</a:t>
+                      </a:r>
+                      <a:r>
+                        <a:rPr lang="en-IN" sz="1500" baseline="0" dirty="0" smtClean="0"/>
+                        <a:t> exams </a:t>
+                      </a:r>
+                      <a:endParaRPr lang="en-US" sz="1500" dirty="0"/>
+                    </a:p>
+                  </a:txBody>
+                  <a:tcPr/>
+                </a:tc>
+                <a:extLst>
+                  <a:ext uri="{0D108BD9-81ED-4DB2-BD59-A6C34878D82A}">
+                    <a16:rowId xmlns:a16="http://schemas.microsoft.com/office/drawing/2014/main" xmlns="" val="1015645382"/>
+                  </a:ext>
+                </a:extLst>
+              </a:tr>
+              <a:tr h="510585">
+                <a:tc>
+                  <a:txBody>
+                    <a:bodyPr/>
+                    <a:lstStyle/>
+                    <a:p>
+                      <a:pPr algn="ctr"/>
+                      <a:r>
+                        <a:rPr lang="en-IN" sz="1500" b="1" dirty="0" smtClean="0"/>
+                        <a:t>24</a:t>
+                      </a:r>
+                      <a:endParaRPr lang="en-US" sz="1500" b="1" dirty="0"/>
+                    </a:p>
+                  </a:txBody>
+                  <a:tcPr/>
+                </a:tc>
+                <a:tc>
+                  <a:txBody>
+                    <a:bodyPr/>
+                    <a:lstStyle/>
+                    <a:p>
+                      <a:pPr algn="ctr"/>
+                      <a:r>
+                        <a:rPr lang="en-IN" sz="1500" dirty="0" smtClean="0"/>
+                        <a:t>Teacher</a:t>
+                      </a:r>
+                      <a:endParaRPr lang="en-US" sz="1500" dirty="0"/>
+                    </a:p>
+                  </a:txBody>
+                  <a:tcPr/>
+                </a:tc>
+                <a:tc>
+                  <a:txBody>
+                    <a:bodyPr/>
+                    <a:lstStyle/>
+                    <a:p>
+                      <a:pPr algn="ctr"/>
+                      <a:r>
+                        <a:rPr lang="en-IN" sz="1500" dirty="0" smtClean="0"/>
+                        <a:t>Manage study materials </a:t>
+                      </a:r>
+                      <a:endParaRPr lang="en-US" sz="1500" dirty="0"/>
+                    </a:p>
+                  </a:txBody>
+                  <a:tcPr/>
+                </a:tc>
+                <a:tc>
+                  <a:txBody>
+                    <a:bodyPr/>
+                    <a:lstStyle/>
+                    <a:p>
+                      <a:pPr algn="ctr"/>
+                      <a:r>
+                        <a:rPr lang="en-IN" sz="1500" dirty="0" smtClean="0"/>
+                        <a:t>Add</a:t>
+                      </a:r>
+                      <a:r>
+                        <a:rPr lang="en-IN" sz="1500" baseline="0" dirty="0" smtClean="0"/>
+                        <a:t> /delete study materials </a:t>
+                      </a:r>
+                      <a:endParaRPr lang="en-US" sz="1500" dirty="0"/>
+                    </a:p>
+                  </a:txBody>
+                  <a:tcPr/>
+                </a:tc>
+                <a:extLst>
+                  <a:ext uri="{0D108BD9-81ED-4DB2-BD59-A6C34878D82A}">
+                    <a16:rowId xmlns:a16="http://schemas.microsoft.com/office/drawing/2014/main" xmlns="" val="2977811042"/>
+                  </a:ext>
+                </a:extLst>
+              </a:tr>
+              <a:tr h="345574">
+                <a:tc>
+                  <a:txBody>
+                    <a:bodyPr/>
+                    <a:lstStyle/>
+                    <a:p>
+                      <a:pPr algn="ctr"/>
+                      <a:r>
+                        <a:rPr lang="en-IN" sz="1500" b="1" dirty="0" smtClean="0"/>
+                        <a:t>25</a:t>
+                      </a:r>
+                      <a:endParaRPr lang="en-US" sz="1500" b="1" dirty="0"/>
+                    </a:p>
+                  </a:txBody>
+                  <a:tcPr/>
+                </a:tc>
+                <a:tc>
+                  <a:txBody>
+                    <a:bodyPr/>
+                    <a:lstStyle/>
+                    <a:p>
+                      <a:pPr algn="ctr"/>
+                      <a:r>
+                        <a:rPr lang="en-IN" sz="1500" dirty="0" smtClean="0"/>
+                        <a:t>Student</a:t>
+                      </a:r>
+                      <a:r>
+                        <a:rPr lang="en-IN" sz="1500" baseline="0" dirty="0" smtClean="0"/>
+                        <a:t> </a:t>
+                      </a:r>
+                      <a:endParaRPr lang="en-US" sz="1500" dirty="0"/>
+                    </a:p>
+                  </a:txBody>
+                  <a:tcPr/>
+                </a:tc>
+                <a:tc>
+                  <a:txBody>
+                    <a:bodyPr/>
+                    <a:lstStyle/>
+                    <a:p>
+                      <a:pPr algn="ctr"/>
+                      <a:r>
+                        <a:rPr lang="en-IN" sz="1500" dirty="0" smtClean="0"/>
+                        <a:t>Use</a:t>
+                      </a:r>
+                      <a:r>
+                        <a:rPr lang="en-IN" sz="1500" baseline="0" dirty="0" smtClean="0"/>
+                        <a:t> study materials </a:t>
+                      </a:r>
+                      <a:endParaRPr lang="en-US" sz="1500" dirty="0"/>
+                    </a:p>
+                  </a:txBody>
+                  <a:tcPr/>
+                </a:tc>
+                <a:tc>
+                  <a:txBody>
+                    <a:bodyPr/>
+                    <a:lstStyle/>
+                    <a:p>
+                      <a:pPr algn="ctr"/>
+                      <a:r>
+                        <a:rPr lang="en-IN" sz="1500" dirty="0" smtClean="0"/>
+                        <a:t>Use</a:t>
+                      </a:r>
+                      <a:r>
+                        <a:rPr lang="en-IN" sz="1500" baseline="0" dirty="0" smtClean="0"/>
+                        <a:t> study materials </a:t>
+                      </a:r>
+                      <a:endParaRPr lang="en-US" sz="1500" dirty="0"/>
+                    </a:p>
+                  </a:txBody>
+                  <a:tcPr/>
+                </a:tc>
+                <a:extLst>
+                  <a:ext uri="{0D108BD9-81ED-4DB2-BD59-A6C34878D82A}">
+                    <a16:rowId xmlns:a16="http://schemas.microsoft.com/office/drawing/2014/main" xmlns="" val="631930891"/>
+                  </a:ext>
+                </a:extLst>
+              </a:tr>
+              <a:tr h="297841">
+                <a:tc>
+                  <a:txBody>
+                    <a:bodyPr/>
+                    <a:lstStyle/>
+                    <a:p>
+                      <a:pPr algn="ctr"/>
+                      <a:r>
+                        <a:rPr lang="en-IN" sz="1500" b="1" dirty="0" smtClean="0"/>
+                        <a:t>26</a:t>
+                      </a:r>
+                      <a:endParaRPr lang="en-US" sz="1500" b="1" dirty="0"/>
+                    </a:p>
+                  </a:txBody>
+                  <a:tcPr/>
+                </a:tc>
+                <a:tc>
+                  <a:txBody>
+                    <a:bodyPr/>
+                    <a:lstStyle/>
+                    <a:p>
+                      <a:pPr algn="ctr"/>
+                      <a:r>
+                        <a:rPr lang="en-IN" sz="1500" dirty="0" smtClean="0"/>
+                        <a:t>Teacher</a:t>
+                      </a:r>
+                      <a:r>
+                        <a:rPr lang="en-IN" sz="1500" baseline="0" dirty="0" smtClean="0"/>
+                        <a:t> </a:t>
+                      </a:r>
+                      <a:endParaRPr lang="en-US" sz="1500" dirty="0"/>
+                    </a:p>
+                  </a:txBody>
+                  <a:tcPr/>
+                </a:tc>
+                <a:tc>
+                  <a:txBody>
+                    <a:bodyPr/>
+                    <a:lstStyle/>
+                    <a:p>
+                      <a:pPr algn="ctr"/>
+                      <a:r>
+                        <a:rPr lang="en-IN" sz="1500" dirty="0" smtClean="0"/>
+                        <a:t>Manage</a:t>
+                      </a:r>
+                      <a:r>
+                        <a:rPr lang="en-IN" sz="1500" baseline="0" dirty="0" smtClean="0"/>
+                        <a:t> attendance </a:t>
+                      </a:r>
+                      <a:endParaRPr lang="en-US" sz="1500" dirty="0"/>
                     </a:p>
                   </a:txBody>
                   <a:tcPr/>
@@ -12738,9 +13103,54 @@
                       </a:pPr>
                       <a:r>
                         <a:rPr lang="en-IN" sz="1500" dirty="0" smtClean="0"/>
+                        <a:t>Post</a:t>
+                      </a:r>
+                      <a:r>
+                        <a:rPr lang="en-IN" sz="1500" baseline="0" dirty="0" smtClean="0"/>
+                        <a:t> students attendance </a:t>
+                      </a:r>
+                      <a:endParaRPr lang="en-IN" sz="1500" dirty="0" smtClean="0"/>
+                    </a:p>
+                  </a:txBody>
+                  <a:tcPr/>
+                </a:tc>
+                <a:extLst>
+                  <a:ext uri="{0D108BD9-81ED-4DB2-BD59-A6C34878D82A}">
+                    <a16:rowId xmlns:a16="http://schemas.microsoft.com/office/drawing/2014/main" xmlns="" val="4139854278"/>
+                  </a:ext>
+                </a:extLst>
+              </a:tr>
+              <a:tr h="510585">
+                <a:tc>
+                  <a:txBody>
+                    <a:bodyPr/>
+                    <a:lstStyle/>
+                    <a:p>
+                      <a:pPr algn="ctr"/>
+                      <a:r>
+                        <a:rPr lang="en-IN" sz="1500" b="1" dirty="0" smtClean="0"/>
+                        <a:t>27</a:t>
+                      </a:r>
+                      <a:endParaRPr lang="en-IN" sz="1500" b="1" dirty="0"/>
+                    </a:p>
+                  </a:txBody>
+                  <a:tcPr/>
+                </a:tc>
+                <a:tc>
+                  <a:txBody>
+                    <a:bodyPr/>
+                    <a:lstStyle/>
+                    <a:p>
+                      <a:pPr algn="ctr"/>
+                      <a:r>
+                        <a:rPr lang="en-IN" sz="1500" dirty="0" smtClean="0"/>
                         <a:t>Student</a:t>
                       </a:r>
-                      <a:endParaRPr lang="en-US" sz="1500" dirty="0" smtClean="0"/>
+                      <a:r>
+                        <a:rPr lang="en-IN" sz="1500" baseline="0" dirty="0" smtClean="0"/>
+                        <a:t> </a:t>
+                      </a:r>
+                      <a:endParaRPr lang="en-US" sz="1500" dirty="0"/>
                     </a:p>
                   </a:txBody>
                   <a:tcPr/>
@@ -12753,11 +13163,86 @@
                       <a:pPr algn="ctr"/>
                       <a:r>
                         <a:rPr lang="en-IN" sz="1500" dirty="0" smtClean="0"/>
-                        <a:t>Post</a:t>
+                        <a:t>View</a:t>
                       </a:r>
                       <a:r>
                         <a:rPr lang="en-IN" sz="1500" baseline="0" dirty="0" smtClean="0"/>
-                        <a:t> there assignment </a:t>
+                        <a:t> there attendance </a:t>
+                      </a:r>
+                      <a:endParaRPr lang="en-US" sz="1500" dirty="0"/>
+                    </a:p>
+                  </a:txBody>
+                  <a:tcPr/>
+                </a:tc>
+                <a:tc>
+                  <a:txBody>
+                    <a:bodyPr/>
+                    <a:lstStyle/>
+                    <a:p>
+                      <a:pPr algn="ctr"/>
+                      <a:r>
+                        <a:rPr lang="en-IN" sz="1500" dirty="0" smtClean="0"/>
+                        <a:t>View</a:t>
+                      </a:r>
+                      <a:r>
+                        <a:rPr lang="en-IN" sz="1500" baseline="0" dirty="0" smtClean="0"/>
+                        <a:t> there attendance on date </a:t>
+                      </a:r>
+                      <a:endParaRPr lang="en-US" sz="1500" dirty="0"/>
+                    </a:p>
+                  </a:txBody>
+                  <a:tcPr/>
+                </a:tc>
+                <a:extLst>
+                  <a:ext uri="{0D108BD9-81ED-4DB2-BD59-A6C34878D82A}">
+                    <a16:rowId xmlns:a16="http://schemas.microsoft.com/office/drawing/2014/main" xmlns="" val="4226806937"/>
+                  </a:ext>
+                </a:extLst>
+              </a:tr>
+              <a:tr h="345574">
+                <a:tc>
+                  <a:txBody>
+                    <a:bodyPr/>
+                    <a:lstStyle/>
+                    <a:p>
+                      <a:pPr algn="ctr"/>
+                      <a:r>
+                        <a:rPr lang="en-IN" sz="1500" b="1" dirty="0" smtClean="0"/>
+                        <a:t>28</a:t>
+                      </a:r>
+                      <a:endParaRPr lang="en-IN" sz="1500" b="1" dirty="0"/>
+                    </a:p>
+                  </a:txBody>
+                  <a:tcPr/>
+                </a:tc>
+                <a:tc>
+                  <a:txBody>
+                    <a:bodyPr/>
+                    <a:lstStyle/>
+                    <a:p>
+                      <a:pPr algn="ctr"/>
+                      <a:r>
+                        <a:rPr lang="en-IN" sz="1500" dirty="0" smtClean="0"/>
+                        <a:t>Hod</a:t>
+                      </a:r>
+                      <a:endParaRPr lang="en-US" sz="1500" dirty="0"/>
+                    </a:p>
+                  </a:txBody>
+                  <a:tcPr/>
+                </a:tc>
+                <a:tc>
+                  <a:txBody>
+                    <a:bodyPr/>
+                    <a:lstStyle/>
+                    <a:p>
+                      <a:pPr algn="ctr"/>
+                      <a:r>
+                        <a:rPr lang="en-IN" sz="1500" dirty="0" smtClean="0"/>
+                        <a:t>View</a:t>
+                      </a:r>
+                      <a:r>
+                        <a:rPr lang="en-IN" sz="1500" baseline="0" dirty="0" smtClean="0"/>
+                        <a:t> Students  attendance </a:t>
                       </a:r>
                       <a:endParaRPr lang="en-US" sz="1500" dirty="0"/>
                     </a:p>
@@ -12788,22 +13273,17 @@
                       </a:pPr>
                       <a:r>
                         <a:rPr lang="en-IN" sz="1500" dirty="0" smtClean="0"/>
-                        <a:t>Add</a:t>
+                        <a:t>View</a:t>
                       </a:r>
                       <a:r>
                         <a:rPr lang="en-IN" sz="1500" baseline="0" dirty="0" smtClean="0"/>
-                        <a:t> there assignment works  </a:t>
-                      </a:r>
-                      <a:endParaRPr lang="en-IN" sz="1500" dirty="0" smtClean="0"/>
-                    </a:p>
-                  </a:txBody>
-                  <a:tcPr/>
-                </a:tc>
-                <a:extLst>
-                  <a:ext uri="{0D108BD9-81ED-4DB2-BD59-A6C34878D82A}">
-                    <a16:rowId xmlns="" xmlns:a16="http://schemas.microsoft.com/office/drawing/2014/main" val="4217941202"/>
-                  </a:ext>
-                </a:extLst>
+                        <a:t> students attendance details </a:t>
+                      </a:r>
+                      <a:endParaRPr lang="en-US" sz="1500" dirty="0" smtClean="0"/>
+                    </a:p>
+                  </a:txBody>
+                  <a:tcPr/>
+                </a:tc>
               </a:tr>
               <a:tr h="510585">
                 <a:tc>
@@ -12814,9 +13294,9 @@
                       <a:pPr algn="ctr"/>
                       <a:r>
                         <a:rPr lang="en-IN" sz="1500" b="1" dirty="0" smtClean="0"/>
-                        <a:t>23</a:t>
-                      </a:r>
-                      <a:endParaRPr lang="en-US" sz="1500" b="1" dirty="0"/>
+                        <a:t>29</a:t>
+                      </a:r>
+                      <a:endParaRPr lang="en-IN" sz="1500" b="1" dirty="0"/>
                     </a:p>
                   </a:txBody>
                   <a:tcPr/>
@@ -12835,7 +13315,7 @@
                         <a:rPr lang="en-IN" sz="1500" baseline="0" dirty="0" smtClean="0"/>
                         <a:t> </a:t>
                       </a:r>
-                      <a:endParaRPr lang="en-IN" sz="1500" dirty="0" smtClean="0"/>
+                      <a:endParaRPr lang="en-US" sz="1500" dirty="0"/>
                     </a:p>
                   </a:txBody>
                   <a:tcPr/>
@@ -12848,11 +13328,11 @@
                       <a:pPr algn="ctr"/>
                       <a:r>
                         <a:rPr lang="en-IN" sz="1500" dirty="0" smtClean="0"/>
-                        <a:t>Manage</a:t>
+                        <a:t>Chat</a:t>
                       </a:r>
                       <a:r>
                         <a:rPr lang="en-IN" sz="1500" baseline="0" dirty="0" smtClean="0"/>
-                        <a:t> internal marks</a:t>
+                        <a:t> with students </a:t>
                       </a:r>
                       <a:endParaRPr lang="en-US" sz="1500" dirty="0"/>
                     </a:p>
@@ -12883,22 +13363,17 @@
                       </a:pPr>
                       <a:r>
                         <a:rPr lang="en-IN" sz="1500" dirty="0" smtClean="0"/>
-                        <a:t>Add</a:t>
+                        <a:t>Chat</a:t>
                       </a:r>
                       <a:r>
                         <a:rPr lang="en-IN" sz="1500" baseline="0" dirty="0" smtClean="0"/>
-                        <a:t> or delete internal mark</a:t>
+                        <a:t> with students </a:t>
                       </a:r>
                       <a:endParaRPr lang="en-US" sz="1500" dirty="0" smtClean="0"/>
                     </a:p>
                   </a:txBody>
                   <a:tcPr/>
                 </a:tc>
-                <a:extLst>
-                  <a:ext uri="{0D108BD9-81ED-4DB2-BD59-A6C34878D82A}">
-                    <a16:rowId xmlns="" xmlns:a16="http://schemas.microsoft.com/office/drawing/2014/main" val="1015645382"/>
-                  </a:ext>
-                </a:extLst>
               </a:tr>
               <a:tr h="510585">
                 <a:tc>
@@ -12909,429 +13384,9 @@
                       <a:pPr algn="ctr"/>
                       <a:r>
                         <a:rPr lang="en-IN" sz="1500" b="1" dirty="0" smtClean="0"/>
-                        <a:t>24</a:t>
-                      </a:r>
-                      <a:endParaRPr lang="en-US" sz="1500" b="1" dirty="0"/>
-                    </a:p>
-                  </a:txBody>
-                  <a:tcPr/>
-                </a:tc>
-                <a:tc>
-                  <a:txBody>
-                    <a:bodyPr/>
-                    <a:lstStyle/>
-                    <a:p>
-                      <a:pPr algn="ctr"/>
-                      <a:r>
-                        <a:rPr lang="en-IN" sz="1500" dirty="0" smtClean="0"/>
-                        <a:t>Students</a:t>
-                      </a:r>
-                      <a:r>
-                        <a:rPr lang="en-IN" sz="1500" baseline="0" dirty="0" smtClean="0"/>
-                        <a:t> </a:t>
-                      </a:r>
-                      <a:endParaRPr lang="en-IN" sz="1500" dirty="0" smtClean="0"/>
-                    </a:p>
-                  </a:txBody>
-                  <a:tcPr/>
-                </a:tc>
-                <a:tc>
-                  <a:txBody>
-                    <a:bodyPr/>
-                    <a:lstStyle/>
-                    <a:p>
-                      <a:pPr algn="ctr"/>
-                      <a:r>
-                        <a:rPr lang="en-IN" sz="1500" dirty="0" smtClean="0"/>
-                        <a:t>View there Internal</a:t>
-                      </a:r>
-                      <a:r>
-                        <a:rPr lang="en-IN" sz="1500" baseline="0" dirty="0" smtClean="0"/>
-                        <a:t> mark</a:t>
-                      </a:r>
-                      <a:endParaRPr lang="en-IN" sz="1500" dirty="0" smtClean="0"/>
-                    </a:p>
-                  </a:txBody>
-                  <a:tcPr/>
-                </a:tc>
-                <a:tc>
-                  <a:txBody>
-                    <a:bodyPr/>
-                    <a:lstStyle/>
-                    <a:p>
-                      <a:pPr algn="ctr"/>
-                      <a:r>
-                        <a:rPr lang="en-IN" sz="1500" dirty="0" smtClean="0"/>
-                        <a:t>View</a:t>
-                      </a:r>
-                      <a:r>
-                        <a:rPr lang="en-IN" sz="1500" baseline="0" dirty="0" smtClean="0"/>
-                        <a:t> There marks</a:t>
-                      </a:r>
-                      <a:endParaRPr lang="en-US" sz="1500" dirty="0"/>
-                    </a:p>
-                  </a:txBody>
-                  <a:tcPr/>
-                </a:tc>
-                <a:extLst>
-                  <a:ext uri="{0D108BD9-81ED-4DB2-BD59-A6C34878D82A}">
-                    <a16:rowId xmlns="" xmlns:a16="http://schemas.microsoft.com/office/drawing/2014/main" val="2977811042"/>
-                  </a:ext>
-                </a:extLst>
-              </a:tr>
-              <a:tr h="345574">
-                <a:tc>
-                  <a:txBody>
-                    <a:bodyPr/>
-                    <a:lstStyle/>
-                    <a:p>
-                      <a:pPr algn="ctr"/>
-                      <a:r>
-                        <a:rPr lang="en-IN" sz="1500" b="1" dirty="0" smtClean="0"/>
-                        <a:t>25</a:t>
-                      </a:r>
-                      <a:endParaRPr lang="en-US" sz="1500" b="1" dirty="0"/>
-                    </a:p>
-                  </a:txBody>
-                  <a:tcPr/>
-                </a:tc>
-                <a:tc>
-                  <a:txBody>
-                    <a:bodyPr/>
-                    <a:lstStyle/>
-                    <a:p>
-                      <a:pPr algn="ctr"/>
-                      <a:r>
-                        <a:rPr lang="en-IN" sz="1500" dirty="0" smtClean="0"/>
-                        <a:t>Teachers</a:t>
-                      </a:r>
-                      <a:r>
-                        <a:rPr lang="en-IN" sz="1500" baseline="0" dirty="0" smtClean="0"/>
-                        <a:t> </a:t>
-                      </a:r>
-                      <a:endParaRPr lang="en-US" sz="1500" dirty="0"/>
-                    </a:p>
-                  </a:txBody>
-                  <a:tcPr/>
-                </a:tc>
-                <a:tc>
-                  <a:txBody>
-                    <a:bodyPr/>
-                    <a:lstStyle/>
-                    <a:p>
-                      <a:pPr algn="ctr"/>
-                      <a:r>
-                        <a:rPr lang="en-IN" sz="1500" dirty="0" smtClean="0"/>
-                        <a:t>Manage</a:t>
-                      </a:r>
-                      <a:r>
-                        <a:rPr lang="en-IN" sz="1500" baseline="0" dirty="0" smtClean="0"/>
-                        <a:t> exams </a:t>
-                      </a:r>
-                      <a:endParaRPr lang="en-US" sz="1500" dirty="0"/>
-                    </a:p>
-                  </a:txBody>
-                  <a:tcPr/>
-                </a:tc>
-                <a:tc>
-                  <a:txBody>
-                    <a:bodyPr/>
-                    <a:lstStyle/>
-                    <a:p>
-                      <a:pPr algn="ctr"/>
-                      <a:r>
-                        <a:rPr lang="en-IN" sz="1500" dirty="0" smtClean="0"/>
-                        <a:t>Add</a:t>
-                      </a:r>
-                      <a:r>
-                        <a:rPr lang="en-IN" sz="1500" baseline="0" dirty="0" smtClean="0"/>
-                        <a:t> exams</a:t>
-                      </a:r>
-                      <a:endParaRPr lang="en-US" sz="1500" dirty="0"/>
-                    </a:p>
-                  </a:txBody>
-                  <a:tcPr/>
-                </a:tc>
-                <a:extLst>
-                  <a:ext uri="{0D108BD9-81ED-4DB2-BD59-A6C34878D82A}">
-                    <a16:rowId xmlns="" xmlns:a16="http://schemas.microsoft.com/office/drawing/2014/main" val="631930891"/>
-                  </a:ext>
-                </a:extLst>
-              </a:tr>
-              <a:tr h="297841">
-                <a:tc>
-                  <a:txBody>
-                    <a:bodyPr/>
-                    <a:lstStyle/>
-                    <a:p>
-                      <a:pPr algn="ctr"/>
-                      <a:r>
-                        <a:rPr lang="en-IN" sz="1500" b="1" dirty="0" smtClean="0"/>
-                        <a:t>26</a:t>
-                      </a:r>
-                      <a:endParaRPr lang="en-US" sz="1500" b="1" dirty="0"/>
-                    </a:p>
-                  </a:txBody>
-                  <a:tcPr/>
-                </a:tc>
-                <a:tc>
-                  <a:txBody>
-                    <a:bodyPr/>
-                    <a:lstStyle/>
-                    <a:p>
-                      <a:pPr algn="ctr"/>
-                      <a:r>
-                        <a:rPr lang="en-IN" sz="1500" dirty="0" smtClean="0"/>
-                        <a:t>Student</a:t>
-                      </a:r>
-                      <a:r>
-                        <a:rPr lang="en-IN" sz="1500" baseline="0" dirty="0" smtClean="0"/>
-                        <a:t> </a:t>
-                      </a:r>
-                      <a:endParaRPr lang="en-US" sz="1500" dirty="0"/>
-                    </a:p>
-                  </a:txBody>
-                  <a:tcPr/>
-                </a:tc>
-                <a:tc>
-                  <a:txBody>
-                    <a:bodyPr/>
-                    <a:lstStyle/>
-                    <a:p>
-                      <a:pPr algn="ctr"/>
-                      <a:r>
-                        <a:rPr lang="en-IN" sz="1500" dirty="0" smtClean="0"/>
-                        <a:t>Post</a:t>
-                      </a:r>
-                      <a:r>
-                        <a:rPr lang="en-IN" sz="1500" baseline="0" dirty="0" smtClean="0"/>
-                        <a:t> there exams </a:t>
-                      </a:r>
-                      <a:endParaRPr lang="en-US" sz="1500" dirty="0"/>
-                    </a:p>
-                  </a:txBody>
-                  <a:tcPr/>
-                </a:tc>
-                <a:tc>
-                  <a:txBody>
-                    <a:bodyPr/>
-                    <a:lstStyle/>
-                    <a:p>
-                      <a:pPr algn="ctr"/>
-                      <a:r>
-                        <a:rPr lang="en-IN" sz="1500" dirty="0" smtClean="0"/>
-                        <a:t>Attend</a:t>
-                      </a:r>
-                      <a:r>
-                        <a:rPr lang="en-IN" sz="1500" baseline="0" dirty="0" smtClean="0"/>
-                        <a:t> exams </a:t>
-                      </a:r>
-                      <a:endParaRPr lang="en-US" sz="1500" dirty="0"/>
-                    </a:p>
-                  </a:txBody>
-                  <a:tcPr/>
-                </a:tc>
-                <a:extLst>
-                  <a:ext uri="{0D108BD9-81ED-4DB2-BD59-A6C34878D82A}">
-                    <a16:rowId xmlns="" xmlns:a16="http://schemas.microsoft.com/office/drawing/2014/main" val="4139854278"/>
-                  </a:ext>
-                </a:extLst>
-              </a:tr>
-              <a:tr h="510585">
-                <a:tc>
-                  <a:txBody>
-                    <a:bodyPr/>
-                    <a:lstStyle/>
-                    <a:p>
-                      <a:pPr algn="ctr"/>
-                      <a:r>
-                        <a:rPr lang="en-IN" sz="1500" b="1" dirty="0" smtClean="0"/>
-                        <a:t>27</a:t>
+                        <a:t>30</a:t>
                       </a:r>
                       <a:endParaRPr lang="en-IN" sz="1500" b="1" dirty="0"/>
-                    </a:p>
-                  </a:txBody>
-                  <a:tcPr/>
-                </a:tc>
-                <a:tc>
-                  <a:txBody>
-                    <a:bodyPr/>
-                    <a:lstStyle/>
-                    <a:p>
-                      <a:pPr algn="ctr"/>
-                      <a:r>
-                        <a:rPr lang="en-IN" sz="1500" dirty="0" smtClean="0"/>
-                        <a:t>Teacher</a:t>
-                      </a:r>
-                      <a:endParaRPr lang="en-US" sz="1500" dirty="0"/>
-                    </a:p>
-                  </a:txBody>
-                  <a:tcPr/>
-                </a:tc>
-                <a:tc>
-                  <a:txBody>
-                    <a:bodyPr/>
-                    <a:lstStyle/>
-                    <a:p>
-                      <a:pPr algn="ctr"/>
-                      <a:r>
-                        <a:rPr lang="en-IN" sz="1500" dirty="0" smtClean="0"/>
-                        <a:t>Manage study materials </a:t>
-                      </a:r>
-                      <a:endParaRPr lang="en-US" sz="1500" dirty="0"/>
-                    </a:p>
-                  </a:txBody>
-                  <a:tcPr/>
-                </a:tc>
-                <a:tc>
-                  <a:txBody>
-                    <a:bodyPr/>
-                    <a:lstStyle/>
-                    <a:p>
-                      <a:pPr algn="ctr"/>
-                      <a:r>
-                        <a:rPr lang="en-IN" sz="1500" dirty="0" smtClean="0"/>
-                        <a:t>Add</a:t>
-                      </a:r>
-                      <a:r>
-                        <a:rPr lang="en-IN" sz="1500" baseline="0" dirty="0" smtClean="0"/>
-                        <a:t> /delete study materials </a:t>
-                      </a:r>
-                      <a:endParaRPr lang="en-US" sz="1500" dirty="0"/>
-                    </a:p>
-                  </a:txBody>
-                  <a:tcPr/>
-                </a:tc>
-                <a:extLst>
-                  <a:ext uri="{0D108BD9-81ED-4DB2-BD59-A6C34878D82A}">
-                    <a16:rowId xmlns="" xmlns:a16="http://schemas.microsoft.com/office/drawing/2014/main" val="4226806937"/>
-                  </a:ext>
-                </a:extLst>
-              </a:tr>
-              <a:tr h="345574">
-                <a:tc>
-                  <a:txBody>
-                    <a:bodyPr/>
-                    <a:lstStyle/>
-                    <a:p>
-                      <a:pPr algn="ctr"/>
-                      <a:r>
-                        <a:rPr lang="en-IN" sz="1500" b="1" dirty="0" smtClean="0"/>
-                        <a:t>28</a:t>
-                      </a:r>
-                      <a:endParaRPr lang="en-IN" sz="1500" b="1" dirty="0"/>
-                    </a:p>
-                  </a:txBody>
-                  <a:tcPr/>
-                </a:tc>
-                <a:tc>
-                  <a:txBody>
-                    <a:bodyPr/>
-                    <a:lstStyle/>
-                    <a:p>
-                      <a:pPr algn="ctr"/>
-                      <a:r>
-                        <a:rPr lang="en-IN" sz="1500" dirty="0" smtClean="0"/>
-                        <a:t>Student</a:t>
-                      </a:r>
-                      <a:r>
-                        <a:rPr lang="en-IN" sz="1500" baseline="0" dirty="0" smtClean="0"/>
-                        <a:t> </a:t>
-                      </a:r>
-                      <a:endParaRPr lang="en-US" sz="1500" dirty="0"/>
-                    </a:p>
-                  </a:txBody>
-                  <a:tcPr/>
-                </a:tc>
-                <a:tc>
-                  <a:txBody>
-                    <a:bodyPr/>
-                    <a:lstStyle/>
-                    <a:p>
-                      <a:pPr algn="ctr"/>
-                      <a:r>
-                        <a:rPr lang="en-IN" sz="1500" dirty="0" smtClean="0"/>
-                        <a:t>Use</a:t>
-                      </a:r>
-                      <a:r>
-                        <a:rPr lang="en-IN" sz="1500" baseline="0" dirty="0" smtClean="0"/>
-                        <a:t> study materials </a:t>
-                      </a:r>
-                      <a:endParaRPr lang="en-US" sz="1500" dirty="0"/>
-                    </a:p>
-                  </a:txBody>
-                  <a:tcPr/>
-                </a:tc>
-                <a:tc>
-                  <a:txBody>
-                    <a:bodyPr/>
-                    <a:lstStyle/>
-                    <a:p>
-                      <a:pPr algn="ctr"/>
-                      <a:r>
-                        <a:rPr lang="en-IN" sz="1500" dirty="0" smtClean="0"/>
-                        <a:t>Use</a:t>
-                      </a:r>
-                      <a:r>
-                        <a:rPr lang="en-IN" sz="1500" baseline="0" dirty="0" smtClean="0"/>
-                        <a:t> study materials </a:t>
-                      </a:r>
-                      <a:endParaRPr lang="en-US" sz="1500" dirty="0"/>
-                    </a:p>
-                  </a:txBody>
-                  <a:tcPr/>
-                </a:tc>
-              </a:tr>
-              <a:tr h="510585">
-                <a:tc>
-                  <a:txBody>
-                    <a:bodyPr/>
-                    <a:lstStyle/>
-                    <a:p>
-                      <a:pPr algn="ctr"/>
-                      <a:r>
-                        <a:rPr lang="en-IN" sz="1500" b="1" dirty="0" smtClean="0"/>
-                        <a:t>29</a:t>
-                      </a:r>
-                      <a:endParaRPr lang="en-IN" sz="1500" b="1" dirty="0"/>
-                    </a:p>
-                  </a:txBody>
-                  <a:tcPr/>
-                </a:tc>
-                <a:tc>
-                  <a:txBody>
-                    <a:bodyPr/>
-                    <a:lstStyle/>
-                    <a:p>
-                      <a:pPr algn="ctr"/>
-                      <a:r>
-                        <a:rPr lang="en-IN" sz="1500" dirty="0" smtClean="0"/>
-                        <a:t>Teacher</a:t>
-                      </a:r>
-                      <a:r>
-                        <a:rPr lang="en-IN" sz="1500" baseline="0" dirty="0" smtClean="0"/>
-                        <a:t> </a:t>
-                      </a:r>
-                      <a:endParaRPr lang="en-US" sz="1500" dirty="0"/>
-                    </a:p>
-                  </a:txBody>
-                  <a:tcPr/>
-                </a:tc>
-                <a:tc>
-                  <a:txBody>
-                    <a:bodyPr/>
-                    <a:lstStyle/>
-                    <a:p>
-                      <a:pPr algn="ctr"/>
-                      <a:r>
-                        <a:rPr lang="en-IN" sz="1500" dirty="0" smtClean="0"/>
-                        <a:t>Manage</a:t>
-                      </a:r>
-                      <a:r>
-                        <a:rPr lang="en-IN" sz="1500" baseline="0" dirty="0" smtClean="0"/>
-                        <a:t> attendance </a:t>
-                      </a:r>
-                      <a:endParaRPr lang="en-US" sz="1500" dirty="0"/>
                     </a:p>
                   </a:txBody>
                   <a:tcPr/>
@@ -13360,87 +13415,95 @@
                       </a:pPr>
                       <a:r>
                         <a:rPr lang="en-IN" sz="1500" dirty="0" smtClean="0"/>
-                        <a:t>Post</a:t>
+                        <a:t>Student</a:t>
+                      </a:r>
+                      <a:endParaRPr lang="en-US" sz="1500" dirty="0" smtClean="0"/>
+                    </a:p>
+                  </a:txBody>
+                  <a:tcPr/>
+                </a:tc>
+                <a:tc>
+                  <a:txBody>
+                    <a:bodyPr/>
+                    <a:lstStyle/>
+                    <a:p>
+                      <a:pPr marL="0" marR="0" indent="0" algn="ctr" defTabSz="457200" rtl="0" eaLnBrk="1" fontAlgn="auto" latinLnBrk="0" hangingPunct="1">
+                        <a:lnSpc>
+                          <a:spcPct val="100000"/>
+                        </a:lnSpc>
+                        <a:spcBef>
+                          <a:spcPts val="0"/>
+                        </a:spcBef>
+                        <a:spcAft>
+                          <a:spcPts val="0"/>
+                        </a:spcAft>
+                        <a:buClrTx/>
+                        <a:buSzTx/>
+                        <a:buFontTx/>
+                        <a:buNone/>
+                        <a:tabLst/>
+                        <a:defRPr/>
+                      </a:pPr>
+                      <a:r>
+                        <a:rPr lang="en-IN" sz="1500" dirty="0" smtClean="0"/>
+                        <a:t>Chat</a:t>
                       </a:r>
                       <a:r>
                         <a:rPr lang="en-IN" sz="1500" baseline="0" dirty="0" smtClean="0"/>
-                        <a:t> students attendance </a:t>
-                      </a:r>
-                      <a:endParaRPr lang="en-IN" sz="1500" dirty="0" smtClean="0"/>
-                    </a:p>
-                  </a:txBody>
-                  <a:tcPr/>
-                </a:tc>
-              </a:tr>
-              <a:tr h="510585">
-                <a:tc>
-                  <a:txBody>
-                    <a:bodyPr/>
-                    <a:lstStyle/>
-                    <a:p>
-                      <a:pPr algn="ctr"/>
-                      <a:r>
-                        <a:rPr lang="en-IN" sz="1500" b="1" dirty="0" smtClean="0"/>
-                        <a:t>30</a:t>
-                      </a:r>
-                      <a:endParaRPr lang="en-IN" sz="1500" b="1" dirty="0"/>
-                    </a:p>
-                  </a:txBody>
-                  <a:tcPr/>
-                </a:tc>
-                <a:tc>
-                  <a:txBody>
-                    <a:bodyPr/>
-                    <a:lstStyle/>
-                    <a:p>
-                      <a:pPr algn="ctr"/>
+                        <a:t> with </a:t>
+                      </a:r>
                       <a:r>
                         <a:rPr lang="en-IN" sz="1500" dirty="0" smtClean="0"/>
-                        <a:t>Student</a:t>
+                        <a:t>Teacher</a:t>
                       </a:r>
                       <a:r>
                         <a:rPr lang="en-IN" sz="1500" baseline="0" dirty="0" smtClean="0"/>
                         <a:t> </a:t>
                       </a:r>
-                      <a:endParaRPr lang="en-US" sz="1500" dirty="0"/>
-                    </a:p>
-                  </a:txBody>
-                  <a:tcPr/>
-                </a:tc>
-                <a:tc>
-                  <a:txBody>
-                    <a:bodyPr/>
-                    <a:lstStyle/>
-                    <a:p>
-                      <a:pPr algn="ctr"/>
+                      <a:endParaRPr lang="en-US" sz="1500" dirty="0" smtClean="0"/>
+                    </a:p>
+                  </a:txBody>
+                  <a:tcPr/>
+                </a:tc>
+                <a:tc>
+                  <a:txBody>
+                    <a:bodyPr/>
+                    <a:lstStyle/>
+                    <a:p>
+                      <a:pPr marL="0" marR="0" indent="0" algn="ctr" defTabSz="457200" rtl="0" eaLnBrk="1" fontAlgn="auto" latinLnBrk="0" hangingPunct="1">
+                        <a:lnSpc>
+                          <a:spcPct val="100000"/>
+                        </a:lnSpc>
+                        <a:spcBef>
+                          <a:spcPts val="0"/>
+                        </a:spcBef>
+                        <a:spcAft>
+                          <a:spcPts val="0"/>
+                        </a:spcAft>
+                        <a:buClrTx/>
+                        <a:buSzTx/>
+                        <a:buFontTx/>
+                        <a:buNone/>
+                        <a:tabLst/>
+                        <a:defRPr/>
+                      </a:pPr>
                       <a:r>
                         <a:rPr lang="en-IN" sz="1500" dirty="0" smtClean="0"/>
-                        <a:t>View</a:t>
+                        <a:t>Chat</a:t>
                       </a:r>
                       <a:r>
                         <a:rPr lang="en-IN" sz="1500" baseline="0" dirty="0" smtClean="0"/>
-                        <a:t> there attendance </a:t>
-                      </a:r>
-                      <a:endParaRPr lang="en-US" sz="1500" dirty="0"/>
-                    </a:p>
-                  </a:txBody>
-                  <a:tcPr/>
-                </a:tc>
-                <a:tc>
-                  <a:txBody>
-                    <a:bodyPr/>
-                    <a:lstStyle/>
-                    <a:p>
-                      <a:pPr algn="ctr"/>
+                        <a:t> with </a:t>
+                      </a:r>
                       <a:r>
                         <a:rPr lang="en-IN" sz="1500" dirty="0" smtClean="0"/>
-                        <a:t>View</a:t>
+                        <a:t>Teacher</a:t>
                       </a:r>
                       <a:r>
                         <a:rPr lang="en-IN" sz="1500" baseline="0" dirty="0" smtClean="0"/>
-                        <a:t> there attendance on date </a:t>
-                      </a:r>
-                      <a:endParaRPr lang="en-US" sz="1500" dirty="0"/>
+                        <a:t> </a:t>
+                      </a:r>
+                      <a:endParaRPr lang="en-US" sz="1500" dirty="0" smtClean="0"/>
                     </a:p>
                   </a:txBody>
                   <a:tcPr/>
@@ -13547,7 +13610,7 @@
           <p:cNvPr id="2" name="Table 1">
             <a:extLst>
               <a:ext uri="{FF2B5EF4-FFF2-40B4-BE49-F238E27FC236}">
-                <a16:creationId xmlns="" xmlns:a16="http://schemas.microsoft.com/office/drawing/2014/main" id="{9CDDB2A3-7585-084F-5BBF-FEF2C08C8DB6}"/>
+                <a16:creationId xmlns:a16="http://schemas.microsoft.com/office/drawing/2014/main" xmlns="" id="{9CDDB2A3-7585-084F-5BBF-FEF2C08C8DB6}"/>
               </a:ext>
             </a:extLst>
           </p:cNvPr>
@@ -13557,14 +13620,14 @@
           <p:nvPr>
             <p:extLst>
               <p:ext uri="{D42A27DB-BD31-4B8C-83A1-F6EECF244321}">
-                <p14:modId xmlns="" xmlns:p14="http://schemas.microsoft.com/office/powerpoint/2010/main" val="1212678900"/>
+                <p14:modId xmlns:p14="http://schemas.microsoft.com/office/powerpoint/2010/main" xmlns="" val="1212678900"/>
               </p:ext>
             </p:extLst>
           </p:nvPr>
         </p:nvGraphicFramePr>
         <p:xfrm>
           <a:off x="2952727" y="785795"/>
-          <a:ext cx="8501123" cy="3058562"/>
+          <a:ext cx="8501123" cy="3642456"/>
         </p:xfrm>
         <a:graphic>
           <a:graphicData uri="http://schemas.openxmlformats.org/drawingml/2006/table">
@@ -13576,28 +13639,28 @@
                 <a:gridCol w="2125281">
                   <a:extLst>
                     <a:ext uri="{9D8B030D-6E8A-4147-A177-3AD203B41FA5}">
-                      <a16:colId xmlns="" xmlns:a16="http://schemas.microsoft.com/office/drawing/2014/main" val="95974096"/>
+                      <a16:colId xmlns:a16="http://schemas.microsoft.com/office/drawing/2014/main" xmlns="" val="95974096"/>
                     </a:ext>
                   </a:extLst>
                 </a:gridCol>
                 <a:gridCol w="2125281">
                   <a:extLst>
                     <a:ext uri="{9D8B030D-6E8A-4147-A177-3AD203B41FA5}">
-                      <a16:colId xmlns="" xmlns:a16="http://schemas.microsoft.com/office/drawing/2014/main" val="3662920334"/>
+                      <a16:colId xmlns:a16="http://schemas.microsoft.com/office/drawing/2014/main" xmlns="" val="3662920334"/>
                     </a:ext>
                   </a:extLst>
                 </a:gridCol>
                 <a:gridCol w="1914375">
                   <a:extLst>
                     <a:ext uri="{9D8B030D-6E8A-4147-A177-3AD203B41FA5}">
-                      <a16:colId xmlns="" xmlns:a16="http://schemas.microsoft.com/office/drawing/2014/main" val="726843149"/>
+                      <a16:colId xmlns:a16="http://schemas.microsoft.com/office/drawing/2014/main" xmlns="" val="726843149"/>
                     </a:ext>
                   </a:extLst>
                 </a:gridCol>
                 <a:gridCol w="2336186">
                   <a:extLst>
                     <a:ext uri="{9D8B030D-6E8A-4147-A177-3AD203B41FA5}">
-                      <a16:colId xmlns="" xmlns:a16="http://schemas.microsoft.com/office/drawing/2014/main" val="2382856930"/>
+                      <a16:colId xmlns:a16="http://schemas.microsoft.com/office/drawing/2014/main" xmlns="" val="2382856930"/>
                     </a:ext>
                   </a:extLst>
                 </a:gridCol>
@@ -13688,7 +13751,7 @@
                 </a:tc>
                 <a:extLst>
                   <a:ext uri="{0D108BD9-81ED-4DB2-BD59-A6C34878D82A}">
-                    <a16:rowId xmlns="" xmlns:a16="http://schemas.microsoft.com/office/drawing/2014/main" val="4034950038"/>
+                    <a16:rowId xmlns:a16="http://schemas.microsoft.com/office/drawing/2014/main" xmlns="" val="4034950038"/>
                   </a:ext>
                 </a:extLst>
               </a:tr>
@@ -13716,9 +13779,8 @@
                       <a:pPr algn="ctr"/>
                       <a:r>
                         <a:rPr lang="en-IN" sz="1500" dirty="0" smtClean="0"/>
-                        <a:t>Hod</a:t>
-                      </a:r>
-                      <a:endParaRPr lang="en-US" sz="1500" dirty="0"/>
+                        <a:t>Student</a:t>
+                      </a:r>
                     </a:p>
                   </a:txBody>
                   <a:tcPr/>
@@ -13731,11 +13793,11 @@
                       <a:pPr algn="ctr"/>
                       <a:r>
                         <a:rPr lang="en-IN" sz="1500" dirty="0" smtClean="0"/>
-                        <a:t>View</a:t>
+                        <a:t>Post</a:t>
                       </a:r>
                       <a:r>
                         <a:rPr lang="en-IN" sz="1500" baseline="0" dirty="0" smtClean="0"/>
-                        <a:t> Students  attendance </a:t>
+                        <a:t> feed back </a:t>
                       </a:r>
                       <a:endParaRPr lang="en-US" sz="1500" dirty="0"/>
                     </a:p>
@@ -13766,11 +13828,11 @@
                       </a:pPr>
                       <a:r>
                         <a:rPr lang="en-IN" sz="1500" dirty="0" smtClean="0"/>
-                        <a:t>View</a:t>
+                        <a:t>Add</a:t>
                       </a:r>
                       <a:r>
                         <a:rPr lang="en-IN" sz="1500" baseline="0" dirty="0" smtClean="0"/>
-                        <a:t> students attendance details </a:t>
+                        <a:t> feed backs </a:t>
                       </a:r>
                       <a:endParaRPr lang="en-US" sz="1500" dirty="0" smtClean="0"/>
                     </a:p>
@@ -13779,7 +13841,7 @@
                 </a:tc>
                 <a:extLst>
                   <a:ext uri="{0D108BD9-81ED-4DB2-BD59-A6C34878D82A}">
-                    <a16:rowId xmlns="" xmlns:a16="http://schemas.microsoft.com/office/drawing/2014/main" val="4040729667"/>
+                    <a16:rowId xmlns:a16="http://schemas.microsoft.com/office/drawing/2014/main" xmlns="" val="4040729667"/>
                   </a:ext>
                 </a:extLst>
               </a:tr>
@@ -13795,44 +13857,6 @@
                         <a:t>32</a:t>
                       </a:r>
                       <a:endParaRPr lang="en-IN" sz="1500" b="1" dirty="0"/>
-                    </a:p>
-                  </a:txBody>
-                  <a:tcPr/>
-                </a:tc>
-                <a:tc>
-                  <a:txBody>
-                    <a:bodyPr/>
-                    <a:lstStyle/>
-                    <a:p>
-                      <a:pPr algn="ctr"/>
-                      <a:r>
-                        <a:rPr lang="en-IN" sz="1500" dirty="0" smtClean="0"/>
-                        <a:t>Teacher</a:t>
-                      </a:r>
-                      <a:r>
-                        <a:rPr lang="en-IN" sz="1500" baseline="0" dirty="0" smtClean="0"/>
-                        <a:t> </a:t>
-                      </a:r>
-                      <a:endParaRPr lang="en-US" sz="1500" dirty="0"/>
-                    </a:p>
-                  </a:txBody>
-                  <a:tcPr/>
-                </a:tc>
-                <a:tc>
-                  <a:txBody>
-                    <a:bodyPr/>
-                    <a:lstStyle/>
-                    <a:p>
-                      <a:pPr algn="ctr"/>
-                      <a:r>
-                        <a:rPr lang="en-IN" sz="1500" dirty="0" smtClean="0"/>
-                        <a:t>Chat</a:t>
-                      </a:r>
-                      <a:r>
-                        <a:rPr lang="en-IN" sz="1500" baseline="0" dirty="0" smtClean="0"/>
-                        <a:t> with students </a:t>
-                      </a:r>
-                      <a:endParaRPr lang="en-US" sz="1500" dirty="0"/>
                     </a:p>
                   </a:txBody>
                   <a:tcPr/>
@@ -13861,20 +13885,58 @@
                       </a:pPr>
                       <a:r>
                         <a:rPr lang="en-IN" sz="1500" dirty="0" smtClean="0"/>
-                        <a:t>Chat</a:t>
+                        <a:t>Teachers</a:t>
                       </a:r>
                       <a:r>
                         <a:rPr lang="en-IN" sz="1500" baseline="0" dirty="0" smtClean="0"/>
-                        <a:t> with students </a:t>
+                        <a:t> </a:t>
                       </a:r>
                       <a:endParaRPr lang="en-US" sz="1500" dirty="0" smtClean="0"/>
+                    </a:p>
+                  </a:txBody>
+                  <a:tcPr/>
+                </a:tc>
+                <a:tc>
+                  <a:txBody>
+                    <a:bodyPr/>
+                    <a:lstStyle/>
+                    <a:p>
+                      <a:pPr algn="ctr"/>
+                      <a:r>
+                        <a:rPr lang="en-IN" sz="1500" dirty="0" smtClean="0"/>
+                        <a:t>View</a:t>
+                      </a:r>
+                      <a:r>
+                        <a:rPr lang="en-IN" sz="1500" baseline="0" dirty="0" smtClean="0"/>
+                        <a:t> feed back </a:t>
+                      </a:r>
+                      <a:endParaRPr lang="en-IN" sz="1500" dirty="0" smtClean="0"/>
+                    </a:p>
+                  </a:txBody>
+                  <a:tcPr/>
+                </a:tc>
+                <a:tc>
+                  <a:txBody>
+                    <a:bodyPr/>
+                    <a:lstStyle/>
+                    <a:p>
+                      <a:pPr algn="ctr"/>
+                      <a:r>
+                        <a:rPr lang="en-IN" sz="1500" dirty="0" smtClean="0"/>
+                        <a:t>View</a:t>
+                      </a:r>
+                      <a:r>
+                        <a:rPr lang="en-IN" sz="1500" baseline="0" dirty="0" smtClean="0"/>
+                        <a:t> feed back </a:t>
+                      </a:r>
+                      <a:endParaRPr lang="en-IN" sz="1500" dirty="0" smtClean="0"/>
                     </a:p>
                   </a:txBody>
                   <a:tcPr/>
                 </a:tc>
                 <a:extLst>
                   <a:ext uri="{0D108BD9-81ED-4DB2-BD59-A6C34878D82A}">
-                    <a16:rowId xmlns="" xmlns:a16="http://schemas.microsoft.com/office/drawing/2014/main" val="4217941202"/>
+                    <a16:rowId xmlns:a16="http://schemas.microsoft.com/office/drawing/2014/main" xmlns="" val="4217941202"/>
                   </a:ext>
                 </a:extLst>
               </a:tr>
@@ -13890,6 +13952,81 @@
                         <a:t>33</a:t>
                       </a:r>
                       <a:endParaRPr lang="en-IN" sz="1500" b="1" dirty="0"/>
+                    </a:p>
+                  </a:txBody>
+                  <a:tcPr/>
+                </a:tc>
+                <a:tc>
+                  <a:txBody>
+                    <a:bodyPr/>
+                    <a:lstStyle/>
+                    <a:p>
+                      <a:pPr algn="ctr"/>
+                      <a:r>
+                        <a:rPr lang="en-IN" sz="1500" dirty="0" smtClean="0"/>
+                        <a:t>Hod</a:t>
+                      </a:r>
+                      <a:endParaRPr lang="en-US" sz="1500" dirty="0"/>
+                    </a:p>
+                  </a:txBody>
+                  <a:tcPr/>
+                </a:tc>
+                <a:tc>
+                  <a:txBody>
+                    <a:bodyPr/>
+                    <a:lstStyle/>
+                    <a:p>
+                      <a:pPr algn="ctr"/>
+                      <a:r>
+                        <a:rPr lang="en-IN" sz="1500" dirty="0" smtClean="0"/>
+                        <a:t>View</a:t>
+                      </a:r>
+                      <a:r>
+                        <a:rPr lang="en-IN" sz="1500" baseline="0" dirty="0" smtClean="0"/>
+                        <a:t> feed back </a:t>
+                      </a:r>
+                      <a:endParaRPr lang="en-IN" sz="1500" dirty="0" smtClean="0"/>
+                    </a:p>
+                  </a:txBody>
+                  <a:tcPr/>
+                </a:tc>
+                <a:tc>
+                  <a:txBody>
+                    <a:bodyPr/>
+                    <a:lstStyle/>
+                    <a:p>
+                      <a:pPr algn="ctr"/>
+                      <a:r>
+                        <a:rPr lang="en-IN" sz="1500" dirty="0" smtClean="0"/>
+                        <a:t>View</a:t>
+                      </a:r>
+                      <a:r>
+                        <a:rPr lang="en-IN" sz="1500" baseline="0" dirty="0" smtClean="0"/>
+                        <a:t> feed back </a:t>
+                      </a:r>
+                      <a:endParaRPr lang="en-IN" sz="1500" dirty="0" smtClean="0"/>
+                    </a:p>
+                  </a:txBody>
+                  <a:tcPr/>
+                </a:tc>
+                <a:extLst>
+                  <a:ext uri="{0D108BD9-81ED-4DB2-BD59-A6C34878D82A}">
+                    <a16:rowId xmlns:a16="http://schemas.microsoft.com/office/drawing/2014/main" xmlns="" val="1015645382"/>
+                  </a:ext>
+                </a:extLst>
+              </a:tr>
+              <a:tr h="311897">
+                <a:tc>
+                  <a:txBody>
+                    <a:bodyPr/>
+                    <a:lstStyle/>
+                    <a:p>
+                      <a:pPr algn="ctr"/>
+                      <a:r>
+                        <a:rPr lang="en-IN" sz="1500" b="1" dirty="0" smtClean="0"/>
+                        <a:t>34</a:t>
+                      </a:r>
+                      <a:endParaRPr lang="en-US" sz="1500" b="1" dirty="0"/>
                     </a:p>
                   </a:txBody>
                   <a:tcPr/>
@@ -13917,10 +14054,145 @@
                         <a:defRPr/>
                       </a:pPr>
                       <a:r>
+                        <a:rPr lang="en-IN" sz="1500" dirty="0" err="1" smtClean="0"/>
+                        <a:t>HoD</a:t>
+                      </a:r>
+                      <a:endParaRPr lang="en-US" sz="1500" dirty="0" smtClean="0"/>
+                    </a:p>
+                  </a:txBody>
+                  <a:tcPr/>
+                </a:tc>
+                <a:tc>
+                  <a:txBody>
+                    <a:bodyPr/>
+                    <a:lstStyle/>
+                    <a:p>
+                      <a:pPr algn="ctr"/>
+                      <a:r>
+                        <a:rPr lang="en-US" sz="1500" dirty="0"/>
+                        <a:t>Manage </a:t>
+                      </a:r>
+                      <a:r>
+                        <a:rPr lang="en-US" sz="1500" dirty="0" smtClean="0"/>
+                        <a:t>Announcement</a:t>
+                      </a:r>
+                      <a:endParaRPr lang="en-US" sz="1500" dirty="0"/>
+                    </a:p>
+                  </a:txBody>
+                  <a:tcPr/>
+                </a:tc>
+                <a:tc>
+                  <a:txBody>
+                    <a:bodyPr/>
+                    <a:lstStyle/>
+                    <a:p>
+                      <a:pPr algn="ctr"/>
+                      <a:r>
                         <a:rPr lang="en-IN" sz="1500" dirty="0" smtClean="0"/>
-                        <a:t>Student</a:t>
-                      </a:r>
-                      <a:endParaRPr lang="en-US" sz="1500" dirty="0" smtClean="0"/>
+                        <a:t>Post</a:t>
+                      </a:r>
+                      <a:r>
+                        <a:rPr lang="en-IN" sz="1500" baseline="0" dirty="0" smtClean="0"/>
+                        <a:t> </a:t>
+                      </a:r>
+                      <a:r>
+                        <a:rPr lang="en-US" sz="1500" dirty="0" smtClean="0"/>
+                        <a:t>Announcement</a:t>
+                      </a:r>
+                      <a:endParaRPr lang="en-US" sz="1500" dirty="0"/>
+                    </a:p>
+                  </a:txBody>
+                  <a:tcPr/>
+                </a:tc>
+                <a:extLst>
+                  <a:ext uri="{0D108BD9-81ED-4DB2-BD59-A6C34878D82A}">
+                    <a16:rowId xmlns:a16="http://schemas.microsoft.com/office/drawing/2014/main" xmlns="" val="2977811042"/>
+                  </a:ext>
+                </a:extLst>
+              </a:tr>
+              <a:tr h="407986">
+                <a:tc>
+                  <a:txBody>
+                    <a:bodyPr/>
+                    <a:lstStyle/>
+                    <a:p>
+                      <a:pPr algn="ctr"/>
+                      <a:r>
+                        <a:rPr lang="en-IN" sz="1500" b="1" dirty="0" smtClean="0"/>
+                        <a:t>35</a:t>
+                      </a:r>
+                      <a:endParaRPr lang="en-US" sz="1500" b="1" dirty="0"/>
+                    </a:p>
+                  </a:txBody>
+                  <a:tcPr/>
+                </a:tc>
+                <a:tc>
+                  <a:txBody>
+                    <a:bodyPr/>
+                    <a:lstStyle/>
+                    <a:p>
+                      <a:pPr algn="ctr"/>
+                      <a:r>
+                        <a:rPr lang="en-IN" sz="1500" dirty="0" smtClean="0"/>
+                        <a:t>Teache</a:t>
+                      </a:r>
+                      <a:r>
+                        <a:rPr lang="en-IN" sz="1500" baseline="0" dirty="0" smtClean="0"/>
+                        <a:t>r</a:t>
+                      </a:r>
+                      <a:endParaRPr lang="en-US" sz="1500" dirty="0"/>
+                    </a:p>
+                  </a:txBody>
+                  <a:tcPr/>
+                </a:tc>
+                <a:tc>
+                  <a:txBody>
+                    <a:bodyPr/>
+                    <a:lstStyle/>
+                    <a:p>
+                      <a:pPr algn="ctr"/>
+                      <a:r>
+                        <a:rPr lang="en-US" sz="1500" dirty="0" smtClean="0"/>
+                        <a:t>View  Announcement</a:t>
+                      </a:r>
+                      <a:endParaRPr lang="en-US" sz="1500" dirty="0"/>
+                    </a:p>
+                  </a:txBody>
+                  <a:tcPr/>
+                </a:tc>
+                <a:tc>
+                  <a:txBody>
+                    <a:bodyPr/>
+                    <a:lstStyle/>
+                    <a:p>
+                      <a:pPr algn="ctr"/>
+                      <a:r>
+                        <a:rPr lang="en-US" sz="1500" dirty="0" smtClean="0"/>
+                        <a:t>View  Announcement</a:t>
+                      </a:r>
+                      <a:endParaRPr lang="en-US" sz="1500" dirty="0"/>
+                    </a:p>
+                  </a:txBody>
+                  <a:tcPr/>
+                </a:tc>
+                <a:extLst>
+                  <a:ext uri="{0D108BD9-81ED-4DB2-BD59-A6C34878D82A}">
+                    <a16:rowId xmlns:a16="http://schemas.microsoft.com/office/drawing/2014/main" xmlns="" val="631930891"/>
+                  </a:ext>
+                </a:extLst>
+              </a:tr>
+              <a:tr h="311897">
+                <a:tc>
+                  <a:txBody>
+                    <a:bodyPr/>
+                    <a:lstStyle/>
+                    <a:p>
+                      <a:pPr algn="ctr"/>
+                      <a:r>
+                        <a:rPr lang="en-IN" sz="1500" b="1" dirty="0" smtClean="0"/>
+                        <a:t>36</a:t>
+                      </a:r>
+                      <a:endParaRPr lang="en-US" sz="1500" b="1" dirty="0"/>
                     </a:p>
                   </a:txBody>
                   <a:tcPr/>
@@ -13948,332 +14220,60 @@
                         <a:defRPr/>
                       </a:pPr>
                       <a:r>
-                        <a:rPr lang="en-IN" sz="1500" dirty="0" smtClean="0"/>
-                        <a:t>Chat</a:t>
-                      </a:r>
-                      <a:r>
-                        <a:rPr lang="en-IN" sz="1500" baseline="0" dirty="0" smtClean="0"/>
-                        <a:t> with </a:t>
-                      </a:r>
-                      <a:r>
-                        <a:rPr lang="en-IN" sz="1500" dirty="0" smtClean="0"/>
-                        <a:t>Teacher</a:t>
-                      </a:r>
-                      <a:r>
-                        <a:rPr lang="en-IN" sz="1500" baseline="0" dirty="0" smtClean="0"/>
-                        <a:t> </a:t>
-                      </a:r>
-                      <a:endParaRPr lang="en-US" sz="1500" dirty="0" smtClean="0"/>
-                    </a:p>
-                  </a:txBody>
-                  <a:tcPr/>
-                </a:tc>
-                <a:tc>
-                  <a:txBody>
-                    <a:bodyPr/>
-                    <a:lstStyle/>
-                    <a:p>
-                      <a:pPr marL="0" marR="0" indent="0" algn="ctr" defTabSz="457200" rtl="0" eaLnBrk="1" fontAlgn="auto" latinLnBrk="0" hangingPunct="1">
-                        <a:lnSpc>
-                          <a:spcPct val="100000"/>
-                        </a:lnSpc>
-                        <a:spcBef>
-                          <a:spcPts val="0"/>
-                        </a:spcBef>
-                        <a:spcAft>
-                          <a:spcPts val="0"/>
-                        </a:spcAft>
-                        <a:buClrTx/>
-                        <a:buSzTx/>
-                        <a:buFontTx/>
-                        <a:buNone/>
-                        <a:tabLst/>
-                        <a:defRPr/>
-                      </a:pPr>
-                      <a:r>
-                        <a:rPr lang="en-IN" sz="1500" dirty="0" smtClean="0"/>
-                        <a:t>Chat</a:t>
-                      </a:r>
-                      <a:r>
-                        <a:rPr lang="en-IN" sz="1500" baseline="0" dirty="0" smtClean="0"/>
-                        <a:t> with </a:t>
-                      </a:r>
-                      <a:r>
-                        <a:rPr lang="en-IN" sz="1500" dirty="0" smtClean="0"/>
-                        <a:t>Teacher</a:t>
-                      </a:r>
-                      <a:r>
-                        <a:rPr lang="en-IN" sz="1500" baseline="0" dirty="0" smtClean="0"/>
-                        <a:t> </a:t>
-                      </a:r>
-                      <a:endParaRPr lang="en-US" sz="1500" dirty="0" smtClean="0"/>
+                        <a:rPr kumimoji="0" lang="en-IN" sz="1500" b="0" i="0" u="none" strike="noStrike" kern="1200" cap="none" spc="0" normalizeH="0" baseline="0" noProof="0" dirty="0" smtClean="0">
+                          <a:ln>
+                            <a:noFill/>
+                          </a:ln>
+                          <a:solidFill>
+                            <a:prstClr val="black"/>
+                          </a:solidFill>
+                          <a:effectLst/>
+                          <a:uLnTx/>
+                          <a:uFillTx/>
+                          <a:latin typeface="+mn-lt"/>
+                          <a:ea typeface="+mn-ea"/>
+                          <a:cs typeface="+mn-cs"/>
+                        </a:rPr>
+                        <a:t>Student</a:t>
+                      </a:r>
+                      <a:endParaRPr lang="en-US" dirty="0"/>
+                    </a:p>
+                  </a:txBody>
+                  <a:tcPr/>
+                </a:tc>
+                <a:tc>
+                  <a:txBody>
+                    <a:bodyPr/>
+                    <a:lstStyle/>
+                    <a:p>
+                      <a:pPr algn="ctr"/>
+                      <a:r>
+                        <a:rPr lang="en-US" sz="1500" dirty="0" smtClean="0"/>
+                        <a:t>View  Announcement</a:t>
+                      </a:r>
+                      <a:endParaRPr lang="en-US" sz="1500" dirty="0"/>
+                    </a:p>
+                  </a:txBody>
+                  <a:tcPr/>
+                </a:tc>
+                <a:tc>
+                  <a:txBody>
+                    <a:bodyPr/>
+                    <a:lstStyle/>
+                    <a:p>
+                      <a:pPr algn="ctr"/>
+                      <a:r>
+                        <a:rPr lang="en-US" sz="1500" dirty="0" smtClean="0"/>
+                        <a:t>View  Announcement</a:t>
+                      </a:r>
+                      <a:endParaRPr lang="en-US" sz="1500" dirty="0"/>
                     </a:p>
                   </a:txBody>
                   <a:tcPr/>
                 </a:tc>
                 <a:extLst>
                   <a:ext uri="{0D108BD9-81ED-4DB2-BD59-A6C34878D82A}">
-                    <a16:rowId xmlns="" xmlns:a16="http://schemas.microsoft.com/office/drawing/2014/main" val="1015645382"/>
-                  </a:ext>
-                </a:extLst>
-              </a:tr>
-              <a:tr h="311897">
-                <a:tc>
-                  <a:txBody>
-                    <a:bodyPr/>
-                    <a:lstStyle/>
-                    <a:p>
-                      <a:pPr algn="ctr"/>
-                      <a:r>
-                        <a:rPr lang="en-IN" sz="1500" b="1" dirty="0" smtClean="0"/>
-                        <a:t>34</a:t>
-                      </a:r>
-                      <a:endParaRPr lang="en-US" sz="1500" b="1" dirty="0"/>
-                    </a:p>
-                  </a:txBody>
-                  <a:tcPr/>
-                </a:tc>
-                <a:tc>
-                  <a:txBody>
-                    <a:bodyPr/>
-                    <a:lstStyle/>
-                    <a:p>
-                      <a:pPr algn="ctr"/>
-                      <a:r>
-                        <a:rPr lang="en-IN" sz="1500" dirty="0" smtClean="0"/>
-                        <a:t>Student</a:t>
-                      </a:r>
-                    </a:p>
-                  </a:txBody>
-                  <a:tcPr/>
-                </a:tc>
-                <a:tc>
-                  <a:txBody>
-                    <a:bodyPr/>
-                    <a:lstStyle/>
-                    <a:p>
-                      <a:pPr algn="ctr"/>
-                      <a:r>
-                        <a:rPr lang="en-IN" sz="1500" dirty="0" smtClean="0"/>
-                        <a:t>Post</a:t>
-                      </a:r>
-                      <a:r>
-                        <a:rPr lang="en-IN" sz="1500" baseline="0" dirty="0" smtClean="0"/>
-                        <a:t> feed back </a:t>
-                      </a:r>
-                      <a:endParaRPr lang="en-US" sz="1500" dirty="0"/>
-                    </a:p>
-                  </a:txBody>
-                  <a:tcPr/>
-                </a:tc>
-                <a:tc>
-                  <a:txBody>
-                    <a:bodyPr/>
-                    <a:lstStyle/>
-                    <a:p>
-                      <a:pPr marL="0" marR="0" indent="0" algn="ctr" defTabSz="457200" rtl="0" eaLnBrk="1" fontAlgn="auto" latinLnBrk="0" hangingPunct="1">
-                        <a:lnSpc>
-                          <a:spcPct val="100000"/>
-                        </a:lnSpc>
-                        <a:spcBef>
-                          <a:spcPts val="0"/>
-                        </a:spcBef>
-                        <a:spcAft>
-                          <a:spcPts val="0"/>
-                        </a:spcAft>
-                        <a:buClrTx/>
-                        <a:buSzTx/>
-                        <a:buFontTx/>
-                        <a:buNone/>
-                        <a:tabLst/>
-                        <a:defRPr/>
-                      </a:pPr>
-                      <a:r>
-                        <a:rPr lang="en-IN" sz="1500" dirty="0" smtClean="0"/>
-                        <a:t>Add</a:t>
-                      </a:r>
-                      <a:r>
-                        <a:rPr lang="en-IN" sz="1500" baseline="0" dirty="0" smtClean="0"/>
-                        <a:t> feed backs </a:t>
-                      </a:r>
-                      <a:endParaRPr lang="en-US" sz="1500" dirty="0" smtClean="0"/>
-                    </a:p>
-                  </a:txBody>
-                  <a:tcPr/>
-                </a:tc>
-                <a:extLst>
-                  <a:ext uri="{0D108BD9-81ED-4DB2-BD59-A6C34878D82A}">
-                    <a16:rowId xmlns="" xmlns:a16="http://schemas.microsoft.com/office/drawing/2014/main" val="2977811042"/>
-                  </a:ext>
-                </a:extLst>
-              </a:tr>
-              <a:tr h="407986">
-                <a:tc>
-                  <a:txBody>
-                    <a:bodyPr/>
-                    <a:lstStyle/>
-                    <a:p>
-                      <a:pPr algn="ctr"/>
-                      <a:r>
-                        <a:rPr lang="en-IN" sz="1500" b="1" dirty="0" smtClean="0"/>
-                        <a:t>35</a:t>
-                      </a:r>
-                      <a:endParaRPr lang="en-US" sz="1500" b="1" dirty="0"/>
-                    </a:p>
-                  </a:txBody>
-                  <a:tcPr/>
-                </a:tc>
-                <a:tc>
-                  <a:txBody>
-                    <a:bodyPr/>
-                    <a:lstStyle/>
-                    <a:p>
-                      <a:pPr marL="0" marR="0" indent="0" algn="ctr" defTabSz="457200" rtl="0" eaLnBrk="1" fontAlgn="auto" latinLnBrk="0" hangingPunct="1">
-                        <a:lnSpc>
-                          <a:spcPct val="100000"/>
-                        </a:lnSpc>
-                        <a:spcBef>
-                          <a:spcPts val="0"/>
-                        </a:spcBef>
-                        <a:spcAft>
-                          <a:spcPts val="0"/>
-                        </a:spcAft>
-                        <a:buClrTx/>
-                        <a:buSzTx/>
-                        <a:buFontTx/>
-                        <a:buNone/>
-                        <a:tabLst/>
-                        <a:defRPr/>
-                      </a:pPr>
-                      <a:r>
-                        <a:rPr lang="en-IN" sz="1500" dirty="0" smtClean="0"/>
-                        <a:t>Teachers</a:t>
-                      </a:r>
-                      <a:r>
-                        <a:rPr lang="en-IN" sz="1500" baseline="0" dirty="0" smtClean="0"/>
-                        <a:t> </a:t>
-                      </a:r>
-                      <a:endParaRPr lang="en-US" sz="1500" dirty="0" smtClean="0"/>
-                    </a:p>
-                  </a:txBody>
-                  <a:tcPr/>
-                </a:tc>
-                <a:tc>
-                  <a:txBody>
-                    <a:bodyPr/>
-                    <a:lstStyle/>
-                    <a:p>
-                      <a:pPr algn="ctr"/>
-                      <a:r>
-                        <a:rPr lang="en-IN" sz="1500" dirty="0" smtClean="0"/>
-                        <a:t>View</a:t>
-                      </a:r>
-                      <a:r>
-                        <a:rPr lang="en-IN" sz="1500" baseline="0" dirty="0" smtClean="0"/>
-                        <a:t> feed back </a:t>
-                      </a:r>
-                      <a:endParaRPr lang="en-IN" sz="1500" dirty="0" smtClean="0"/>
-                    </a:p>
-                  </a:txBody>
-                  <a:tcPr/>
-                </a:tc>
-                <a:tc>
-                  <a:txBody>
-                    <a:bodyPr/>
-                    <a:lstStyle/>
-                    <a:p>
-                      <a:pPr algn="ctr"/>
-                      <a:r>
-                        <a:rPr lang="en-IN" sz="1500" dirty="0" smtClean="0"/>
-                        <a:t>View</a:t>
-                      </a:r>
-                      <a:r>
-                        <a:rPr lang="en-IN" sz="1500" baseline="0" dirty="0" smtClean="0"/>
-                        <a:t> feed back </a:t>
-                      </a:r>
-                      <a:endParaRPr lang="en-IN" sz="1500" dirty="0" smtClean="0"/>
-                    </a:p>
-                  </a:txBody>
-                  <a:tcPr/>
-                </a:tc>
-                <a:extLst>
-                  <a:ext uri="{0D108BD9-81ED-4DB2-BD59-A6C34878D82A}">
-                    <a16:rowId xmlns="" xmlns:a16="http://schemas.microsoft.com/office/drawing/2014/main" val="631930891"/>
-                  </a:ext>
-                </a:extLst>
-              </a:tr>
-              <a:tr h="311897">
-                <a:tc>
-                  <a:txBody>
-                    <a:bodyPr/>
-                    <a:lstStyle/>
-                    <a:p>
-                      <a:pPr algn="ctr"/>
-                      <a:r>
-                        <a:rPr lang="en-IN" sz="1500" b="1" dirty="0" smtClean="0"/>
-                        <a:t>36</a:t>
-                      </a:r>
-                      <a:endParaRPr lang="en-US" sz="1500" b="1" dirty="0"/>
-                    </a:p>
-                  </a:txBody>
-                  <a:tcPr/>
-                </a:tc>
-                <a:tc>
-                  <a:txBody>
-                    <a:bodyPr/>
-                    <a:lstStyle/>
-                    <a:p>
-                      <a:pPr algn="ctr"/>
-                      <a:r>
-                        <a:rPr lang="en-IN" sz="1500" dirty="0" smtClean="0"/>
-                        <a:t>Hod</a:t>
-                      </a:r>
-                      <a:endParaRPr lang="en-US" sz="1500" dirty="0"/>
-                    </a:p>
-                  </a:txBody>
-                  <a:tcPr/>
-                </a:tc>
-                <a:tc>
-                  <a:txBody>
-                    <a:bodyPr/>
-                    <a:lstStyle/>
-                    <a:p>
-                      <a:pPr algn="ctr"/>
-                      <a:r>
-                        <a:rPr lang="en-IN" sz="1500" dirty="0" smtClean="0"/>
-                        <a:t>View</a:t>
-                      </a:r>
-                      <a:r>
-                        <a:rPr lang="en-IN" sz="1500" baseline="0" dirty="0" smtClean="0"/>
-                        <a:t> feed back </a:t>
-                      </a:r>
-                      <a:endParaRPr lang="en-IN" sz="1500" dirty="0" smtClean="0"/>
-                    </a:p>
-                  </a:txBody>
-                  <a:tcPr/>
-                </a:tc>
-                <a:tc>
-                  <a:txBody>
-                    <a:bodyPr/>
-                    <a:lstStyle/>
-                    <a:p>
-                      <a:pPr algn="ctr"/>
-                      <a:r>
-                        <a:rPr lang="en-IN" sz="1500" dirty="0" smtClean="0"/>
-                        <a:t>View</a:t>
-                      </a:r>
-                      <a:r>
-                        <a:rPr lang="en-IN" sz="1500" baseline="0" dirty="0" smtClean="0"/>
-                        <a:t> feed back </a:t>
-                      </a:r>
-                      <a:endParaRPr lang="en-IN" sz="1500" dirty="0" smtClean="0"/>
-                    </a:p>
-                  </a:txBody>
-                  <a:tcPr/>
-                </a:tc>
-                <a:extLst>
-                  <a:ext uri="{0D108BD9-81ED-4DB2-BD59-A6C34878D82A}">
-                    <a16:rowId xmlns="" xmlns:a16="http://schemas.microsoft.com/office/drawing/2014/main" val="4139854278"/>
+                    <a16:rowId xmlns:a16="http://schemas.microsoft.com/office/drawing/2014/main" xmlns="" val="4139854278"/>
                   </a:ext>
                 </a:extLst>
               </a:tr>
@@ -14414,7 +14414,7 @@
             <p:ph idx="1"/>
             <p:extLst>
               <p:ext uri="{D42A27DB-BD31-4B8C-83A1-F6EECF244321}">
-                <p14:modId xmlns="" xmlns:p14="http://schemas.microsoft.com/office/powerpoint/2010/main" val="675031986"/>
+                <p14:modId xmlns:p14="http://schemas.microsoft.com/office/powerpoint/2010/main" xmlns="" val="675031986"/>
               </p:ext>
             </p:extLst>
           </p:nvPr>
@@ -14433,42 +14433,42 @@
                 <a:gridCol w="1553569">
                   <a:extLst>
                     <a:ext uri="{9D8B030D-6E8A-4147-A177-3AD203B41FA5}">
-                      <a16:colId xmlns="" xmlns:a16="http://schemas.microsoft.com/office/drawing/2014/main" val="20000"/>
+                      <a16:colId xmlns:a16="http://schemas.microsoft.com/office/drawing/2014/main" xmlns="" val="20000"/>
                     </a:ext>
                   </a:extLst>
                 </a:gridCol>
                 <a:gridCol w="1512357">
                   <a:extLst>
                     <a:ext uri="{9D8B030D-6E8A-4147-A177-3AD203B41FA5}">
-                      <a16:colId xmlns="" xmlns:a16="http://schemas.microsoft.com/office/drawing/2014/main" val="20001"/>
+                      <a16:colId xmlns:a16="http://schemas.microsoft.com/office/drawing/2014/main" xmlns="" val="20001"/>
                     </a:ext>
                   </a:extLst>
                 </a:gridCol>
                 <a:gridCol w="1289516">
                   <a:extLst>
                     <a:ext uri="{9D8B030D-6E8A-4147-A177-3AD203B41FA5}">
-                      <a16:colId xmlns="" xmlns:a16="http://schemas.microsoft.com/office/drawing/2014/main" val="20002"/>
+                      <a16:colId xmlns:a16="http://schemas.microsoft.com/office/drawing/2014/main" xmlns="" val="20002"/>
                     </a:ext>
                   </a:extLst>
                 </a:gridCol>
                 <a:gridCol w="1512357">
                   <a:extLst>
                     <a:ext uri="{9D8B030D-6E8A-4147-A177-3AD203B41FA5}">
-                      <a16:colId xmlns="" xmlns:a16="http://schemas.microsoft.com/office/drawing/2014/main" val="20003"/>
+                      <a16:colId xmlns:a16="http://schemas.microsoft.com/office/drawing/2014/main" xmlns="" val="20003"/>
                     </a:ext>
                   </a:extLst>
                 </a:gridCol>
                 <a:gridCol w="1238765">
                   <a:extLst>
                     <a:ext uri="{9D8B030D-6E8A-4147-A177-3AD203B41FA5}">
-                      <a16:colId xmlns="" xmlns:a16="http://schemas.microsoft.com/office/drawing/2014/main" val="20004"/>
+                      <a16:colId xmlns:a16="http://schemas.microsoft.com/office/drawing/2014/main" xmlns="" val="20004"/>
                     </a:ext>
                   </a:extLst>
                 </a:gridCol>
                 <a:gridCol w="1357322">
                   <a:extLst>
                     <a:ext uri="{9D8B030D-6E8A-4147-A177-3AD203B41FA5}">
-                      <a16:colId xmlns="" xmlns:a16="http://schemas.microsoft.com/office/drawing/2014/main" val="20005"/>
+                      <a16:colId xmlns:a16="http://schemas.microsoft.com/office/drawing/2014/main" xmlns="" val="20005"/>
                     </a:ext>
                   </a:extLst>
                 </a:gridCol>
@@ -14619,7 +14619,7 @@
                 </a:tc>
                 <a:extLst>
                   <a:ext uri="{0D108BD9-81ED-4DB2-BD59-A6C34878D82A}">
-                    <a16:rowId xmlns="" xmlns:a16="http://schemas.microsoft.com/office/drawing/2014/main" val="10000"/>
+                    <a16:rowId xmlns:a16="http://schemas.microsoft.com/office/drawing/2014/main" xmlns="" val="10000"/>
                   </a:ext>
                 </a:extLst>
               </a:tr>
@@ -14798,7 +14798,7 @@
                 </a:tc>
                 <a:extLst>
                   <a:ext uri="{0D108BD9-81ED-4DB2-BD59-A6C34878D82A}">
-                    <a16:rowId xmlns="" xmlns:a16="http://schemas.microsoft.com/office/drawing/2014/main" val="10001"/>
+                    <a16:rowId xmlns:a16="http://schemas.microsoft.com/office/drawing/2014/main" xmlns="" val="10001"/>
                   </a:ext>
                 </a:extLst>
               </a:tr>
@@ -14990,7 +14990,7 @@
                 </a:tc>
                 <a:extLst>
                   <a:ext uri="{0D108BD9-81ED-4DB2-BD59-A6C34878D82A}">
-                    <a16:rowId xmlns="" xmlns:a16="http://schemas.microsoft.com/office/drawing/2014/main" val="10003"/>
+                    <a16:rowId xmlns:a16="http://schemas.microsoft.com/office/drawing/2014/main" xmlns="" val="10003"/>
                   </a:ext>
                 </a:extLst>
               </a:tr>
@@ -15166,7 +15166,7 @@
                 </a:tc>
                 <a:extLst>
                   <a:ext uri="{0D108BD9-81ED-4DB2-BD59-A6C34878D82A}">
-                    <a16:rowId xmlns="" xmlns:a16="http://schemas.microsoft.com/office/drawing/2014/main" val="10005"/>
+                    <a16:rowId xmlns:a16="http://schemas.microsoft.com/office/drawing/2014/main" xmlns="" val="10005"/>
                   </a:ext>
                 </a:extLst>
               </a:tr>
@@ -15355,7 +15355,7 @@
                 </a:tc>
                 <a:extLst>
                   <a:ext uri="{0D108BD9-81ED-4DB2-BD59-A6C34878D82A}">
-                    <a16:rowId xmlns="" xmlns:a16="http://schemas.microsoft.com/office/drawing/2014/main" val="3962745546"/>
+                    <a16:rowId xmlns:a16="http://schemas.microsoft.com/office/drawing/2014/main" xmlns="" val="3962745546"/>
                   </a:ext>
                 </a:extLst>
               </a:tr>
@@ -15527,7 +15527,7 @@
           <p:cNvPr id="2" name="Title 1">
             <a:extLst>
               <a:ext uri="{FF2B5EF4-FFF2-40B4-BE49-F238E27FC236}">
-                <a16:creationId xmlns="" xmlns:a16="http://schemas.microsoft.com/office/drawing/2014/main" id="{F960E1C1-E9DB-7CD0-F281-A37F55063CAD}"/>
+                <a16:creationId xmlns:a16="http://schemas.microsoft.com/office/drawing/2014/main" xmlns="" id="{F960E1C1-E9DB-7CD0-F281-A37F55063CAD}"/>
               </a:ext>
             </a:extLst>
           </p:cNvPr>
@@ -15557,7 +15557,7 @@
           <p:cNvPr id="3" name="Content Placeholder 2">
             <a:extLst>
               <a:ext uri="{FF2B5EF4-FFF2-40B4-BE49-F238E27FC236}">
-                <a16:creationId xmlns="" xmlns:a16="http://schemas.microsoft.com/office/drawing/2014/main" id="{FFC85746-BA3C-65C1-FEA6-E601B5504CBD}"/>
+                <a16:creationId xmlns:a16="http://schemas.microsoft.com/office/drawing/2014/main" xmlns="" id="{FFC85746-BA3C-65C1-FEA6-E601B5504CBD}"/>
               </a:ext>
             </a:extLst>
           </p:cNvPr>
@@ -15744,7 +15744,7 @@
     </p:spTree>
     <p:extLst>
       <p:ext uri="{BB962C8B-B14F-4D97-AF65-F5344CB8AC3E}">
-        <p14:creationId xmlns="" xmlns:p14="http://schemas.microsoft.com/office/powerpoint/2010/main" val="4136005317"/>
+        <p14:creationId xmlns:p14="http://schemas.microsoft.com/office/powerpoint/2010/main" xmlns="" val="4136005317"/>
       </p:ext>
     </p:extLst>
   </p:cSld>
@@ -15783,7 +15783,7 @@
           <p:cNvPr id="2" name="Title 1">
             <a:extLst>
               <a:ext uri="{FF2B5EF4-FFF2-40B4-BE49-F238E27FC236}">
-                <a16:creationId xmlns="" xmlns:a16="http://schemas.microsoft.com/office/drawing/2014/main" id="{510C8CD2-CF09-9E03-0B40-E01964076679}"/>
+                <a16:creationId xmlns:a16="http://schemas.microsoft.com/office/drawing/2014/main" xmlns="" id="{510C8CD2-CF09-9E03-0B40-E01964076679}"/>
               </a:ext>
             </a:extLst>
           </p:cNvPr>
@@ -15822,7 +15822,7 @@
           <p:cNvPr id="3" name="Content Placeholder 2">
             <a:extLst>
               <a:ext uri="{FF2B5EF4-FFF2-40B4-BE49-F238E27FC236}">
-                <a16:creationId xmlns="" xmlns:a16="http://schemas.microsoft.com/office/drawing/2014/main" id="{584801A5-9803-B1C6-6752-3239D1ED4ACF}"/>
+                <a16:creationId xmlns:a16="http://schemas.microsoft.com/office/drawing/2014/main" xmlns="" id="{584801A5-9803-B1C6-6752-3239D1ED4ACF}"/>
               </a:ext>
             </a:extLst>
           </p:cNvPr>
@@ -16007,7 +16007,7 @@
     </p:spTree>
     <p:extLst>
       <p:ext uri="{BB962C8B-B14F-4D97-AF65-F5344CB8AC3E}">
-        <p14:creationId xmlns="" xmlns:p14="http://schemas.microsoft.com/office/powerpoint/2010/main" val="2455189985"/>
+        <p14:creationId xmlns:p14="http://schemas.microsoft.com/office/powerpoint/2010/main" xmlns="" val="2455189985"/>
       </p:ext>
     </p:extLst>
   </p:cSld>
@@ -16046,7 +16046,7 @@
           <p:cNvPr id="4" name="Title 1">
             <a:extLst>
               <a:ext uri="{FF2B5EF4-FFF2-40B4-BE49-F238E27FC236}">
-                <a16:creationId xmlns="" xmlns:a16="http://schemas.microsoft.com/office/drawing/2014/main" id="{510C8CD2-CF09-9E03-0B40-E01964076679}"/>
+                <a16:creationId xmlns:a16="http://schemas.microsoft.com/office/drawing/2014/main" xmlns="" id="{510C8CD2-CF09-9E03-0B40-E01964076679}"/>
               </a:ext>
             </a:extLst>
           </p:cNvPr>
@@ -16124,7 +16124,7 @@
           <p:cNvPr id="5" name="Content Placeholder 2">
             <a:extLst>
               <a:ext uri="{FF2B5EF4-FFF2-40B4-BE49-F238E27FC236}">
-                <a16:creationId xmlns="" xmlns:a16="http://schemas.microsoft.com/office/drawing/2014/main" id="{584801A5-9803-B1C6-6752-3239D1ED4ACF}"/>
+                <a16:creationId xmlns:a16="http://schemas.microsoft.com/office/drawing/2014/main" xmlns="" id="{584801A5-9803-B1C6-6752-3239D1ED4ACF}"/>
               </a:ext>
             </a:extLst>
           </p:cNvPr>
@@ -16286,7 +16286,7 @@
           <p:cNvPr id="4" name="Title 1">
             <a:extLst>
               <a:ext uri="{FF2B5EF4-FFF2-40B4-BE49-F238E27FC236}">
-                <a16:creationId xmlns="" xmlns:a16="http://schemas.microsoft.com/office/drawing/2014/main" id="{510C8CD2-CF09-9E03-0B40-E01964076679}"/>
+                <a16:creationId xmlns:a16="http://schemas.microsoft.com/office/drawing/2014/main" xmlns="" id="{510C8CD2-CF09-9E03-0B40-E01964076679}"/>
               </a:ext>
             </a:extLst>
           </p:cNvPr>
@@ -16364,7 +16364,7 @@
           <p:cNvPr id="5" name="Content Placeholder 2">
             <a:extLst>
               <a:ext uri="{FF2B5EF4-FFF2-40B4-BE49-F238E27FC236}">
-                <a16:creationId xmlns="" xmlns:a16="http://schemas.microsoft.com/office/drawing/2014/main" id="{584801A5-9803-B1C6-6752-3239D1ED4ACF}"/>
+                <a16:creationId xmlns:a16="http://schemas.microsoft.com/office/drawing/2014/main" xmlns="" id="{584801A5-9803-B1C6-6752-3239D1ED4ACF}"/>
               </a:ext>
             </a:extLst>
           </p:cNvPr>
@@ -16416,25 +16416,8 @@
             </a:pPr>
             <a:r>
               <a:rPr lang="en-US" sz="1700" b="1" dirty="0" smtClean="0"/>
-              <a:t>Student profile and attendance management: Students can view their academic profile, including attendance </a:t>
-            </a:r>
-            <a:r>
-              <a:rPr lang="en-US" sz="1700" b="1" dirty="0" smtClean="0"/>
-              <a:t>records </a:t>
-            </a:r>
-            <a:r>
-              <a:rPr lang="en-US" sz="1700" b="1" dirty="0" smtClean="0"/>
-              <a:t>and </a:t>
-            </a:r>
-            <a:r>
-              <a:rPr lang="en-US" sz="1700" b="1" dirty="0" smtClean="0"/>
-              <a:t>internal marks report </a:t>
-            </a:r>
-            <a:r>
-              <a:rPr lang="en-US" sz="1700" b="1" dirty="0" smtClean="0"/>
-              <a:t>.</a:t>
-            </a:r>
-            <a:endParaRPr lang="en-US" sz="1700" b="1" dirty="0" smtClean="0"/>
+              <a:t>Student profile and attendance management: Students can view their academic profile, including attendance records and internal marks report .</a:t>
+            </a:r>
           </a:p>
           <a:p>
             <a:pPr marL="342900" lvl="0" indent="-342900" algn="just" defTabSz="457200">
@@ -16481,39 +16464,7 @@
             </a:pPr>
             <a:r>
               <a:rPr lang="en-US" sz="1700" b="1" dirty="0" smtClean="0"/>
-              <a:t>Notification </a:t>
-            </a:r>
-            <a:r>
-              <a:rPr lang="en-US" sz="1700" b="1" dirty="0" smtClean="0"/>
-              <a:t>: </a:t>
-            </a:r>
-            <a:r>
-              <a:rPr lang="en-US" sz="1700" b="1" dirty="0" smtClean="0"/>
-              <a:t>The app can send </a:t>
-            </a:r>
-            <a:r>
-              <a:rPr lang="en-US" sz="1700" b="1" dirty="0" smtClean="0"/>
-              <a:t>notifications </a:t>
-            </a:r>
-            <a:r>
-              <a:rPr lang="en-US" sz="1700" b="1" dirty="0" smtClean="0"/>
-              <a:t>to students  regarding </a:t>
-            </a:r>
-            <a:r>
-              <a:rPr lang="en-US" sz="1700" b="1" dirty="0" smtClean="0"/>
-              <a:t>upcoming </a:t>
-            </a:r>
-            <a:r>
-              <a:rPr lang="en-US" sz="1700" b="1" dirty="0" smtClean="0"/>
-              <a:t>assignments </a:t>
-            </a:r>
-            <a:r>
-              <a:rPr lang="en-US" sz="1700" b="1" dirty="0" smtClean="0"/>
-              <a:t>and </a:t>
-            </a:r>
-            <a:r>
-              <a:rPr lang="en-US" sz="1700" b="1" dirty="0" smtClean="0"/>
-              <a:t>other important information.</a:t>
+              <a:t>Notification : The app can send notifications to students  regarding upcoming assignments and other important information.</a:t>
             </a:r>
           </a:p>
           <a:p>
@@ -16632,7 +16583,7 @@
           <p:cNvPr id="2" name="Title 1">
             <a:extLst>
               <a:ext uri="{FF2B5EF4-FFF2-40B4-BE49-F238E27FC236}">
-                <a16:creationId xmlns="" xmlns:a16="http://schemas.microsoft.com/office/drawing/2014/main" id="{BD1B524D-9007-9462-79DF-A181251B9780}"/>
+                <a16:creationId xmlns:a16="http://schemas.microsoft.com/office/drawing/2014/main" xmlns="" id="{BD1B524D-9007-9462-79DF-A181251B9780}"/>
               </a:ext>
             </a:extLst>
           </p:cNvPr>
@@ -16773,7 +16724,15 @@
                   <a:schemeClr val="tx1"/>
                 </a:solidFill>
               </a:rPr>
-              <a:t>can manage Subjects</a:t>
+              <a:t>can manage </a:t>
+            </a:r>
+            <a:r>
+              <a:rPr lang="en-US" sz="1900" b="1" dirty="0" smtClean="0">
+                <a:solidFill>
+                  <a:schemeClr val="tx1"/>
+                </a:solidFill>
+              </a:rPr>
+              <a:t>Subjects</a:t>
             </a:r>
           </a:p>
           <a:p>
@@ -16784,7 +16743,31 @@
                   <a:schemeClr val="tx1"/>
                 </a:solidFill>
               </a:rPr>
-              <a:t>Manage Time Table</a:t>
+              <a:t>Add/delete Students</a:t>
+            </a:r>
+            <a:endParaRPr lang="en-US" sz="1900" b="1" dirty="0" smtClean="0">
+              <a:solidFill>
+                <a:schemeClr val="tx1"/>
+              </a:solidFill>
+            </a:endParaRPr>
+          </a:p>
+          <a:p>
+            <a:pPr algn="just"/>
+            <a:r>
+              <a:rPr lang="en-IN" sz="1900" b="1" dirty="0" smtClean="0">
+                <a:solidFill>
+                  <a:schemeClr val="tx1"/>
+                </a:solidFill>
+              </a:rPr>
+              <a:t>Manage </a:t>
+            </a:r>
+            <a:r>
+              <a:rPr lang="en-IN" sz="1900" b="1" dirty="0" smtClean="0">
+                <a:solidFill>
+                  <a:schemeClr val="tx1"/>
+                </a:solidFill>
+              </a:rPr>
+              <a:t>Time Table</a:t>
             </a:r>
           </a:p>
           <a:p>
@@ -16835,22 +16818,6 @@
               </a:rPr>
               <a:t>Manage Announcement </a:t>
             </a:r>
-          </a:p>
-          <a:p>
-            <a:pPr algn="just"/>
-            <a:r>
-              <a:rPr lang="en-IN" sz="1900" b="1" dirty="0" smtClean="0">
-                <a:solidFill>
-                  <a:schemeClr val="tx1"/>
-                </a:solidFill>
-              </a:rPr>
-              <a:t>Add/delete Students</a:t>
-            </a:r>
-            <a:endParaRPr lang="en-US" sz="1900" b="1" dirty="0" smtClean="0">
-              <a:solidFill>
-                <a:schemeClr val="tx1"/>
-              </a:solidFill>
-            </a:endParaRPr>
           </a:p>
           <a:p>
             <a:pPr algn="just">
@@ -16938,7 +16905,7 @@
     </p:spTree>
     <p:extLst>
       <p:ext uri="{BB962C8B-B14F-4D97-AF65-F5344CB8AC3E}">
-        <p14:creationId xmlns="" xmlns:p14="http://schemas.microsoft.com/office/powerpoint/2010/main" val="2642933901"/>
+        <p14:creationId xmlns:p14="http://schemas.microsoft.com/office/powerpoint/2010/main" xmlns="" val="2642933901"/>
       </p:ext>
     </p:extLst>
   </p:cSld>
@@ -16977,7 +16944,7 @@
           <p:cNvPr id="3" name="Content Placeholder 2">
             <a:extLst>
               <a:ext uri="{FF2B5EF4-FFF2-40B4-BE49-F238E27FC236}">
-                <a16:creationId xmlns="" xmlns:a16="http://schemas.microsoft.com/office/drawing/2014/main" id="{CA26C0E1-1670-4180-96C7-5EA486202C67}"/>
+                <a16:creationId xmlns:a16="http://schemas.microsoft.com/office/drawing/2014/main" xmlns="" id="{CA26C0E1-1670-4180-96C7-5EA486202C67}"/>
               </a:ext>
             </a:extLst>
           </p:cNvPr>
@@ -17201,7 +17168,7 @@
           <p:cNvPr id="5" name="Content Placeholder 4">
             <a:extLst>
               <a:ext uri="{FF2B5EF4-FFF2-40B4-BE49-F238E27FC236}">
-                <a16:creationId xmlns="" xmlns:a16="http://schemas.microsoft.com/office/drawing/2014/main" id="{2F516250-5D9E-67E2-A9E9-FC15113E2DE9}"/>
+                <a16:creationId xmlns:a16="http://schemas.microsoft.com/office/drawing/2014/main" xmlns="" id="{2F516250-5D9E-67E2-A9E9-FC15113E2DE9}"/>
               </a:ext>
             </a:extLst>
           </p:cNvPr>
@@ -17470,7 +17437,7 @@
     </p:spTree>
     <p:extLst>
       <p:ext uri="{BB962C8B-B14F-4D97-AF65-F5344CB8AC3E}">
-        <p14:creationId xmlns="" xmlns:p14="http://schemas.microsoft.com/office/powerpoint/2010/main" val="3097697609"/>
+        <p14:creationId xmlns:p14="http://schemas.microsoft.com/office/powerpoint/2010/main" xmlns="" val="3097697609"/>
       </p:ext>
     </p:extLst>
   </p:cSld>
@@ -17548,7 +17515,7 @@
           <p:cNvPr id="3" name="Content Placeholder 2">
             <a:extLst>
               <a:ext uri="{FF2B5EF4-FFF2-40B4-BE49-F238E27FC236}">
-                <a16:creationId xmlns="" xmlns:a16="http://schemas.microsoft.com/office/drawing/2014/main" id="{7ADF66DC-9D4F-F09B-43B3-A5EFC7C20D87}"/>
+                <a16:creationId xmlns:a16="http://schemas.microsoft.com/office/drawing/2014/main" xmlns="" id="{7ADF66DC-9D4F-F09B-43B3-A5EFC7C20D87}"/>
               </a:ext>
             </a:extLst>
           </p:cNvPr>
@@ -17671,7 +17638,7 @@
           <p:cNvPr id="4" name="TextBox 3">
             <a:extLst>
               <a:ext uri="{FF2B5EF4-FFF2-40B4-BE49-F238E27FC236}">
-                <a16:creationId xmlns="" xmlns:a16="http://schemas.microsoft.com/office/drawing/2014/main" id="{192DB938-EEBB-7CFB-C5A3-8A84FCE1AF97}"/>
+                <a16:creationId xmlns:a16="http://schemas.microsoft.com/office/drawing/2014/main" xmlns="" id="{192DB938-EEBB-7CFB-C5A3-8A84FCE1AF97}"/>
               </a:ext>
             </a:extLst>
           </p:cNvPr>
@@ -17762,7 +17729,7 @@
     </p:spTree>
     <p:extLst>
       <p:ext uri="{BB962C8B-B14F-4D97-AF65-F5344CB8AC3E}">
-        <p14:creationId xmlns="" xmlns:p14="http://schemas.microsoft.com/office/powerpoint/2010/main" val="1982994981"/>
+        <p14:creationId xmlns:p14="http://schemas.microsoft.com/office/powerpoint/2010/main" xmlns="" val="1982994981"/>
       </p:ext>
     </p:extLst>
   </p:cSld>
@@ -17801,7 +17768,7 @@
           <p:cNvPr id="5" name="Title 4">
             <a:extLst>
               <a:ext uri="{FF2B5EF4-FFF2-40B4-BE49-F238E27FC236}">
-                <a16:creationId xmlns="" xmlns:a16="http://schemas.microsoft.com/office/drawing/2014/main" id="{0846DB05-C485-281C-F050-65BAF5F461D9}"/>
+                <a16:creationId xmlns:a16="http://schemas.microsoft.com/office/drawing/2014/main" xmlns="" id="{0846DB05-C485-281C-F050-65BAF5F461D9}"/>
               </a:ext>
             </a:extLst>
           </p:cNvPr>
@@ -17895,7 +17862,7 @@
           <p:cNvPr id="8" name="Title 4">
             <a:extLst>
               <a:ext uri="{FF2B5EF4-FFF2-40B4-BE49-F238E27FC236}">
-                <a16:creationId xmlns="" xmlns:a16="http://schemas.microsoft.com/office/drawing/2014/main" id="{0846DB05-C485-281C-F050-65BAF5F461D9}"/>
+                <a16:creationId xmlns:a16="http://schemas.microsoft.com/office/drawing/2014/main" xmlns="" id="{0846DB05-C485-281C-F050-65BAF5F461D9}"/>
               </a:ext>
             </a:extLst>
           </p:cNvPr>
@@ -17997,7 +17964,7 @@
     </p:spTree>
     <p:extLst>
       <p:ext uri="{BB962C8B-B14F-4D97-AF65-F5344CB8AC3E}">
-        <p14:creationId xmlns="" xmlns:p14="http://schemas.microsoft.com/office/powerpoint/2010/main" val="140058638"/>
+        <p14:creationId xmlns:p14="http://schemas.microsoft.com/office/powerpoint/2010/main" xmlns="" val="140058638"/>
       </p:ext>
     </p:extLst>
   </p:cSld>
@@ -18251,7 +18218,7 @@
   <a:extraClrSchemeLst/>
   <a:extLst>
     <a:ext uri="{05A4C25C-085E-4340-85A3-A5531E510DB2}">
-      <thm15:themeFamily xmlns="" xmlns:thm15="http://schemas.microsoft.com/office/thememl/2012/main" name="Wisp" id="{7CB32D59-10C0-40DD-B7BD-2E94284A981C}" vid="{24B1A44C-C006-48B2-A4D7-E5549B3D8CD4}"/>
+      <thm15:themeFamily xmlns:thm15="http://schemas.microsoft.com/office/thememl/2012/main" xmlns="" name="Wisp" id="{7CB32D59-10C0-40DD-B7BD-2E94284A981C}" vid="{24B1A44C-C006-48B2-A4D7-E5549B3D8CD4}"/>
     </a:ext>
   </a:extLst>
 </a:theme>
